--- a/Slides/FHDS_Model_Evaluation_Part4.pptx
+++ b/Slides/FHDS_Model_Evaluation_Part4.pptx
@@ -22,7 +22,7 @@
     <p:sldId id="6016" r:id="rId16"/>
     <p:sldId id="6015" r:id="rId17"/>
     <p:sldId id="6014" r:id="rId18"/>
-    <p:sldId id="6026" r:id="rId19"/>
+    <p:sldId id="6033" r:id="rId19"/>
     <p:sldId id="6027" r:id="rId20"/>
     <p:sldId id="6028" r:id="rId21"/>
     <p:sldId id="6022" r:id="rId22"/>
@@ -39,24 +39,24 @@
       <p:boldItalic r:id="rId28"/>
     </p:embeddedFont>
     <p:embeddedFont>
-      <p:font typeface="Montserrat" pitchFamily="2" charset="77"/>
+      <p:font typeface="Montserrat" panose="00000500000000000000" pitchFamily="2" charset="0"/>
       <p:regular r:id="rId29"/>
       <p:bold r:id="rId30"/>
       <p:italic r:id="rId31"/>
       <p:boldItalic r:id="rId32"/>
     </p:embeddedFont>
     <p:embeddedFont>
-      <p:font typeface="Montserrat Bold" pitchFamily="2" charset="77"/>
+      <p:font typeface="Montserrat Bold" panose="00000800000000000000" charset="0"/>
       <p:bold r:id="rId33"/>
       <p:italic r:id="rId34"/>
       <p:boldItalic r:id="rId35"/>
     </p:embeddedFont>
     <p:embeddedFont>
-      <p:font typeface="Now" pitchFamily="2" charset="77"/>
+      <p:font typeface="Now" panose="020B0604020202020204" charset="0"/>
       <p:regular r:id="rId36"/>
     </p:embeddedFont>
     <p:embeddedFont>
-      <p:font typeface="Now Bold" pitchFamily="2" charset="77"/>
+      <p:font typeface="Now Bold" panose="020B0604020202020204" charset="0"/>
       <p:regular r:id="rId37"/>
       <p:bold r:id="rId38"/>
     </p:embeddedFont>
@@ -2434,25 +2434,10 @@
           <a:bodyPr/>
           <a:lstStyle/>
           <a:p>
-            <a:r>
-              <a:rPr lang="en-US" sz="1200" dirty="0"/>
-              <a:t>Discussion Causality</a:t>
-            </a:r>
-          </a:p>
-          <a:p>
-            <a:endParaRPr lang="en-US" sz="1200" dirty="0"/>
-          </a:p>
-          <a:p>
-            <a:r>
-              <a:rPr lang="en-US" sz="1200" dirty="0"/>
-              <a:t>Example of posited causation. Does it make sense? </a:t>
-            </a:r>
-          </a:p>
-          <a:p>
-            <a:r>
-              <a:rPr lang="en-US" sz="1200" dirty="0"/>
-              <a:t>Why does A correlate with B even though we know A doesn’t cause B? (underlying cause C)</a:t>
-            </a:r>
+            <a:endParaRPr lang="en-US" dirty="0"/>
+          </a:p>
+          <a:p>
+            <a:endParaRPr lang="en-US" dirty="0"/>
           </a:p>
           <a:p>
             <a:endParaRPr lang="en-US" dirty="0"/>
@@ -2485,7 +2470,7 @@
     </p:spTree>
     <p:extLst>
       <p:ext uri="{BB962C8B-B14F-4D97-AF65-F5344CB8AC3E}">
-        <p14:creationId xmlns:p14="http://schemas.microsoft.com/office/powerpoint/2010/main" val="2126329261"/>
+        <p14:creationId xmlns:p14="http://schemas.microsoft.com/office/powerpoint/2010/main" val="1612948368"/>
       </p:ext>
     </p:extLst>
   </p:cSld>
@@ -3815,7 +3800,7 @@
           <a:p>
             <a:r>
               <a:rPr lang="en-US" dirty="0"/>
-              <a:t>Could slit this into two slides to have one about classifiers and show both ROC and formulas for precision/recall, accuracy, </a:t>
+              <a:t>Could split this into two slides to have one about classifiers and show both ROC and formulas for precision/recall, accuracy, </a:t>
             </a:r>
             <a:r>
               <a:rPr lang="en-US" dirty="0" err="1"/>
@@ -4475,7 +4460,7 @@
             <a:fld id="{1D8BD707-D9CF-40AE-B4C6-C98DA3205C09}" type="datetimeFigureOut">
               <a:rPr lang="en-US" smtClean="0"/>
               <a:pPr/>
-              <a:t>10/19/23</a:t>
+              <a:t>10/19/2023</a:t>
             </a:fld>
             <a:endParaRPr lang="en-US"/>
           </a:p>
@@ -4640,7 +4625,7 @@
             <a:fld id="{1D8BD707-D9CF-40AE-B4C6-C98DA3205C09}" type="datetimeFigureOut">
               <a:rPr lang="en-US" smtClean="0"/>
               <a:pPr/>
-              <a:t>10/19/23</a:t>
+              <a:t>10/19/2023</a:t>
             </a:fld>
             <a:endParaRPr lang="en-US"/>
           </a:p>
@@ -4815,7 +4800,7 @@
             <a:fld id="{1D8BD707-D9CF-40AE-B4C6-C98DA3205C09}" type="datetimeFigureOut">
               <a:rPr lang="en-US" smtClean="0"/>
               <a:pPr/>
-              <a:t>10/19/23</a:t>
+              <a:t>10/19/2023</a:t>
             </a:fld>
             <a:endParaRPr lang="en-US"/>
           </a:p>
@@ -4980,7 +4965,7 @@
             <a:fld id="{1D8BD707-D9CF-40AE-B4C6-C98DA3205C09}" type="datetimeFigureOut">
               <a:rPr lang="en-US" smtClean="0"/>
               <a:pPr/>
-              <a:t>10/19/23</a:t>
+              <a:t>10/19/2023</a:t>
             </a:fld>
             <a:endParaRPr lang="en-US"/>
           </a:p>
@@ -5222,7 +5207,7 @@
             <a:fld id="{1D8BD707-D9CF-40AE-B4C6-C98DA3205C09}" type="datetimeFigureOut">
               <a:rPr lang="en-US" smtClean="0"/>
               <a:pPr/>
-              <a:t>10/19/23</a:t>
+              <a:t>10/19/2023</a:t>
             </a:fld>
             <a:endParaRPr lang="en-US"/>
           </a:p>
@@ -5504,7 +5489,7 @@
             <a:fld id="{1D8BD707-D9CF-40AE-B4C6-C98DA3205C09}" type="datetimeFigureOut">
               <a:rPr lang="en-US" smtClean="0"/>
               <a:pPr/>
-              <a:t>10/19/23</a:t>
+              <a:t>10/19/2023</a:t>
             </a:fld>
             <a:endParaRPr lang="en-US"/>
           </a:p>
@@ -5920,7 +5905,7 @@
             <a:fld id="{1D8BD707-D9CF-40AE-B4C6-C98DA3205C09}" type="datetimeFigureOut">
               <a:rPr lang="en-US" smtClean="0"/>
               <a:pPr/>
-              <a:t>10/19/23</a:t>
+              <a:t>10/19/2023</a:t>
             </a:fld>
             <a:endParaRPr lang="en-US"/>
           </a:p>
@@ -6034,7 +6019,7 @@
             <a:fld id="{1D8BD707-D9CF-40AE-B4C6-C98DA3205C09}" type="datetimeFigureOut">
               <a:rPr lang="en-US" smtClean="0"/>
               <a:pPr/>
-              <a:t>10/19/23</a:t>
+              <a:t>10/19/2023</a:t>
             </a:fld>
             <a:endParaRPr lang="en-US"/>
           </a:p>
@@ -6126,7 +6111,7 @@
             <a:fld id="{1D8BD707-D9CF-40AE-B4C6-C98DA3205C09}" type="datetimeFigureOut">
               <a:rPr lang="en-US" smtClean="0"/>
               <a:pPr/>
-              <a:t>10/19/23</a:t>
+              <a:t>10/19/2023</a:t>
             </a:fld>
             <a:endParaRPr lang="en-US"/>
           </a:p>
@@ -6398,7 +6383,7 @@
             <a:fld id="{1D8BD707-D9CF-40AE-B4C6-C98DA3205C09}" type="datetimeFigureOut">
               <a:rPr lang="en-US" smtClean="0"/>
               <a:pPr/>
-              <a:t>10/19/23</a:t>
+              <a:t>10/19/2023</a:t>
             </a:fld>
             <a:endParaRPr lang="en-US"/>
           </a:p>
@@ -6647,7 +6632,7 @@
             <a:fld id="{1D8BD707-D9CF-40AE-B4C6-C98DA3205C09}" type="datetimeFigureOut">
               <a:rPr lang="en-US" smtClean="0"/>
               <a:pPr/>
-              <a:t>10/19/23</a:t>
+              <a:t>10/19/2023</a:t>
             </a:fld>
             <a:endParaRPr lang="en-US"/>
           </a:p>
@@ -6855,7 +6840,7 @@
             <a:fld id="{1D8BD707-D9CF-40AE-B4C6-C98DA3205C09}" type="datetimeFigureOut">
               <a:rPr lang="en-US" smtClean="0"/>
               <a:pPr/>
-              <a:t>10/19/23</a:t>
+              <a:t>10/19/2023</a:t>
             </a:fld>
             <a:endParaRPr lang="en-US"/>
           </a:p>
@@ -11967,7 +11952,7 @@
           <p:nvPr/>
         </p:nvPicPr>
         <p:blipFill>
-          <a:blip r:embed="rId5">
+          <a:blip r:embed="rId5" cstate="print">
             <a:extLst>
               <a:ext uri="{BEBA8EAE-BF5A-486C-A8C5-ECC9F3942E4B}">
                 <a14:imgProps xmlns:a14="http://schemas.microsoft.com/office/drawing/2010/main">
@@ -13019,7 +13004,7 @@
           <p:nvPr/>
         </p:nvPicPr>
         <p:blipFill>
-          <a:blip r:embed="rId10">
+          <a:blip r:embed="rId10" cstate="print">
             <a:extLst>
               <a:ext uri="{BEBA8EAE-BF5A-486C-A8C5-ECC9F3942E4B}">
                 <a14:imgProps xmlns:a14="http://schemas.microsoft.com/office/drawing/2010/main">
@@ -14202,7 +14187,7 @@
           <p:nvPr/>
         </p:nvPicPr>
         <p:blipFill>
-          <a:blip r:embed="rId4">
+          <a:blip r:embed="rId4" cstate="print">
             <a:extLst>
               <a:ext uri="{BEBA8EAE-BF5A-486C-A8C5-ECC9F3942E4B}">
                 <a14:imgProps xmlns:a14="http://schemas.microsoft.com/office/drawing/2010/main">
@@ -14907,7 +14892,7 @@
           <p:nvPr/>
         </p:nvPicPr>
         <p:blipFill>
-          <a:blip r:embed="rId5">
+          <a:blip r:embed="rId5" cstate="print">
             <a:extLst>
               <a:ext uri="{BEBA8EAE-BF5A-486C-A8C5-ECC9F3942E4B}">
                 <a14:imgProps xmlns:a14="http://schemas.microsoft.com/office/drawing/2010/main">
@@ -15306,7 +15291,7 @@
           <p:nvPr/>
         </p:nvPicPr>
         <p:blipFill>
-          <a:blip r:embed="rId4">
+          <a:blip r:embed="rId4" cstate="print">
             <a:extLst>
               <a:ext uri="{BEBA8EAE-BF5A-486C-A8C5-ECC9F3942E4B}">
                 <a14:imgProps xmlns:a14="http://schemas.microsoft.com/office/drawing/2010/main">
@@ -15623,7 +15608,7 @@
           <p:nvPr/>
         </p:nvPicPr>
         <p:blipFill>
-          <a:blip r:embed="rId3">
+          <a:blip r:embed="rId3" cstate="print">
             <a:extLst>
               <a:ext uri="{BEBA8EAE-BF5A-486C-A8C5-ECC9F3942E4B}">
                 <a14:imgProps xmlns:a14="http://schemas.microsoft.com/office/drawing/2010/main">
@@ -15686,6 +15671,45 @@
           <a:chExt cx="0" cy="0"/>
         </a:xfrm>
       </p:grpSpPr>
+      <p:pic>
+        <p:nvPicPr>
+          <p:cNvPr id="33" name="Graphic 32" descr="Boardroom with solid fill">
+            <a:extLst>
+              <a:ext uri="{FF2B5EF4-FFF2-40B4-BE49-F238E27FC236}">
+                <a16:creationId xmlns:a16="http://schemas.microsoft.com/office/drawing/2014/main" id="{A5016BB8-F951-3EDF-A810-3AE8374A904D}"/>
+              </a:ext>
+            </a:extLst>
+          </p:cNvPr>
+          <p:cNvPicPr>
+            <a:picLocks noChangeAspect="1"/>
+          </p:cNvPicPr>
+          <p:nvPr/>
+        </p:nvPicPr>
+        <p:blipFill>
+          <a:blip r:embed="rId3">
+            <a:extLst>
+              <a:ext uri="{28A0092B-C50C-407E-A947-70E740481C1C}">
+                <a14:useLocalDpi xmlns:a14="http://schemas.microsoft.com/office/drawing/2010/main" val="0"/>
+              </a:ext>
+              <a:ext uri="{96DAC541-7B7A-43D3-8B79-37D633B846F1}">
+                <asvg:svgBlip xmlns:asvg="http://schemas.microsoft.com/office/drawing/2016/SVG/main" r:embed="rId4"/>
+              </a:ext>
+            </a:extLst>
+          </a:blip>
+          <a:stretch>
+            <a:fillRect/>
+          </a:stretch>
+        </p:blipFill>
+        <p:spPr>
+          <a:xfrm rot="21307017">
+            <a:off x="8004653" y="7796119"/>
+            <a:ext cx="1692573" cy="1692573"/>
+          </a:xfrm>
+          <a:prstGeom prst="rect">
+            <a:avLst/>
+          </a:prstGeom>
+        </p:spPr>
+      </p:pic>
       <p:sp>
         <p:nvSpPr>
           <p:cNvPr id="2" name="TextBox 1">
@@ -15700,8 +15724,8 @@
         </p:nvSpPr>
         <p:spPr>
           <a:xfrm>
-            <a:off x="2590800" y="3185966"/>
-            <a:ext cx="13411200" cy="2677656"/>
+            <a:off x="2145323" y="2571095"/>
+            <a:ext cx="14325600" cy="4401205"/>
           </a:xfrm>
           <a:prstGeom prst="rect">
             <a:avLst/>
@@ -15716,35 +15740,4235 @@
           <a:p>
             <a:r>
               <a:rPr lang="en-US" sz="2800" dirty="0">
-                <a:latin typeface="Montserrat" panose="00000500000000000000" pitchFamily="2" charset="0"/>
+                <a:latin typeface="Montserrat" pitchFamily="2" charset="77"/>
               </a:rPr>
-              <a:t>Discussion Causality</a:t>
+              <a:t>In large population study you find a subpopulation of people who complain of fatigue and joint aches. The same people later develop oral problems such as bleeding gums and loosing teeth. </a:t>
             </a:r>
           </a:p>
           <a:p>
             <a:endParaRPr lang="en-US" sz="2800" dirty="0">
-              <a:latin typeface="Montserrat" panose="00000500000000000000" pitchFamily="2" charset="0"/>
+              <a:latin typeface="Montserrat" pitchFamily="2" charset="77"/>
             </a:endParaRPr>
           </a:p>
           <a:p>
+            <a:r>
+              <a:rPr lang="en-US" sz="2800" dirty="0">
+                <a:latin typeface="Montserrat" pitchFamily="2" charset="77"/>
+              </a:rPr>
+              <a:t>Do you expect that treatment of the joint pain will lead to less oral symptoms later?</a:t>
+            </a:r>
+          </a:p>
+          <a:p>
+            <a:endParaRPr lang="en-US" sz="2800" dirty="0">
+              <a:latin typeface="Montserrat" pitchFamily="2" charset="77"/>
+            </a:endParaRPr>
+          </a:p>
+          <a:p>
+            <a:r>
+              <a:rPr lang="en-US" sz="2800" dirty="0">
+                <a:latin typeface="Montserrat" pitchFamily="2" charset="77"/>
+              </a:rPr>
+              <a:t>Does joint pain cause oral problems?</a:t>
+            </a:r>
+          </a:p>
+          <a:p>
+            <a:pPr algn="ctr"/>
+            <a:endParaRPr lang="en-US" sz="2800" dirty="0">
+              <a:latin typeface="Montserrat" pitchFamily="2" charset="77"/>
+            </a:endParaRPr>
+          </a:p>
+          <a:p>
+            <a:r>
+              <a:rPr lang="en-US" sz="2800" dirty="0">
+                <a:latin typeface="Montserrat" pitchFamily="2" charset="77"/>
+              </a:rPr>
+              <a:t>Hint: Your population data is from 13</a:t>
+            </a:r>
+            <a:r>
+              <a:rPr lang="en-US" sz="2800" baseline="30000" dirty="0">
+                <a:latin typeface="Montserrat" pitchFamily="2" charset="77"/>
+              </a:rPr>
+              <a:t>th</a:t>
+            </a:r>
+            <a:r>
+              <a:rPr lang="en-US" sz="2800" dirty="0">
+                <a:latin typeface="Montserrat" pitchFamily="2" charset="77"/>
+              </a:rPr>
+              <a:t> century sailors.</a:t>
+            </a:r>
+          </a:p>
+        </p:txBody>
+      </p:sp>
+      <p:sp>
+        <p:nvSpPr>
+          <p:cNvPr id="3" name="Rounded Rectangle 2">
+            <a:extLst>
+              <a:ext uri="{FF2B5EF4-FFF2-40B4-BE49-F238E27FC236}">
+                <a16:creationId xmlns:a16="http://schemas.microsoft.com/office/drawing/2014/main" id="{FF181C16-B588-725B-C8AC-927BE190228F}"/>
+              </a:ext>
+            </a:extLst>
+          </p:cNvPr>
+          <p:cNvSpPr/>
+          <p:nvPr/>
+        </p:nvSpPr>
+        <p:spPr>
+          <a:xfrm>
+            <a:off x="4234764" y="903355"/>
+            <a:ext cx="9328836" cy="1268345"/>
+          </a:xfrm>
+          <a:prstGeom prst="roundRect">
+            <a:avLst/>
+          </a:prstGeom>
+          <a:solidFill>
+            <a:srgbClr val="8EB4E3"/>
+          </a:solidFill>
+          <a:ln>
+            <a:noFill/>
+          </a:ln>
+        </p:spPr>
+        <p:style>
+          <a:lnRef idx="2">
+            <a:schemeClr val="accent1">
+              <a:shade val="50000"/>
+            </a:schemeClr>
+          </a:lnRef>
+          <a:fillRef idx="1">
+            <a:schemeClr val="accent1"/>
+          </a:fillRef>
+          <a:effectRef idx="0">
+            <a:schemeClr val="accent1"/>
+          </a:effectRef>
+          <a:fontRef idx="minor">
+            <a:schemeClr val="lt1"/>
+          </a:fontRef>
+        </p:style>
+        <p:txBody>
+          <a:bodyPr rtlCol="0" anchor="ctr"/>
+          <a:lstStyle/>
+          <a:p>
+            <a:pPr algn="ctr"/>
+            <a:endParaRPr lang="en-DK" dirty="0"/>
+          </a:p>
+        </p:txBody>
+      </p:sp>
+      <p:sp>
+        <p:nvSpPr>
+          <p:cNvPr id="5" name="TextBox 3">
+            <a:extLst>
+              <a:ext uri="{FF2B5EF4-FFF2-40B4-BE49-F238E27FC236}">
+                <a16:creationId xmlns:a16="http://schemas.microsoft.com/office/drawing/2014/main" id="{3770CDFD-3D4F-F772-C1D0-365E279B73F9}"/>
+              </a:ext>
+            </a:extLst>
+          </p:cNvPr>
+          <p:cNvSpPr txBox="1"/>
+          <p:nvPr/>
+        </p:nvSpPr>
+        <p:spPr>
+          <a:xfrm>
+            <a:off x="3850105" y="1028700"/>
+            <a:ext cx="10203131" cy="940322"/>
+          </a:xfrm>
+          <a:prstGeom prst="rect">
+            <a:avLst/>
+          </a:prstGeom>
+        </p:spPr>
+        <p:txBody>
+          <a:bodyPr wrap="square" lIns="0" tIns="0" rIns="0" bIns="0" rtlCol="0" anchor="t">
+            <a:spAutoFit/>
+          </a:bodyPr>
+          <a:lstStyle/>
+          <a:p>
+            <a:pPr algn="ctr">
+              <a:lnSpc>
+                <a:spcPts val="7807"/>
+              </a:lnSpc>
+              <a:spcBef>
+                <a:spcPct val="0"/>
+              </a:spcBef>
+            </a:pPr>
+            <a:r>
+              <a:rPr lang="en-US" sz="5400" b="1" dirty="0">
+                <a:solidFill>
+                  <a:schemeClr val="bg1"/>
+                </a:solidFill>
+                <a:latin typeface="Montserrat" pitchFamily="2" charset="77"/>
+              </a:rPr>
+              <a:t>GROUP DISCUSSION</a:t>
+            </a:r>
+          </a:p>
+        </p:txBody>
+      </p:sp>
+      <p:pic>
+        <p:nvPicPr>
+          <p:cNvPr id="27" name="Graphic 26" descr="Sailboat with solid fill">
+            <a:extLst>
+              <a:ext uri="{FF2B5EF4-FFF2-40B4-BE49-F238E27FC236}">
+                <a16:creationId xmlns:a16="http://schemas.microsoft.com/office/drawing/2014/main" id="{EC87A63C-7513-3CFC-7FAA-300E8093FECE}"/>
+              </a:ext>
+            </a:extLst>
+          </p:cNvPr>
+          <p:cNvPicPr>
+            <a:picLocks noChangeAspect="1"/>
+          </p:cNvPicPr>
+          <p:nvPr/>
+        </p:nvPicPr>
+        <p:blipFill>
+          <a:blip r:embed="rId5">
+            <a:extLst>
+              <a:ext uri="{28A0092B-C50C-407E-A947-70E740481C1C}">
+                <a14:useLocalDpi xmlns:a14="http://schemas.microsoft.com/office/drawing/2010/main" val="0"/>
+              </a:ext>
+              <a:ext uri="{96DAC541-7B7A-43D3-8B79-37D633B846F1}">
+                <asvg:svgBlip xmlns:asvg="http://schemas.microsoft.com/office/drawing/2016/SVG/main" r:embed="rId6"/>
+              </a:ext>
+            </a:extLst>
+          </a:blip>
+          <a:stretch>
+            <a:fillRect/>
+          </a:stretch>
+        </p:blipFill>
+        <p:spPr>
+          <a:xfrm>
+            <a:off x="7086600" y="6525987"/>
+            <a:ext cx="3733800" cy="3733800"/>
+          </a:xfrm>
+          <a:prstGeom prst="rect">
+            <a:avLst/>
+          </a:prstGeom>
+        </p:spPr>
+      </p:pic>
+      <p:grpSp>
+        <p:nvGrpSpPr>
+          <p:cNvPr id="28" name="Group 27">
+            <a:extLst>
+              <a:ext uri="{FF2B5EF4-FFF2-40B4-BE49-F238E27FC236}">
+                <a16:creationId xmlns:a16="http://schemas.microsoft.com/office/drawing/2014/main" id="{63A66B3F-83EF-06F9-248C-C96D5BB67336}"/>
+              </a:ext>
+            </a:extLst>
+          </p:cNvPr>
+          <p:cNvGrpSpPr/>
+          <p:nvPr/>
+        </p:nvGrpSpPr>
+        <p:grpSpPr>
+          <a:xfrm>
+            <a:off x="-152400" y="8953500"/>
+            <a:ext cx="17373600" cy="1524000"/>
+            <a:chOff x="-152400" y="8953500"/>
+            <a:chExt cx="17373600" cy="1524000"/>
+          </a:xfrm>
+        </p:grpSpPr>
+        <p:grpSp>
+          <p:nvGrpSpPr>
+            <p:cNvPr id="29" name="Group 28">
+              <a:extLst>
+                <a:ext uri="{FF2B5EF4-FFF2-40B4-BE49-F238E27FC236}">
+                  <a16:creationId xmlns:a16="http://schemas.microsoft.com/office/drawing/2014/main" id="{27C031E5-8819-FDF8-333E-7231393E3200}"/>
+                </a:ext>
+              </a:extLst>
+            </p:cNvPr>
+            <p:cNvGrpSpPr/>
+            <p:nvPr/>
+          </p:nvGrpSpPr>
+          <p:grpSpPr>
+            <a:xfrm>
+              <a:off x="-152400" y="8953500"/>
+              <a:ext cx="3962400" cy="1524000"/>
+              <a:chOff x="-152400" y="8953500"/>
+              <a:chExt cx="3962400" cy="1524000"/>
+            </a:xfrm>
+          </p:grpSpPr>
+          <p:pic>
+            <p:nvPicPr>
+              <p:cNvPr id="54" name="Graphic 53" descr="Wave with solid fill">
+                <a:extLst>
+                  <a:ext uri="{FF2B5EF4-FFF2-40B4-BE49-F238E27FC236}">
+                    <a16:creationId xmlns:a16="http://schemas.microsoft.com/office/drawing/2014/main" id="{8423D1A5-48E5-8EB5-053C-27187AACA9E0}"/>
+                  </a:ext>
+                </a:extLst>
+              </p:cNvPr>
+              <p:cNvPicPr>
+                <a:picLocks noChangeAspect="1"/>
+              </p:cNvPicPr>
+              <p:nvPr/>
+            </p:nvPicPr>
+            <p:blipFill>
+              <a:blip r:embed="rId7">
+                <a:extLst>
+                  <a:ext uri="{28A0092B-C50C-407E-A947-70E740481C1C}">
+                    <a14:useLocalDpi xmlns:a14="http://schemas.microsoft.com/office/drawing/2010/main" val="0"/>
+                  </a:ext>
+                  <a:ext uri="{96DAC541-7B7A-43D3-8B79-37D633B846F1}">
+                    <asvg:svgBlip xmlns:asvg="http://schemas.microsoft.com/office/drawing/2016/SVG/main" r:embed="rId8"/>
+                  </a:ext>
+                </a:extLst>
+              </a:blip>
+              <a:stretch>
+                <a:fillRect/>
+              </a:stretch>
+            </p:blipFill>
+            <p:spPr>
+              <a:xfrm>
+                <a:off x="-152400" y="8953500"/>
+                <a:ext cx="1524000" cy="1524000"/>
+              </a:xfrm>
+              <a:prstGeom prst="rect">
+                <a:avLst/>
+              </a:prstGeom>
+            </p:spPr>
+          </p:pic>
+          <p:pic>
+            <p:nvPicPr>
+              <p:cNvPr id="55" name="Graphic 54" descr="Wave with solid fill">
+                <a:extLst>
+                  <a:ext uri="{FF2B5EF4-FFF2-40B4-BE49-F238E27FC236}">
+                    <a16:creationId xmlns:a16="http://schemas.microsoft.com/office/drawing/2014/main" id="{9818827C-62A3-E125-AD8F-847FF202F1AE}"/>
+                  </a:ext>
+                </a:extLst>
+              </p:cNvPr>
+              <p:cNvPicPr>
+                <a:picLocks noChangeAspect="1"/>
+              </p:cNvPicPr>
+              <p:nvPr/>
+            </p:nvPicPr>
+            <p:blipFill>
+              <a:blip r:embed="rId7">
+                <a:extLst>
+                  <a:ext uri="{28A0092B-C50C-407E-A947-70E740481C1C}">
+                    <a14:useLocalDpi xmlns:a14="http://schemas.microsoft.com/office/drawing/2010/main" val="0"/>
+                  </a:ext>
+                  <a:ext uri="{96DAC541-7B7A-43D3-8B79-37D633B846F1}">
+                    <asvg:svgBlip xmlns:asvg="http://schemas.microsoft.com/office/drawing/2016/SVG/main" r:embed="rId8"/>
+                  </a:ext>
+                </a:extLst>
+              </a:blip>
+              <a:stretch>
+                <a:fillRect/>
+              </a:stretch>
+            </p:blipFill>
+            <p:spPr>
+              <a:xfrm>
+                <a:off x="1066800" y="8953500"/>
+                <a:ext cx="1524000" cy="1524000"/>
+              </a:xfrm>
+              <a:prstGeom prst="rect">
+                <a:avLst/>
+              </a:prstGeom>
+            </p:spPr>
+          </p:pic>
+          <p:pic>
+            <p:nvPicPr>
+              <p:cNvPr id="56" name="Graphic 55" descr="Wave with solid fill">
+                <a:extLst>
+                  <a:ext uri="{FF2B5EF4-FFF2-40B4-BE49-F238E27FC236}">
+                    <a16:creationId xmlns:a16="http://schemas.microsoft.com/office/drawing/2014/main" id="{543729AC-580A-4FC3-5A2D-1FD9C087D7E1}"/>
+                  </a:ext>
+                </a:extLst>
+              </p:cNvPr>
+              <p:cNvPicPr>
+                <a:picLocks noChangeAspect="1"/>
+              </p:cNvPicPr>
+              <p:nvPr/>
+            </p:nvPicPr>
+            <p:blipFill>
+              <a:blip r:embed="rId7">
+                <a:extLst>
+                  <a:ext uri="{28A0092B-C50C-407E-A947-70E740481C1C}">
+                    <a14:useLocalDpi xmlns:a14="http://schemas.microsoft.com/office/drawing/2010/main" val="0"/>
+                  </a:ext>
+                  <a:ext uri="{96DAC541-7B7A-43D3-8B79-37D633B846F1}">
+                    <asvg:svgBlip xmlns:asvg="http://schemas.microsoft.com/office/drawing/2016/SVG/main" r:embed="rId8"/>
+                  </a:ext>
+                </a:extLst>
+              </a:blip>
+              <a:stretch>
+                <a:fillRect/>
+              </a:stretch>
+            </p:blipFill>
+            <p:spPr>
+              <a:xfrm>
+                <a:off x="2286000" y="8953500"/>
+                <a:ext cx="1524000" cy="1524000"/>
+              </a:xfrm>
+              <a:prstGeom prst="rect">
+                <a:avLst/>
+              </a:prstGeom>
+            </p:spPr>
+          </p:pic>
+        </p:grpSp>
+        <p:grpSp>
+          <p:nvGrpSpPr>
+            <p:cNvPr id="30" name="Group 29">
+              <a:extLst>
+                <a:ext uri="{FF2B5EF4-FFF2-40B4-BE49-F238E27FC236}">
+                  <a16:creationId xmlns:a16="http://schemas.microsoft.com/office/drawing/2014/main" id="{A7ADE9DE-EA94-5EC2-A363-5F72780165D9}"/>
+                </a:ext>
+              </a:extLst>
+            </p:cNvPr>
+            <p:cNvGrpSpPr/>
+            <p:nvPr/>
+          </p:nvGrpSpPr>
+          <p:grpSpPr>
+            <a:xfrm>
+              <a:off x="3505200" y="8953500"/>
+              <a:ext cx="3962400" cy="1524000"/>
+              <a:chOff x="-152400" y="8953500"/>
+              <a:chExt cx="3962400" cy="1524000"/>
+            </a:xfrm>
+          </p:grpSpPr>
+          <p:pic>
+            <p:nvPicPr>
+              <p:cNvPr id="51" name="Graphic 50" descr="Wave with solid fill">
+                <a:extLst>
+                  <a:ext uri="{FF2B5EF4-FFF2-40B4-BE49-F238E27FC236}">
+                    <a16:creationId xmlns:a16="http://schemas.microsoft.com/office/drawing/2014/main" id="{655C6DD2-F8E5-0C22-0DF7-A8B6BDD175B6}"/>
+                  </a:ext>
+                </a:extLst>
+              </p:cNvPr>
+              <p:cNvPicPr>
+                <a:picLocks noChangeAspect="1"/>
+              </p:cNvPicPr>
+              <p:nvPr/>
+            </p:nvPicPr>
+            <p:blipFill>
+              <a:blip r:embed="rId7">
+                <a:extLst>
+                  <a:ext uri="{28A0092B-C50C-407E-A947-70E740481C1C}">
+                    <a14:useLocalDpi xmlns:a14="http://schemas.microsoft.com/office/drawing/2010/main" val="0"/>
+                  </a:ext>
+                  <a:ext uri="{96DAC541-7B7A-43D3-8B79-37D633B846F1}">
+                    <asvg:svgBlip xmlns:asvg="http://schemas.microsoft.com/office/drawing/2016/SVG/main" r:embed="rId8"/>
+                  </a:ext>
+                </a:extLst>
+              </a:blip>
+              <a:stretch>
+                <a:fillRect/>
+              </a:stretch>
+            </p:blipFill>
+            <p:spPr>
+              <a:xfrm>
+                <a:off x="-152400" y="8953500"/>
+                <a:ext cx="1524000" cy="1524000"/>
+              </a:xfrm>
+              <a:prstGeom prst="rect">
+                <a:avLst/>
+              </a:prstGeom>
+            </p:spPr>
+          </p:pic>
+          <p:pic>
+            <p:nvPicPr>
+              <p:cNvPr id="52" name="Graphic 51" descr="Wave with solid fill">
+                <a:extLst>
+                  <a:ext uri="{FF2B5EF4-FFF2-40B4-BE49-F238E27FC236}">
+                    <a16:creationId xmlns:a16="http://schemas.microsoft.com/office/drawing/2014/main" id="{F366712F-C787-1EDD-00D2-52793A1F1A32}"/>
+                  </a:ext>
+                </a:extLst>
+              </p:cNvPr>
+              <p:cNvPicPr>
+                <a:picLocks noChangeAspect="1"/>
+              </p:cNvPicPr>
+              <p:nvPr/>
+            </p:nvPicPr>
+            <p:blipFill>
+              <a:blip r:embed="rId7">
+                <a:extLst>
+                  <a:ext uri="{28A0092B-C50C-407E-A947-70E740481C1C}">
+                    <a14:useLocalDpi xmlns:a14="http://schemas.microsoft.com/office/drawing/2010/main" val="0"/>
+                  </a:ext>
+                  <a:ext uri="{96DAC541-7B7A-43D3-8B79-37D633B846F1}">
+                    <asvg:svgBlip xmlns:asvg="http://schemas.microsoft.com/office/drawing/2016/SVG/main" r:embed="rId8"/>
+                  </a:ext>
+                </a:extLst>
+              </a:blip>
+              <a:stretch>
+                <a:fillRect/>
+              </a:stretch>
+            </p:blipFill>
+            <p:spPr>
+              <a:xfrm>
+                <a:off x="1066800" y="8953500"/>
+                <a:ext cx="1524000" cy="1524000"/>
+              </a:xfrm>
+              <a:prstGeom prst="rect">
+                <a:avLst/>
+              </a:prstGeom>
+            </p:spPr>
+          </p:pic>
+          <p:pic>
+            <p:nvPicPr>
+              <p:cNvPr id="53" name="Graphic 52" descr="Wave with solid fill">
+                <a:extLst>
+                  <a:ext uri="{FF2B5EF4-FFF2-40B4-BE49-F238E27FC236}">
+                    <a16:creationId xmlns:a16="http://schemas.microsoft.com/office/drawing/2014/main" id="{AA472912-141B-B2BE-FF64-4196A851B91E}"/>
+                  </a:ext>
+                </a:extLst>
+              </p:cNvPr>
+              <p:cNvPicPr>
+                <a:picLocks noChangeAspect="1"/>
+              </p:cNvPicPr>
+              <p:nvPr/>
+            </p:nvPicPr>
+            <p:blipFill>
+              <a:blip r:embed="rId7">
+                <a:extLst>
+                  <a:ext uri="{28A0092B-C50C-407E-A947-70E740481C1C}">
+                    <a14:useLocalDpi xmlns:a14="http://schemas.microsoft.com/office/drawing/2010/main" val="0"/>
+                  </a:ext>
+                  <a:ext uri="{96DAC541-7B7A-43D3-8B79-37D633B846F1}">
+                    <asvg:svgBlip xmlns:asvg="http://schemas.microsoft.com/office/drawing/2016/SVG/main" r:embed="rId8"/>
+                  </a:ext>
+                </a:extLst>
+              </a:blip>
+              <a:stretch>
+                <a:fillRect/>
+              </a:stretch>
+            </p:blipFill>
+            <p:spPr>
+              <a:xfrm>
+                <a:off x="2286000" y="8953500"/>
+                <a:ext cx="1524000" cy="1524000"/>
+              </a:xfrm>
+              <a:prstGeom prst="rect">
+                <a:avLst/>
+              </a:prstGeom>
+            </p:spPr>
+          </p:pic>
+        </p:grpSp>
+        <p:grpSp>
+          <p:nvGrpSpPr>
+            <p:cNvPr id="31" name="Group 30">
+              <a:extLst>
+                <a:ext uri="{FF2B5EF4-FFF2-40B4-BE49-F238E27FC236}">
+                  <a16:creationId xmlns:a16="http://schemas.microsoft.com/office/drawing/2014/main" id="{C75B2B61-5328-B1F2-555D-FCA334DE67DC}"/>
+                </a:ext>
+              </a:extLst>
+            </p:cNvPr>
+            <p:cNvGrpSpPr/>
+            <p:nvPr/>
+          </p:nvGrpSpPr>
+          <p:grpSpPr>
+            <a:xfrm>
+              <a:off x="7162800" y="8953500"/>
+              <a:ext cx="3962400" cy="1524000"/>
+              <a:chOff x="-152400" y="8953500"/>
+              <a:chExt cx="3962400" cy="1524000"/>
+            </a:xfrm>
+          </p:grpSpPr>
+          <p:pic>
+            <p:nvPicPr>
+              <p:cNvPr id="48" name="Graphic 47" descr="Wave with solid fill">
+                <a:extLst>
+                  <a:ext uri="{FF2B5EF4-FFF2-40B4-BE49-F238E27FC236}">
+                    <a16:creationId xmlns:a16="http://schemas.microsoft.com/office/drawing/2014/main" id="{F297E6F7-ADEF-AAF2-AE1C-61FDBBCB85AE}"/>
+                  </a:ext>
+                </a:extLst>
+              </p:cNvPr>
+              <p:cNvPicPr>
+                <a:picLocks noChangeAspect="1"/>
+              </p:cNvPicPr>
+              <p:nvPr/>
+            </p:nvPicPr>
+            <p:blipFill>
+              <a:blip r:embed="rId7">
+                <a:extLst>
+                  <a:ext uri="{28A0092B-C50C-407E-A947-70E740481C1C}">
+                    <a14:useLocalDpi xmlns:a14="http://schemas.microsoft.com/office/drawing/2010/main" val="0"/>
+                  </a:ext>
+                  <a:ext uri="{96DAC541-7B7A-43D3-8B79-37D633B846F1}">
+                    <asvg:svgBlip xmlns:asvg="http://schemas.microsoft.com/office/drawing/2016/SVG/main" r:embed="rId8"/>
+                  </a:ext>
+                </a:extLst>
+              </a:blip>
+              <a:stretch>
+                <a:fillRect/>
+              </a:stretch>
+            </p:blipFill>
+            <p:spPr>
+              <a:xfrm>
+                <a:off x="-152400" y="8953500"/>
+                <a:ext cx="1524000" cy="1524000"/>
+              </a:xfrm>
+              <a:prstGeom prst="rect">
+                <a:avLst/>
+              </a:prstGeom>
+            </p:spPr>
+          </p:pic>
+          <p:pic>
+            <p:nvPicPr>
+              <p:cNvPr id="49" name="Graphic 48" descr="Wave with solid fill">
+                <a:extLst>
+                  <a:ext uri="{FF2B5EF4-FFF2-40B4-BE49-F238E27FC236}">
+                    <a16:creationId xmlns:a16="http://schemas.microsoft.com/office/drawing/2014/main" id="{A2F3A0AD-12B7-FEA0-B426-B04DBB97A716}"/>
+                  </a:ext>
+                </a:extLst>
+              </p:cNvPr>
+              <p:cNvPicPr>
+                <a:picLocks noChangeAspect="1"/>
+              </p:cNvPicPr>
+              <p:nvPr/>
+            </p:nvPicPr>
+            <p:blipFill>
+              <a:blip r:embed="rId7">
+                <a:extLst>
+                  <a:ext uri="{28A0092B-C50C-407E-A947-70E740481C1C}">
+                    <a14:useLocalDpi xmlns:a14="http://schemas.microsoft.com/office/drawing/2010/main" val="0"/>
+                  </a:ext>
+                  <a:ext uri="{96DAC541-7B7A-43D3-8B79-37D633B846F1}">
+                    <asvg:svgBlip xmlns:asvg="http://schemas.microsoft.com/office/drawing/2016/SVG/main" r:embed="rId8"/>
+                  </a:ext>
+                </a:extLst>
+              </a:blip>
+              <a:stretch>
+                <a:fillRect/>
+              </a:stretch>
+            </p:blipFill>
+            <p:spPr>
+              <a:xfrm>
+                <a:off x="1066800" y="8953500"/>
+                <a:ext cx="1524000" cy="1524000"/>
+              </a:xfrm>
+              <a:prstGeom prst="rect">
+                <a:avLst/>
+              </a:prstGeom>
+            </p:spPr>
+          </p:pic>
+          <p:pic>
+            <p:nvPicPr>
+              <p:cNvPr id="50" name="Graphic 49" descr="Wave with solid fill">
+                <a:extLst>
+                  <a:ext uri="{FF2B5EF4-FFF2-40B4-BE49-F238E27FC236}">
+                    <a16:creationId xmlns:a16="http://schemas.microsoft.com/office/drawing/2014/main" id="{FF080A50-B047-FEB5-B1EB-931F24EF56F2}"/>
+                  </a:ext>
+                </a:extLst>
+              </p:cNvPr>
+              <p:cNvPicPr>
+                <a:picLocks noChangeAspect="1"/>
+              </p:cNvPicPr>
+              <p:nvPr/>
+            </p:nvPicPr>
+            <p:blipFill>
+              <a:blip r:embed="rId7">
+                <a:extLst>
+                  <a:ext uri="{28A0092B-C50C-407E-A947-70E740481C1C}">
+                    <a14:useLocalDpi xmlns:a14="http://schemas.microsoft.com/office/drawing/2010/main" val="0"/>
+                  </a:ext>
+                  <a:ext uri="{96DAC541-7B7A-43D3-8B79-37D633B846F1}">
+                    <asvg:svgBlip xmlns:asvg="http://schemas.microsoft.com/office/drawing/2016/SVG/main" r:embed="rId8"/>
+                  </a:ext>
+                </a:extLst>
+              </a:blip>
+              <a:stretch>
+                <a:fillRect/>
+              </a:stretch>
+            </p:blipFill>
+            <p:spPr>
+              <a:xfrm>
+                <a:off x="2286000" y="8953500"/>
+                <a:ext cx="1524000" cy="1524000"/>
+              </a:xfrm>
+              <a:prstGeom prst="rect">
+                <a:avLst/>
+              </a:prstGeom>
+            </p:spPr>
+          </p:pic>
+        </p:grpSp>
+        <p:grpSp>
+          <p:nvGrpSpPr>
+            <p:cNvPr id="32" name="Group 31">
+              <a:extLst>
+                <a:ext uri="{FF2B5EF4-FFF2-40B4-BE49-F238E27FC236}">
+                  <a16:creationId xmlns:a16="http://schemas.microsoft.com/office/drawing/2014/main" id="{F2A4C7DB-5FBB-4A73-514D-9CC1179BCE82}"/>
+                </a:ext>
+              </a:extLst>
+            </p:cNvPr>
+            <p:cNvGrpSpPr/>
+            <p:nvPr/>
+          </p:nvGrpSpPr>
+          <p:grpSpPr>
+            <a:xfrm>
+              <a:off x="10820400" y="8953500"/>
+              <a:ext cx="3962400" cy="1524000"/>
+              <a:chOff x="-152400" y="8953500"/>
+              <a:chExt cx="3962400" cy="1524000"/>
+            </a:xfrm>
+          </p:grpSpPr>
+          <p:pic>
+            <p:nvPicPr>
+              <p:cNvPr id="45" name="Graphic 44" descr="Wave with solid fill">
+                <a:extLst>
+                  <a:ext uri="{FF2B5EF4-FFF2-40B4-BE49-F238E27FC236}">
+                    <a16:creationId xmlns:a16="http://schemas.microsoft.com/office/drawing/2014/main" id="{85446AE9-35FF-A87E-5C96-7CC546620FF0}"/>
+                  </a:ext>
+                </a:extLst>
+              </p:cNvPr>
+              <p:cNvPicPr>
+                <a:picLocks noChangeAspect="1"/>
+              </p:cNvPicPr>
+              <p:nvPr/>
+            </p:nvPicPr>
+            <p:blipFill>
+              <a:blip r:embed="rId7">
+                <a:extLst>
+                  <a:ext uri="{28A0092B-C50C-407E-A947-70E740481C1C}">
+                    <a14:useLocalDpi xmlns:a14="http://schemas.microsoft.com/office/drawing/2010/main" val="0"/>
+                  </a:ext>
+                  <a:ext uri="{96DAC541-7B7A-43D3-8B79-37D633B846F1}">
+                    <asvg:svgBlip xmlns:asvg="http://schemas.microsoft.com/office/drawing/2016/SVG/main" r:embed="rId8"/>
+                  </a:ext>
+                </a:extLst>
+              </a:blip>
+              <a:stretch>
+                <a:fillRect/>
+              </a:stretch>
+            </p:blipFill>
+            <p:spPr>
+              <a:xfrm>
+                <a:off x="-152400" y="8953500"/>
+                <a:ext cx="1524000" cy="1524000"/>
+              </a:xfrm>
+              <a:prstGeom prst="rect">
+                <a:avLst/>
+              </a:prstGeom>
+            </p:spPr>
+          </p:pic>
+          <p:pic>
+            <p:nvPicPr>
+              <p:cNvPr id="46" name="Graphic 45" descr="Wave with solid fill">
+                <a:extLst>
+                  <a:ext uri="{FF2B5EF4-FFF2-40B4-BE49-F238E27FC236}">
+                    <a16:creationId xmlns:a16="http://schemas.microsoft.com/office/drawing/2014/main" id="{509D005D-8B7A-27BC-341C-0D1233FD289C}"/>
+                  </a:ext>
+                </a:extLst>
+              </p:cNvPr>
+              <p:cNvPicPr>
+                <a:picLocks noChangeAspect="1"/>
+              </p:cNvPicPr>
+              <p:nvPr/>
+            </p:nvPicPr>
+            <p:blipFill>
+              <a:blip r:embed="rId7">
+                <a:extLst>
+                  <a:ext uri="{28A0092B-C50C-407E-A947-70E740481C1C}">
+                    <a14:useLocalDpi xmlns:a14="http://schemas.microsoft.com/office/drawing/2010/main" val="0"/>
+                  </a:ext>
+                  <a:ext uri="{96DAC541-7B7A-43D3-8B79-37D633B846F1}">
+                    <asvg:svgBlip xmlns:asvg="http://schemas.microsoft.com/office/drawing/2016/SVG/main" r:embed="rId8"/>
+                  </a:ext>
+                </a:extLst>
+              </a:blip>
+              <a:stretch>
+                <a:fillRect/>
+              </a:stretch>
+            </p:blipFill>
+            <p:spPr>
+              <a:xfrm>
+                <a:off x="1066800" y="8953500"/>
+                <a:ext cx="1524000" cy="1524000"/>
+              </a:xfrm>
+              <a:prstGeom prst="rect">
+                <a:avLst/>
+              </a:prstGeom>
+            </p:spPr>
+          </p:pic>
+          <p:pic>
+            <p:nvPicPr>
+              <p:cNvPr id="47" name="Graphic 46" descr="Wave with solid fill">
+                <a:extLst>
+                  <a:ext uri="{FF2B5EF4-FFF2-40B4-BE49-F238E27FC236}">
+                    <a16:creationId xmlns:a16="http://schemas.microsoft.com/office/drawing/2014/main" id="{C1AF86CA-92A1-38FB-5992-04ACC027737F}"/>
+                  </a:ext>
+                </a:extLst>
+              </p:cNvPr>
+              <p:cNvPicPr>
+                <a:picLocks noChangeAspect="1"/>
+              </p:cNvPicPr>
+              <p:nvPr/>
+            </p:nvPicPr>
+            <p:blipFill>
+              <a:blip r:embed="rId7">
+                <a:extLst>
+                  <a:ext uri="{28A0092B-C50C-407E-A947-70E740481C1C}">
+                    <a14:useLocalDpi xmlns:a14="http://schemas.microsoft.com/office/drawing/2010/main" val="0"/>
+                  </a:ext>
+                  <a:ext uri="{96DAC541-7B7A-43D3-8B79-37D633B846F1}">
+                    <asvg:svgBlip xmlns:asvg="http://schemas.microsoft.com/office/drawing/2016/SVG/main" r:embed="rId8"/>
+                  </a:ext>
+                </a:extLst>
+              </a:blip>
+              <a:stretch>
+                <a:fillRect/>
+              </a:stretch>
+            </p:blipFill>
+            <p:spPr>
+              <a:xfrm>
+                <a:off x="2286000" y="8953500"/>
+                <a:ext cx="1524000" cy="1524000"/>
+              </a:xfrm>
+              <a:prstGeom prst="rect">
+                <a:avLst/>
+              </a:prstGeom>
+            </p:spPr>
+          </p:pic>
+        </p:grpSp>
+        <p:grpSp>
+          <p:nvGrpSpPr>
+            <p:cNvPr id="37" name="Group 36">
+              <a:extLst>
+                <a:ext uri="{FF2B5EF4-FFF2-40B4-BE49-F238E27FC236}">
+                  <a16:creationId xmlns:a16="http://schemas.microsoft.com/office/drawing/2014/main" id="{8FDF88BA-294D-967B-BEC0-9454E1599204}"/>
+                </a:ext>
+              </a:extLst>
+            </p:cNvPr>
+            <p:cNvGrpSpPr/>
+            <p:nvPr/>
+          </p:nvGrpSpPr>
+          <p:grpSpPr>
+            <a:xfrm>
+              <a:off x="14478000" y="8953500"/>
+              <a:ext cx="2743200" cy="1524000"/>
+              <a:chOff x="-152400" y="8953500"/>
+              <a:chExt cx="2743200" cy="1524000"/>
+            </a:xfrm>
+          </p:grpSpPr>
+          <p:pic>
+            <p:nvPicPr>
+              <p:cNvPr id="42" name="Graphic 41" descr="Wave with solid fill">
+                <a:extLst>
+                  <a:ext uri="{FF2B5EF4-FFF2-40B4-BE49-F238E27FC236}">
+                    <a16:creationId xmlns:a16="http://schemas.microsoft.com/office/drawing/2014/main" id="{E97CBCCE-6B65-9B32-36A4-3EFD026EAF97}"/>
+                  </a:ext>
+                </a:extLst>
+              </p:cNvPr>
+              <p:cNvPicPr>
+                <a:picLocks noChangeAspect="1"/>
+              </p:cNvPicPr>
+              <p:nvPr/>
+            </p:nvPicPr>
+            <p:blipFill>
+              <a:blip r:embed="rId7">
+                <a:extLst>
+                  <a:ext uri="{28A0092B-C50C-407E-A947-70E740481C1C}">
+                    <a14:useLocalDpi xmlns:a14="http://schemas.microsoft.com/office/drawing/2010/main" val="0"/>
+                  </a:ext>
+                  <a:ext uri="{96DAC541-7B7A-43D3-8B79-37D633B846F1}">
+                    <asvg:svgBlip xmlns:asvg="http://schemas.microsoft.com/office/drawing/2016/SVG/main" r:embed="rId8"/>
+                  </a:ext>
+                </a:extLst>
+              </a:blip>
+              <a:stretch>
+                <a:fillRect/>
+              </a:stretch>
+            </p:blipFill>
+            <p:spPr>
+              <a:xfrm>
+                <a:off x="-152400" y="8953500"/>
+                <a:ext cx="1524000" cy="1524000"/>
+              </a:xfrm>
+              <a:prstGeom prst="rect">
+                <a:avLst/>
+              </a:prstGeom>
+            </p:spPr>
+          </p:pic>
+          <p:pic>
+            <p:nvPicPr>
+              <p:cNvPr id="43" name="Graphic 42" descr="Wave with solid fill">
+                <a:extLst>
+                  <a:ext uri="{FF2B5EF4-FFF2-40B4-BE49-F238E27FC236}">
+                    <a16:creationId xmlns:a16="http://schemas.microsoft.com/office/drawing/2014/main" id="{19029121-48F8-3179-9F56-AA1093613779}"/>
+                  </a:ext>
+                </a:extLst>
+              </p:cNvPr>
+              <p:cNvPicPr>
+                <a:picLocks noChangeAspect="1"/>
+              </p:cNvPicPr>
+              <p:nvPr/>
+            </p:nvPicPr>
+            <p:blipFill>
+              <a:blip r:embed="rId7">
+                <a:extLst>
+                  <a:ext uri="{28A0092B-C50C-407E-A947-70E740481C1C}">
+                    <a14:useLocalDpi xmlns:a14="http://schemas.microsoft.com/office/drawing/2010/main" val="0"/>
+                  </a:ext>
+                  <a:ext uri="{96DAC541-7B7A-43D3-8B79-37D633B846F1}">
+                    <asvg:svgBlip xmlns:asvg="http://schemas.microsoft.com/office/drawing/2016/SVG/main" r:embed="rId8"/>
+                  </a:ext>
+                </a:extLst>
+              </a:blip>
+              <a:stretch>
+                <a:fillRect/>
+              </a:stretch>
+            </p:blipFill>
+            <p:spPr>
+              <a:xfrm>
+                <a:off x="1066800" y="8953500"/>
+                <a:ext cx="1524000" cy="1524000"/>
+              </a:xfrm>
+              <a:prstGeom prst="rect">
+                <a:avLst/>
+              </a:prstGeom>
+            </p:spPr>
+          </p:pic>
+        </p:grpSp>
+      </p:grpSp>
+      <p:pic>
+        <p:nvPicPr>
+          <p:cNvPr id="57" name="Graphic 56" descr="Boardroom with solid fill">
+            <a:extLst>
+              <a:ext uri="{FF2B5EF4-FFF2-40B4-BE49-F238E27FC236}">
+                <a16:creationId xmlns:a16="http://schemas.microsoft.com/office/drawing/2014/main" id="{AAD205B8-4E7D-65F6-6826-00983B95EB4C}"/>
+              </a:ext>
+            </a:extLst>
+          </p:cNvPr>
+          <p:cNvPicPr>
+            <a:picLocks noChangeAspect="1"/>
+          </p:cNvPicPr>
+          <p:nvPr/>
+        </p:nvPicPr>
+        <p:blipFill>
+          <a:blip r:embed="rId3">
+            <a:extLst>
+              <a:ext uri="{28A0092B-C50C-407E-A947-70E740481C1C}">
+                <a14:useLocalDpi xmlns:a14="http://schemas.microsoft.com/office/drawing/2010/main" val="0"/>
+              </a:ext>
+              <a:ext uri="{96DAC541-7B7A-43D3-8B79-37D633B846F1}">
+                <asvg:svgBlip xmlns:asvg="http://schemas.microsoft.com/office/drawing/2016/SVG/main" r:embed="rId4"/>
+              </a:ext>
+            </a:extLst>
+          </a:blip>
+          <a:stretch>
+            <a:fillRect/>
+          </a:stretch>
+        </p:blipFill>
+        <p:spPr>
+          <a:xfrm>
+            <a:off x="8218555" y="8017033"/>
+            <a:ext cx="1328512" cy="1328512"/>
+          </a:xfrm>
+          <a:prstGeom prst="rect">
+            <a:avLst/>
+          </a:prstGeom>
+        </p:spPr>
+      </p:pic>
+      <p:pic>
+        <p:nvPicPr>
+          <p:cNvPr id="58" name="Picture 57" descr="A blue and black logo&#10;&#10;Description automatically generated">
+            <a:extLst>
+              <a:ext uri="{FF2B5EF4-FFF2-40B4-BE49-F238E27FC236}">
+                <a16:creationId xmlns:a16="http://schemas.microsoft.com/office/drawing/2014/main" id="{0CF51CFC-F008-B6EE-EEDA-9075A73FAA9E}"/>
+              </a:ext>
+            </a:extLst>
+          </p:cNvPr>
+          <p:cNvPicPr>
+            <a:picLocks noChangeAspect="1"/>
+          </p:cNvPicPr>
+          <p:nvPr/>
+        </p:nvPicPr>
+        <p:blipFill>
+          <a:blip r:embed="rId9" cstate="print">
+            <a:extLst>
+              <a:ext uri="{BEBA8EAE-BF5A-486C-A8C5-ECC9F3942E4B}">
+                <a14:imgProps xmlns:a14="http://schemas.microsoft.com/office/drawing/2010/main">
+                  <a14:imgLayer r:embed="rId10">
+                    <a14:imgEffect>
+                      <a14:colorTemperature colorTemp="4700"/>
+                    </a14:imgEffect>
+                    <a14:imgEffect>
+                      <a14:saturation sat="64000"/>
+                    </a14:imgEffect>
+                  </a14:imgLayer>
+                </a14:imgProps>
+              </a:ext>
+              <a:ext uri="{28A0092B-C50C-407E-A947-70E740481C1C}">
+                <a14:useLocalDpi xmlns:a14="http://schemas.microsoft.com/office/drawing/2010/main" val="0"/>
+              </a:ext>
+            </a:extLst>
+          </a:blip>
+          <a:stretch>
+            <a:fillRect/>
+          </a:stretch>
+        </p:blipFill>
+        <p:spPr>
+          <a:xfrm>
+            <a:off x="17373600" y="9246781"/>
+            <a:ext cx="762000" cy="925919"/>
+          </a:xfrm>
+          <a:prstGeom prst="rect">
+            <a:avLst/>
+          </a:prstGeom>
+        </p:spPr>
+      </p:pic>
+    </p:spTree>
+    <p:extLst>
+      <p:ext uri="{BB962C8B-B14F-4D97-AF65-F5344CB8AC3E}">
+        <p14:creationId xmlns:p14="http://schemas.microsoft.com/office/powerpoint/2010/main" val="2545867365"/>
+      </p:ext>
+    </p:extLst>
+  </p:cSld>
+  <p:clrMapOvr>
+    <a:masterClrMapping/>
+  </p:clrMapOvr>
+</p:sld>
+</file>
+
+<file path=ppt/slides/slide16.xml><?xml version="1.0" encoding="utf-8"?>
+<p:sld xmlns:a="http://schemas.openxmlformats.org/drawingml/2006/main" xmlns:r="http://schemas.openxmlformats.org/officeDocument/2006/relationships" xmlns:p="http://schemas.openxmlformats.org/presentationml/2006/main">
+  <p:cSld>
+    <p:spTree>
+      <p:nvGrpSpPr>
+        <p:cNvPr id="1" name=""/>
+        <p:cNvGrpSpPr/>
+        <p:nvPr/>
+      </p:nvGrpSpPr>
+      <p:grpSpPr>
+        <a:xfrm>
+          <a:off x="0" y="0"/>
+          <a:ext cx="0" cy="0"/>
+          <a:chOff x="0" y="0"/>
+          <a:chExt cx="0" cy="0"/>
+        </a:xfrm>
+      </p:grpSpPr>
+      <p:sp>
+        <p:nvSpPr>
+          <p:cNvPr id="3" name="Freeform 8">
+            <a:extLst>
+              <a:ext uri="{FF2B5EF4-FFF2-40B4-BE49-F238E27FC236}">
+                <a16:creationId xmlns:a16="http://schemas.microsoft.com/office/drawing/2014/main" id="{37FC3143-A41C-2B53-B168-08654FCA17AC}"/>
+              </a:ext>
+            </a:extLst>
+          </p:cNvPr>
+          <p:cNvSpPr/>
+          <p:nvPr/>
+        </p:nvSpPr>
+        <p:spPr>
+          <a:xfrm>
+            <a:off x="13656427" y="4451294"/>
+            <a:ext cx="4041023" cy="1642761"/>
+          </a:xfrm>
+          <a:custGeom>
+            <a:avLst/>
+            <a:gdLst/>
+            <a:ahLst/>
+            <a:cxnLst>
+              <a:cxn ang="0">
+                <a:pos x="wd2" y="hd2"/>
+              </a:cxn>
+              <a:cxn ang="5400000">
+                <a:pos x="wd2" y="hd2"/>
+              </a:cxn>
+              <a:cxn ang="10800000">
+                <a:pos x="wd2" y="hd2"/>
+              </a:cxn>
+              <a:cxn ang="16200000">
+                <a:pos x="wd2" y="hd2"/>
+              </a:cxn>
+            </a:cxnLst>
+            <a:rect l="0" t="0" r="r" b="b"/>
+            <a:pathLst>
+              <a:path w="21600" h="21600" extrusionOk="0">
+                <a:moveTo>
+                  <a:pt x="19603" y="21600"/>
+                </a:moveTo>
+                <a:cubicBezTo>
+                  <a:pt x="345" y="21600"/>
+                  <a:pt x="345" y="21600"/>
+                  <a:pt x="345" y="21600"/>
+                </a:cubicBezTo>
+                <a:cubicBezTo>
+                  <a:pt x="148" y="21600"/>
+                  <a:pt x="0" y="20975"/>
+                  <a:pt x="0" y="20261"/>
+                </a:cubicBezTo>
+                <a:cubicBezTo>
+                  <a:pt x="0" y="8301"/>
+                  <a:pt x="0" y="8301"/>
+                  <a:pt x="0" y="8301"/>
+                </a:cubicBezTo>
+                <a:cubicBezTo>
+                  <a:pt x="0" y="7587"/>
+                  <a:pt x="148" y="7051"/>
+                  <a:pt x="345" y="7051"/>
+                </a:cubicBezTo>
+                <a:cubicBezTo>
+                  <a:pt x="9074" y="7051"/>
+                  <a:pt x="9074" y="7051"/>
+                  <a:pt x="9074" y="7051"/>
+                </a:cubicBezTo>
+                <a:cubicBezTo>
+                  <a:pt x="9937" y="3570"/>
+                  <a:pt x="9937" y="3570"/>
+                  <a:pt x="9937" y="3570"/>
+                </a:cubicBezTo>
+                <a:cubicBezTo>
+                  <a:pt x="10800" y="0"/>
+                  <a:pt x="10800" y="0"/>
+                  <a:pt x="10800" y="0"/>
+                </a:cubicBezTo>
+                <a:cubicBezTo>
+                  <a:pt x="11663" y="3570"/>
+                  <a:pt x="11663" y="3570"/>
+                  <a:pt x="11663" y="3570"/>
+                </a:cubicBezTo>
+                <a:cubicBezTo>
+                  <a:pt x="12526" y="7051"/>
+                  <a:pt x="12526" y="7051"/>
+                  <a:pt x="12526" y="7051"/>
+                </a:cubicBezTo>
+                <a:cubicBezTo>
+                  <a:pt x="19603" y="7051"/>
+                  <a:pt x="19603" y="7051"/>
+                  <a:pt x="19603" y="7051"/>
+                </a:cubicBezTo>
+                <a:cubicBezTo>
+                  <a:pt x="20712" y="7051"/>
+                  <a:pt x="21600" y="10264"/>
+                  <a:pt x="21600" y="14281"/>
+                </a:cubicBezTo>
+                <a:cubicBezTo>
+                  <a:pt x="21600" y="18298"/>
+                  <a:pt x="20712" y="21600"/>
+                  <a:pt x="19603" y="21600"/>
+                </a:cubicBezTo>
+                <a:close/>
+              </a:path>
+            </a:pathLst>
+          </a:custGeom>
+          <a:solidFill>
+            <a:srgbClr val="065280"/>
+          </a:solidFill>
+          <a:ln w="12700">
+            <a:miter lim="400000"/>
+          </a:ln>
+        </p:spPr>
+        <p:txBody>
+          <a:bodyPr lIns="45719" rIns="45719"/>
+          <a:lstStyle/>
+          <a:p>
+            <a:endParaRPr/>
+          </a:p>
+        </p:txBody>
+      </p:sp>
+      <p:grpSp>
+        <p:nvGrpSpPr>
+          <p:cNvPr id="26" name="Group 25">
+            <a:extLst>
+              <a:ext uri="{FF2B5EF4-FFF2-40B4-BE49-F238E27FC236}">
+                <a16:creationId xmlns:a16="http://schemas.microsoft.com/office/drawing/2014/main" id="{FCDB0310-9D80-D00C-C5D2-73034C3610EE}"/>
+              </a:ext>
+            </a:extLst>
+          </p:cNvPr>
+          <p:cNvGrpSpPr/>
+          <p:nvPr/>
+        </p:nvGrpSpPr>
+        <p:grpSpPr>
+          <a:xfrm>
+            <a:off x="-152400" y="8953500"/>
+            <a:ext cx="17373600" cy="1524000"/>
+            <a:chOff x="-152400" y="8953500"/>
+            <a:chExt cx="17373600" cy="1524000"/>
+          </a:xfrm>
+        </p:grpSpPr>
+        <p:grpSp>
+          <p:nvGrpSpPr>
+            <p:cNvPr id="9" name="Group 8">
+              <a:extLst>
+                <a:ext uri="{FF2B5EF4-FFF2-40B4-BE49-F238E27FC236}">
+                  <a16:creationId xmlns:a16="http://schemas.microsoft.com/office/drawing/2014/main" id="{BE22662B-341E-BC66-3C51-49A0A55F9A2F}"/>
+                </a:ext>
+              </a:extLst>
+            </p:cNvPr>
+            <p:cNvGrpSpPr/>
+            <p:nvPr/>
+          </p:nvGrpSpPr>
+          <p:grpSpPr>
+            <a:xfrm>
+              <a:off x="-152400" y="8953500"/>
+              <a:ext cx="3962400" cy="1524000"/>
+              <a:chOff x="-152400" y="8953500"/>
+              <a:chExt cx="3962400" cy="1524000"/>
+            </a:xfrm>
+          </p:grpSpPr>
+          <p:pic>
+            <p:nvPicPr>
+              <p:cNvPr id="6" name="Graphic 5" descr="Wave with solid fill">
+                <a:extLst>
+                  <a:ext uri="{FF2B5EF4-FFF2-40B4-BE49-F238E27FC236}">
+                    <a16:creationId xmlns:a16="http://schemas.microsoft.com/office/drawing/2014/main" id="{A0693183-F2DC-92C8-D028-32D5EB2300DA}"/>
+                  </a:ext>
+                </a:extLst>
+              </p:cNvPr>
+              <p:cNvPicPr>
+                <a:picLocks noChangeAspect="1"/>
+              </p:cNvPicPr>
+              <p:nvPr/>
+            </p:nvPicPr>
+            <p:blipFill>
+              <a:blip r:embed="rId3">
+                <a:extLst>
+                  <a:ext uri="{28A0092B-C50C-407E-A947-70E740481C1C}">
+                    <a14:useLocalDpi xmlns:a14="http://schemas.microsoft.com/office/drawing/2010/main" val="0"/>
+                  </a:ext>
+                  <a:ext uri="{96DAC541-7B7A-43D3-8B79-37D633B846F1}">
+                    <asvg:svgBlip xmlns:asvg="http://schemas.microsoft.com/office/drawing/2016/SVG/main" r:embed="rId4"/>
+                  </a:ext>
+                </a:extLst>
+              </a:blip>
+              <a:stretch>
+                <a:fillRect/>
+              </a:stretch>
+            </p:blipFill>
+            <p:spPr>
+              <a:xfrm>
+                <a:off x="-152400" y="8953500"/>
+                <a:ext cx="1524000" cy="1524000"/>
+              </a:xfrm>
+              <a:prstGeom prst="rect">
+                <a:avLst/>
+              </a:prstGeom>
+            </p:spPr>
+          </p:pic>
+          <p:pic>
+            <p:nvPicPr>
+              <p:cNvPr id="7" name="Graphic 6" descr="Wave with solid fill">
+                <a:extLst>
+                  <a:ext uri="{FF2B5EF4-FFF2-40B4-BE49-F238E27FC236}">
+                    <a16:creationId xmlns:a16="http://schemas.microsoft.com/office/drawing/2014/main" id="{9CB31B6E-8E3B-FC80-9FA8-5669D0FE7410}"/>
+                  </a:ext>
+                </a:extLst>
+              </p:cNvPr>
+              <p:cNvPicPr>
+                <a:picLocks noChangeAspect="1"/>
+              </p:cNvPicPr>
+              <p:nvPr/>
+            </p:nvPicPr>
+            <p:blipFill>
+              <a:blip r:embed="rId3">
+                <a:extLst>
+                  <a:ext uri="{28A0092B-C50C-407E-A947-70E740481C1C}">
+                    <a14:useLocalDpi xmlns:a14="http://schemas.microsoft.com/office/drawing/2010/main" val="0"/>
+                  </a:ext>
+                  <a:ext uri="{96DAC541-7B7A-43D3-8B79-37D633B846F1}">
+                    <asvg:svgBlip xmlns:asvg="http://schemas.microsoft.com/office/drawing/2016/SVG/main" r:embed="rId4"/>
+                  </a:ext>
+                </a:extLst>
+              </a:blip>
+              <a:stretch>
+                <a:fillRect/>
+              </a:stretch>
+            </p:blipFill>
+            <p:spPr>
+              <a:xfrm>
+                <a:off x="1066800" y="8953500"/>
+                <a:ext cx="1524000" cy="1524000"/>
+              </a:xfrm>
+              <a:prstGeom prst="rect">
+                <a:avLst/>
+              </a:prstGeom>
+            </p:spPr>
+          </p:pic>
+          <p:pic>
+            <p:nvPicPr>
+              <p:cNvPr id="8" name="Graphic 7" descr="Wave with solid fill">
+                <a:extLst>
+                  <a:ext uri="{FF2B5EF4-FFF2-40B4-BE49-F238E27FC236}">
+                    <a16:creationId xmlns:a16="http://schemas.microsoft.com/office/drawing/2014/main" id="{315C5B5A-8E1F-42B2-9C1B-4A4AE6A1E31F}"/>
+                  </a:ext>
+                </a:extLst>
+              </p:cNvPr>
+              <p:cNvPicPr>
+                <a:picLocks noChangeAspect="1"/>
+              </p:cNvPicPr>
+              <p:nvPr/>
+            </p:nvPicPr>
+            <p:blipFill>
+              <a:blip r:embed="rId3">
+                <a:extLst>
+                  <a:ext uri="{28A0092B-C50C-407E-A947-70E740481C1C}">
+                    <a14:useLocalDpi xmlns:a14="http://schemas.microsoft.com/office/drawing/2010/main" val="0"/>
+                  </a:ext>
+                  <a:ext uri="{96DAC541-7B7A-43D3-8B79-37D633B846F1}">
+                    <asvg:svgBlip xmlns:asvg="http://schemas.microsoft.com/office/drawing/2016/SVG/main" r:embed="rId4"/>
+                  </a:ext>
+                </a:extLst>
+              </a:blip>
+              <a:stretch>
+                <a:fillRect/>
+              </a:stretch>
+            </p:blipFill>
+            <p:spPr>
+              <a:xfrm>
+                <a:off x="2286000" y="8953500"/>
+                <a:ext cx="1524000" cy="1524000"/>
+              </a:xfrm>
+              <a:prstGeom prst="rect">
+                <a:avLst/>
+              </a:prstGeom>
+            </p:spPr>
+          </p:pic>
+        </p:grpSp>
+        <p:grpSp>
+          <p:nvGrpSpPr>
+            <p:cNvPr id="10" name="Group 9">
+              <a:extLst>
+                <a:ext uri="{FF2B5EF4-FFF2-40B4-BE49-F238E27FC236}">
+                  <a16:creationId xmlns:a16="http://schemas.microsoft.com/office/drawing/2014/main" id="{FD026AA4-CFFE-F6E6-D416-5DE7DF6AA93B}"/>
+                </a:ext>
+              </a:extLst>
+            </p:cNvPr>
+            <p:cNvGrpSpPr/>
+            <p:nvPr/>
+          </p:nvGrpSpPr>
+          <p:grpSpPr>
+            <a:xfrm>
+              <a:off x="3505200" y="8953500"/>
+              <a:ext cx="3962400" cy="1524000"/>
+              <a:chOff x="-152400" y="8953500"/>
+              <a:chExt cx="3962400" cy="1524000"/>
+            </a:xfrm>
+          </p:grpSpPr>
+          <p:pic>
+            <p:nvPicPr>
+              <p:cNvPr id="11" name="Graphic 10" descr="Wave with solid fill">
+                <a:extLst>
+                  <a:ext uri="{FF2B5EF4-FFF2-40B4-BE49-F238E27FC236}">
+                    <a16:creationId xmlns:a16="http://schemas.microsoft.com/office/drawing/2014/main" id="{45136616-B9C2-0A29-0865-4D9AB0DEAF4F}"/>
+                  </a:ext>
+                </a:extLst>
+              </p:cNvPr>
+              <p:cNvPicPr>
+                <a:picLocks noChangeAspect="1"/>
+              </p:cNvPicPr>
+              <p:nvPr/>
+            </p:nvPicPr>
+            <p:blipFill>
+              <a:blip r:embed="rId3">
+                <a:extLst>
+                  <a:ext uri="{28A0092B-C50C-407E-A947-70E740481C1C}">
+                    <a14:useLocalDpi xmlns:a14="http://schemas.microsoft.com/office/drawing/2010/main" val="0"/>
+                  </a:ext>
+                  <a:ext uri="{96DAC541-7B7A-43D3-8B79-37D633B846F1}">
+                    <asvg:svgBlip xmlns:asvg="http://schemas.microsoft.com/office/drawing/2016/SVG/main" r:embed="rId4"/>
+                  </a:ext>
+                </a:extLst>
+              </a:blip>
+              <a:stretch>
+                <a:fillRect/>
+              </a:stretch>
+            </p:blipFill>
+            <p:spPr>
+              <a:xfrm>
+                <a:off x="-152400" y="8953500"/>
+                <a:ext cx="1524000" cy="1524000"/>
+              </a:xfrm>
+              <a:prstGeom prst="rect">
+                <a:avLst/>
+              </a:prstGeom>
+            </p:spPr>
+          </p:pic>
+          <p:pic>
+            <p:nvPicPr>
+              <p:cNvPr id="12" name="Graphic 11" descr="Wave with solid fill">
+                <a:extLst>
+                  <a:ext uri="{FF2B5EF4-FFF2-40B4-BE49-F238E27FC236}">
+                    <a16:creationId xmlns:a16="http://schemas.microsoft.com/office/drawing/2014/main" id="{D266C862-4CBB-3B14-79E4-A6BD8C335C7A}"/>
+                  </a:ext>
+                </a:extLst>
+              </p:cNvPr>
+              <p:cNvPicPr>
+                <a:picLocks noChangeAspect="1"/>
+              </p:cNvPicPr>
+              <p:nvPr/>
+            </p:nvPicPr>
+            <p:blipFill>
+              <a:blip r:embed="rId3">
+                <a:extLst>
+                  <a:ext uri="{28A0092B-C50C-407E-A947-70E740481C1C}">
+                    <a14:useLocalDpi xmlns:a14="http://schemas.microsoft.com/office/drawing/2010/main" val="0"/>
+                  </a:ext>
+                  <a:ext uri="{96DAC541-7B7A-43D3-8B79-37D633B846F1}">
+                    <asvg:svgBlip xmlns:asvg="http://schemas.microsoft.com/office/drawing/2016/SVG/main" r:embed="rId4"/>
+                  </a:ext>
+                </a:extLst>
+              </a:blip>
+              <a:stretch>
+                <a:fillRect/>
+              </a:stretch>
+            </p:blipFill>
+            <p:spPr>
+              <a:xfrm>
+                <a:off x="1066800" y="8953500"/>
+                <a:ext cx="1524000" cy="1524000"/>
+              </a:xfrm>
+              <a:prstGeom prst="rect">
+                <a:avLst/>
+              </a:prstGeom>
+            </p:spPr>
+          </p:pic>
+          <p:pic>
+            <p:nvPicPr>
+              <p:cNvPr id="13" name="Graphic 12" descr="Wave with solid fill">
+                <a:extLst>
+                  <a:ext uri="{FF2B5EF4-FFF2-40B4-BE49-F238E27FC236}">
+                    <a16:creationId xmlns:a16="http://schemas.microsoft.com/office/drawing/2014/main" id="{9E8CDD94-67CD-FBEA-C1B8-950CB2F44F0C}"/>
+                  </a:ext>
+                </a:extLst>
+              </p:cNvPr>
+              <p:cNvPicPr>
+                <a:picLocks noChangeAspect="1"/>
+              </p:cNvPicPr>
+              <p:nvPr/>
+            </p:nvPicPr>
+            <p:blipFill>
+              <a:blip r:embed="rId3">
+                <a:extLst>
+                  <a:ext uri="{28A0092B-C50C-407E-A947-70E740481C1C}">
+                    <a14:useLocalDpi xmlns:a14="http://schemas.microsoft.com/office/drawing/2010/main" val="0"/>
+                  </a:ext>
+                  <a:ext uri="{96DAC541-7B7A-43D3-8B79-37D633B846F1}">
+                    <asvg:svgBlip xmlns:asvg="http://schemas.microsoft.com/office/drawing/2016/SVG/main" r:embed="rId4"/>
+                  </a:ext>
+                </a:extLst>
+              </a:blip>
+              <a:stretch>
+                <a:fillRect/>
+              </a:stretch>
+            </p:blipFill>
+            <p:spPr>
+              <a:xfrm>
+                <a:off x="2286000" y="8953500"/>
+                <a:ext cx="1524000" cy="1524000"/>
+              </a:xfrm>
+              <a:prstGeom prst="rect">
+                <a:avLst/>
+              </a:prstGeom>
+            </p:spPr>
+          </p:pic>
+        </p:grpSp>
+        <p:grpSp>
+          <p:nvGrpSpPr>
+            <p:cNvPr id="14" name="Group 13">
+              <a:extLst>
+                <a:ext uri="{FF2B5EF4-FFF2-40B4-BE49-F238E27FC236}">
+                  <a16:creationId xmlns:a16="http://schemas.microsoft.com/office/drawing/2014/main" id="{AB525DC6-764E-99CE-355E-AAB607D78E75}"/>
+                </a:ext>
+              </a:extLst>
+            </p:cNvPr>
+            <p:cNvGrpSpPr/>
+            <p:nvPr/>
+          </p:nvGrpSpPr>
+          <p:grpSpPr>
+            <a:xfrm>
+              <a:off x="7162800" y="8953500"/>
+              <a:ext cx="3962400" cy="1524000"/>
+              <a:chOff x="-152400" y="8953500"/>
+              <a:chExt cx="3962400" cy="1524000"/>
+            </a:xfrm>
+          </p:grpSpPr>
+          <p:pic>
+            <p:nvPicPr>
+              <p:cNvPr id="15" name="Graphic 14" descr="Wave with solid fill">
+                <a:extLst>
+                  <a:ext uri="{FF2B5EF4-FFF2-40B4-BE49-F238E27FC236}">
+                    <a16:creationId xmlns:a16="http://schemas.microsoft.com/office/drawing/2014/main" id="{B8E31DD1-CD21-5013-C322-E6ABF8BCBE0B}"/>
+                  </a:ext>
+                </a:extLst>
+              </p:cNvPr>
+              <p:cNvPicPr>
+                <a:picLocks noChangeAspect="1"/>
+              </p:cNvPicPr>
+              <p:nvPr/>
+            </p:nvPicPr>
+            <p:blipFill>
+              <a:blip r:embed="rId3">
+                <a:extLst>
+                  <a:ext uri="{28A0092B-C50C-407E-A947-70E740481C1C}">
+                    <a14:useLocalDpi xmlns:a14="http://schemas.microsoft.com/office/drawing/2010/main" val="0"/>
+                  </a:ext>
+                  <a:ext uri="{96DAC541-7B7A-43D3-8B79-37D633B846F1}">
+                    <asvg:svgBlip xmlns:asvg="http://schemas.microsoft.com/office/drawing/2016/SVG/main" r:embed="rId4"/>
+                  </a:ext>
+                </a:extLst>
+              </a:blip>
+              <a:stretch>
+                <a:fillRect/>
+              </a:stretch>
+            </p:blipFill>
+            <p:spPr>
+              <a:xfrm>
+                <a:off x="-152400" y="8953500"/>
+                <a:ext cx="1524000" cy="1524000"/>
+              </a:xfrm>
+              <a:prstGeom prst="rect">
+                <a:avLst/>
+              </a:prstGeom>
+            </p:spPr>
+          </p:pic>
+          <p:pic>
+            <p:nvPicPr>
+              <p:cNvPr id="16" name="Graphic 15" descr="Wave with solid fill">
+                <a:extLst>
+                  <a:ext uri="{FF2B5EF4-FFF2-40B4-BE49-F238E27FC236}">
+                    <a16:creationId xmlns:a16="http://schemas.microsoft.com/office/drawing/2014/main" id="{2F99C5A0-C56D-2E53-9846-C55100810F52}"/>
+                  </a:ext>
+                </a:extLst>
+              </p:cNvPr>
+              <p:cNvPicPr>
+                <a:picLocks noChangeAspect="1"/>
+              </p:cNvPicPr>
+              <p:nvPr/>
+            </p:nvPicPr>
+            <p:blipFill>
+              <a:blip r:embed="rId3">
+                <a:extLst>
+                  <a:ext uri="{28A0092B-C50C-407E-A947-70E740481C1C}">
+                    <a14:useLocalDpi xmlns:a14="http://schemas.microsoft.com/office/drawing/2010/main" val="0"/>
+                  </a:ext>
+                  <a:ext uri="{96DAC541-7B7A-43D3-8B79-37D633B846F1}">
+                    <asvg:svgBlip xmlns:asvg="http://schemas.microsoft.com/office/drawing/2016/SVG/main" r:embed="rId4"/>
+                  </a:ext>
+                </a:extLst>
+              </a:blip>
+              <a:stretch>
+                <a:fillRect/>
+              </a:stretch>
+            </p:blipFill>
+            <p:spPr>
+              <a:xfrm>
+                <a:off x="1066800" y="8953500"/>
+                <a:ext cx="1524000" cy="1524000"/>
+              </a:xfrm>
+              <a:prstGeom prst="rect">
+                <a:avLst/>
+              </a:prstGeom>
+            </p:spPr>
+          </p:pic>
+          <p:pic>
+            <p:nvPicPr>
+              <p:cNvPr id="17" name="Graphic 16" descr="Wave with solid fill">
+                <a:extLst>
+                  <a:ext uri="{FF2B5EF4-FFF2-40B4-BE49-F238E27FC236}">
+                    <a16:creationId xmlns:a16="http://schemas.microsoft.com/office/drawing/2014/main" id="{16671B08-04A6-4476-325E-BCCFACF1DC4B}"/>
+                  </a:ext>
+                </a:extLst>
+              </p:cNvPr>
+              <p:cNvPicPr>
+                <a:picLocks noChangeAspect="1"/>
+              </p:cNvPicPr>
+              <p:nvPr/>
+            </p:nvPicPr>
+            <p:blipFill>
+              <a:blip r:embed="rId3">
+                <a:extLst>
+                  <a:ext uri="{28A0092B-C50C-407E-A947-70E740481C1C}">
+                    <a14:useLocalDpi xmlns:a14="http://schemas.microsoft.com/office/drawing/2010/main" val="0"/>
+                  </a:ext>
+                  <a:ext uri="{96DAC541-7B7A-43D3-8B79-37D633B846F1}">
+                    <asvg:svgBlip xmlns:asvg="http://schemas.microsoft.com/office/drawing/2016/SVG/main" r:embed="rId4"/>
+                  </a:ext>
+                </a:extLst>
+              </a:blip>
+              <a:stretch>
+                <a:fillRect/>
+              </a:stretch>
+            </p:blipFill>
+            <p:spPr>
+              <a:xfrm>
+                <a:off x="2286000" y="8953500"/>
+                <a:ext cx="1524000" cy="1524000"/>
+              </a:xfrm>
+              <a:prstGeom prst="rect">
+                <a:avLst/>
+              </a:prstGeom>
+            </p:spPr>
+          </p:pic>
+        </p:grpSp>
+        <p:grpSp>
+          <p:nvGrpSpPr>
+            <p:cNvPr id="18" name="Group 17">
+              <a:extLst>
+                <a:ext uri="{FF2B5EF4-FFF2-40B4-BE49-F238E27FC236}">
+                  <a16:creationId xmlns:a16="http://schemas.microsoft.com/office/drawing/2014/main" id="{9CAD4088-D4E2-47B4-3588-597FF91E8A12}"/>
+                </a:ext>
+              </a:extLst>
+            </p:cNvPr>
+            <p:cNvGrpSpPr/>
+            <p:nvPr/>
+          </p:nvGrpSpPr>
+          <p:grpSpPr>
+            <a:xfrm>
+              <a:off x="10820400" y="8953500"/>
+              <a:ext cx="3962400" cy="1524000"/>
+              <a:chOff x="-152400" y="8953500"/>
+              <a:chExt cx="3962400" cy="1524000"/>
+            </a:xfrm>
+          </p:grpSpPr>
+          <p:pic>
+            <p:nvPicPr>
+              <p:cNvPr id="19" name="Graphic 18" descr="Wave with solid fill">
+                <a:extLst>
+                  <a:ext uri="{FF2B5EF4-FFF2-40B4-BE49-F238E27FC236}">
+                    <a16:creationId xmlns:a16="http://schemas.microsoft.com/office/drawing/2014/main" id="{97D946E3-32D4-EF01-87B5-DD4F4B2E4000}"/>
+                  </a:ext>
+                </a:extLst>
+              </p:cNvPr>
+              <p:cNvPicPr>
+                <a:picLocks noChangeAspect="1"/>
+              </p:cNvPicPr>
+              <p:nvPr/>
+            </p:nvPicPr>
+            <p:blipFill>
+              <a:blip r:embed="rId3">
+                <a:extLst>
+                  <a:ext uri="{28A0092B-C50C-407E-A947-70E740481C1C}">
+                    <a14:useLocalDpi xmlns:a14="http://schemas.microsoft.com/office/drawing/2010/main" val="0"/>
+                  </a:ext>
+                  <a:ext uri="{96DAC541-7B7A-43D3-8B79-37D633B846F1}">
+                    <asvg:svgBlip xmlns:asvg="http://schemas.microsoft.com/office/drawing/2016/SVG/main" r:embed="rId4"/>
+                  </a:ext>
+                </a:extLst>
+              </a:blip>
+              <a:stretch>
+                <a:fillRect/>
+              </a:stretch>
+            </p:blipFill>
+            <p:spPr>
+              <a:xfrm>
+                <a:off x="-152400" y="8953500"/>
+                <a:ext cx="1524000" cy="1524000"/>
+              </a:xfrm>
+              <a:prstGeom prst="rect">
+                <a:avLst/>
+              </a:prstGeom>
+            </p:spPr>
+          </p:pic>
+          <p:pic>
+            <p:nvPicPr>
+              <p:cNvPr id="20" name="Graphic 19" descr="Wave with solid fill">
+                <a:extLst>
+                  <a:ext uri="{FF2B5EF4-FFF2-40B4-BE49-F238E27FC236}">
+                    <a16:creationId xmlns:a16="http://schemas.microsoft.com/office/drawing/2014/main" id="{1CA063F7-9875-372F-0A15-491F8BDCFFFB}"/>
+                  </a:ext>
+                </a:extLst>
+              </p:cNvPr>
+              <p:cNvPicPr>
+                <a:picLocks noChangeAspect="1"/>
+              </p:cNvPicPr>
+              <p:nvPr/>
+            </p:nvPicPr>
+            <p:blipFill>
+              <a:blip r:embed="rId3">
+                <a:extLst>
+                  <a:ext uri="{28A0092B-C50C-407E-A947-70E740481C1C}">
+                    <a14:useLocalDpi xmlns:a14="http://schemas.microsoft.com/office/drawing/2010/main" val="0"/>
+                  </a:ext>
+                  <a:ext uri="{96DAC541-7B7A-43D3-8B79-37D633B846F1}">
+                    <asvg:svgBlip xmlns:asvg="http://schemas.microsoft.com/office/drawing/2016/SVG/main" r:embed="rId4"/>
+                  </a:ext>
+                </a:extLst>
+              </a:blip>
+              <a:stretch>
+                <a:fillRect/>
+              </a:stretch>
+            </p:blipFill>
+            <p:spPr>
+              <a:xfrm>
+                <a:off x="1066800" y="8953500"/>
+                <a:ext cx="1524000" cy="1524000"/>
+              </a:xfrm>
+              <a:prstGeom prst="rect">
+                <a:avLst/>
+              </a:prstGeom>
+            </p:spPr>
+          </p:pic>
+          <p:pic>
+            <p:nvPicPr>
+              <p:cNvPr id="21" name="Graphic 20" descr="Wave with solid fill">
+                <a:extLst>
+                  <a:ext uri="{FF2B5EF4-FFF2-40B4-BE49-F238E27FC236}">
+                    <a16:creationId xmlns:a16="http://schemas.microsoft.com/office/drawing/2014/main" id="{574E9FDF-3DC0-B393-BC72-4583B3B1CE93}"/>
+                  </a:ext>
+                </a:extLst>
+              </p:cNvPr>
+              <p:cNvPicPr>
+                <a:picLocks noChangeAspect="1"/>
+              </p:cNvPicPr>
+              <p:nvPr/>
+            </p:nvPicPr>
+            <p:blipFill>
+              <a:blip r:embed="rId3">
+                <a:extLst>
+                  <a:ext uri="{28A0092B-C50C-407E-A947-70E740481C1C}">
+                    <a14:useLocalDpi xmlns:a14="http://schemas.microsoft.com/office/drawing/2010/main" val="0"/>
+                  </a:ext>
+                  <a:ext uri="{96DAC541-7B7A-43D3-8B79-37D633B846F1}">
+                    <asvg:svgBlip xmlns:asvg="http://schemas.microsoft.com/office/drawing/2016/SVG/main" r:embed="rId4"/>
+                  </a:ext>
+                </a:extLst>
+              </a:blip>
+              <a:stretch>
+                <a:fillRect/>
+              </a:stretch>
+            </p:blipFill>
+            <p:spPr>
+              <a:xfrm>
+                <a:off x="2286000" y="8953500"/>
+                <a:ext cx="1524000" cy="1524000"/>
+              </a:xfrm>
+              <a:prstGeom prst="rect">
+                <a:avLst/>
+              </a:prstGeom>
+            </p:spPr>
+          </p:pic>
+        </p:grpSp>
+        <p:grpSp>
+          <p:nvGrpSpPr>
+            <p:cNvPr id="22" name="Group 21">
+              <a:extLst>
+                <a:ext uri="{FF2B5EF4-FFF2-40B4-BE49-F238E27FC236}">
+                  <a16:creationId xmlns:a16="http://schemas.microsoft.com/office/drawing/2014/main" id="{529231EA-F7CF-774C-465F-DBBE09BC5F4E}"/>
+                </a:ext>
+              </a:extLst>
+            </p:cNvPr>
+            <p:cNvGrpSpPr/>
+            <p:nvPr/>
+          </p:nvGrpSpPr>
+          <p:grpSpPr>
+            <a:xfrm>
+              <a:off x="14478000" y="8953500"/>
+              <a:ext cx="2743200" cy="1524000"/>
+              <a:chOff x="-152400" y="8953500"/>
+              <a:chExt cx="2743200" cy="1524000"/>
+            </a:xfrm>
+          </p:grpSpPr>
+          <p:pic>
+            <p:nvPicPr>
+              <p:cNvPr id="23" name="Graphic 22" descr="Wave with solid fill">
+                <a:extLst>
+                  <a:ext uri="{FF2B5EF4-FFF2-40B4-BE49-F238E27FC236}">
+                    <a16:creationId xmlns:a16="http://schemas.microsoft.com/office/drawing/2014/main" id="{89CABBDD-8EDD-84D7-EF22-E6972358050B}"/>
+                  </a:ext>
+                </a:extLst>
+              </p:cNvPr>
+              <p:cNvPicPr>
+                <a:picLocks noChangeAspect="1"/>
+              </p:cNvPicPr>
+              <p:nvPr/>
+            </p:nvPicPr>
+            <p:blipFill>
+              <a:blip r:embed="rId3">
+                <a:extLst>
+                  <a:ext uri="{28A0092B-C50C-407E-A947-70E740481C1C}">
+                    <a14:useLocalDpi xmlns:a14="http://schemas.microsoft.com/office/drawing/2010/main" val="0"/>
+                  </a:ext>
+                  <a:ext uri="{96DAC541-7B7A-43D3-8B79-37D633B846F1}">
+                    <asvg:svgBlip xmlns:asvg="http://schemas.microsoft.com/office/drawing/2016/SVG/main" r:embed="rId4"/>
+                  </a:ext>
+                </a:extLst>
+              </a:blip>
+              <a:stretch>
+                <a:fillRect/>
+              </a:stretch>
+            </p:blipFill>
+            <p:spPr>
+              <a:xfrm>
+                <a:off x="-152400" y="8953500"/>
+                <a:ext cx="1524000" cy="1524000"/>
+              </a:xfrm>
+              <a:prstGeom prst="rect">
+                <a:avLst/>
+              </a:prstGeom>
+            </p:spPr>
+          </p:pic>
+          <p:pic>
+            <p:nvPicPr>
+              <p:cNvPr id="24" name="Graphic 23" descr="Wave with solid fill">
+                <a:extLst>
+                  <a:ext uri="{FF2B5EF4-FFF2-40B4-BE49-F238E27FC236}">
+                    <a16:creationId xmlns:a16="http://schemas.microsoft.com/office/drawing/2014/main" id="{1E027BEE-6ADB-544D-00A7-3EB75530991B}"/>
+                  </a:ext>
+                </a:extLst>
+              </p:cNvPr>
+              <p:cNvPicPr>
+                <a:picLocks noChangeAspect="1"/>
+              </p:cNvPicPr>
+              <p:nvPr/>
+            </p:nvPicPr>
+            <p:blipFill>
+              <a:blip r:embed="rId3">
+                <a:extLst>
+                  <a:ext uri="{28A0092B-C50C-407E-A947-70E740481C1C}">
+                    <a14:useLocalDpi xmlns:a14="http://schemas.microsoft.com/office/drawing/2010/main" val="0"/>
+                  </a:ext>
+                  <a:ext uri="{96DAC541-7B7A-43D3-8B79-37D633B846F1}">
+                    <asvg:svgBlip xmlns:asvg="http://schemas.microsoft.com/office/drawing/2016/SVG/main" r:embed="rId4"/>
+                  </a:ext>
+                </a:extLst>
+              </a:blip>
+              <a:stretch>
+                <a:fillRect/>
+              </a:stretch>
+            </p:blipFill>
+            <p:spPr>
+              <a:xfrm>
+                <a:off x="1066800" y="8953500"/>
+                <a:ext cx="1524000" cy="1524000"/>
+              </a:xfrm>
+              <a:prstGeom prst="rect">
+                <a:avLst/>
+              </a:prstGeom>
+            </p:spPr>
+          </p:pic>
+        </p:grpSp>
+      </p:grpSp>
+      <p:sp>
+        <p:nvSpPr>
+          <p:cNvPr id="35" name="TextBox 3">
+            <a:extLst>
+              <a:ext uri="{FF2B5EF4-FFF2-40B4-BE49-F238E27FC236}">
+                <a16:creationId xmlns:a16="http://schemas.microsoft.com/office/drawing/2014/main" id="{EBEEA384-595D-FD5B-0260-68574E751CFA}"/>
+              </a:ext>
+            </a:extLst>
+          </p:cNvPr>
+          <p:cNvSpPr txBox="1"/>
+          <p:nvPr/>
+        </p:nvSpPr>
+        <p:spPr>
+          <a:xfrm>
+            <a:off x="3742706" y="1044558"/>
+            <a:ext cx="10802587" cy="921342"/>
+          </a:xfrm>
+          <a:prstGeom prst="rect">
+            <a:avLst/>
+          </a:prstGeom>
+        </p:spPr>
+        <p:txBody>
+          <a:bodyPr wrap="square" lIns="0" tIns="0" rIns="0" bIns="0" rtlCol="0" anchor="t">
+            <a:spAutoFit/>
+          </a:bodyPr>
+          <a:lstStyle/>
+          <a:p>
+            <a:pPr>
+              <a:lnSpc>
+                <a:spcPts val="7807"/>
+              </a:lnSpc>
+              <a:spcBef>
+                <a:spcPct val="0"/>
+              </a:spcBef>
+            </a:pPr>
+            <a:r>
+              <a:rPr lang="en-US" sz="5400" b="1" dirty="0">
+                <a:solidFill>
+                  <a:srgbClr val="404040"/>
+                </a:solidFill>
+                <a:latin typeface="Montserrat" pitchFamily="2" charset="77"/>
+              </a:rPr>
+              <a:t>OVERVIEW OF OUR JOURNEY</a:t>
+            </a:r>
+          </a:p>
+        </p:txBody>
+      </p:sp>
+      <p:sp>
+        <p:nvSpPr>
+          <p:cNvPr id="37" name="Freeform 7">
+            <a:extLst>
+              <a:ext uri="{FF2B5EF4-FFF2-40B4-BE49-F238E27FC236}">
+                <a16:creationId xmlns:a16="http://schemas.microsoft.com/office/drawing/2014/main" id="{1BFD04B8-D236-9D96-EA37-62F8FAFBF266}"/>
+              </a:ext>
+            </a:extLst>
+          </p:cNvPr>
+          <p:cNvSpPr/>
+          <p:nvPr/>
+        </p:nvSpPr>
+        <p:spPr>
+          <a:xfrm>
+            <a:off x="800280" y="4487553"/>
+            <a:ext cx="4041023" cy="1606502"/>
+          </a:xfrm>
+          <a:custGeom>
+            <a:avLst/>
+            <a:gdLst/>
+            <a:ahLst/>
+            <a:cxnLst>
+              <a:cxn ang="0">
+                <a:pos x="wd2" y="hd2"/>
+              </a:cxn>
+              <a:cxn ang="5400000">
+                <a:pos x="wd2" y="hd2"/>
+              </a:cxn>
+              <a:cxn ang="10800000">
+                <a:pos x="wd2" y="hd2"/>
+              </a:cxn>
+              <a:cxn ang="16200000">
+                <a:pos x="wd2" y="hd2"/>
+              </a:cxn>
+            </a:cxnLst>
+            <a:rect l="0" t="0" r="r" b="b"/>
+            <a:pathLst>
+              <a:path w="21600" h="21600" extrusionOk="0">
+                <a:moveTo>
+                  <a:pt x="21255" y="6991"/>
+                </a:moveTo>
+                <a:cubicBezTo>
+                  <a:pt x="12526" y="6991"/>
+                  <a:pt x="12526" y="6991"/>
+                  <a:pt x="12526" y="6991"/>
+                </a:cubicBezTo>
+                <a:cubicBezTo>
+                  <a:pt x="11663" y="3495"/>
+                  <a:pt x="11663" y="3495"/>
+                  <a:pt x="11663" y="3495"/>
+                </a:cubicBezTo>
+                <a:cubicBezTo>
+                  <a:pt x="10800" y="0"/>
+                  <a:pt x="10800" y="0"/>
+                  <a:pt x="10800" y="0"/>
+                </a:cubicBezTo>
+                <a:cubicBezTo>
+                  <a:pt x="9937" y="3495"/>
+                  <a:pt x="9937" y="3495"/>
+                  <a:pt x="9937" y="3495"/>
+                </a:cubicBezTo>
+                <a:cubicBezTo>
+                  <a:pt x="9074" y="6991"/>
+                  <a:pt x="9074" y="6991"/>
+                  <a:pt x="9074" y="6991"/>
+                </a:cubicBezTo>
+                <a:cubicBezTo>
+                  <a:pt x="1997" y="6991"/>
+                  <a:pt x="1997" y="6991"/>
+                  <a:pt x="1997" y="6991"/>
+                </a:cubicBezTo>
+                <a:cubicBezTo>
+                  <a:pt x="888" y="6991"/>
+                  <a:pt x="0" y="10307"/>
+                  <a:pt x="0" y="14340"/>
+                </a:cubicBezTo>
+                <a:cubicBezTo>
+                  <a:pt x="0" y="18373"/>
+                  <a:pt x="888" y="21600"/>
+                  <a:pt x="1997" y="21600"/>
+                </a:cubicBezTo>
+                <a:cubicBezTo>
+                  <a:pt x="21255" y="21600"/>
+                  <a:pt x="21255" y="21600"/>
+                  <a:pt x="21255" y="21600"/>
+                </a:cubicBezTo>
+                <a:cubicBezTo>
+                  <a:pt x="21452" y="21600"/>
+                  <a:pt x="21600" y="21062"/>
+                  <a:pt x="21600" y="20345"/>
+                </a:cubicBezTo>
+                <a:cubicBezTo>
+                  <a:pt x="21600" y="8335"/>
+                  <a:pt x="21600" y="8335"/>
+                  <a:pt x="21600" y="8335"/>
+                </a:cubicBezTo>
+                <a:cubicBezTo>
+                  <a:pt x="21600" y="7618"/>
+                  <a:pt x="21452" y="6991"/>
+                  <a:pt x="21255" y="6991"/>
+                </a:cubicBezTo>
+                <a:close/>
+              </a:path>
+            </a:pathLst>
+          </a:custGeom>
+          <a:solidFill>
+            <a:srgbClr val="B1403F"/>
+          </a:solidFill>
+          <a:ln w="12700">
+            <a:miter lim="400000"/>
+          </a:ln>
+        </p:spPr>
+        <p:txBody>
+          <a:bodyPr lIns="45719" rIns="45719"/>
+          <a:lstStyle/>
+          <a:p>
+            <a:endParaRPr/>
+          </a:p>
+        </p:txBody>
+      </p:sp>
+      <p:sp>
+        <p:nvSpPr>
+          <p:cNvPr id="39" name="Freeform 9">
+            <a:extLst>
+              <a:ext uri="{FF2B5EF4-FFF2-40B4-BE49-F238E27FC236}">
+                <a16:creationId xmlns:a16="http://schemas.microsoft.com/office/drawing/2014/main" id="{01E2FDAC-AE88-C89E-F430-7A9E707BB2A6}"/>
+              </a:ext>
+            </a:extLst>
+          </p:cNvPr>
+          <p:cNvSpPr/>
+          <p:nvPr/>
+        </p:nvSpPr>
+        <p:spPr>
+          <a:xfrm flipV="1">
+            <a:off x="5060883" y="4500850"/>
+            <a:ext cx="4041022" cy="1619504"/>
+          </a:xfrm>
+          <a:custGeom>
+            <a:avLst/>
+            <a:gdLst/>
+            <a:ahLst/>
+            <a:cxnLst>
+              <a:cxn ang="0">
+                <a:pos x="wd2" y="hd2"/>
+              </a:cxn>
+              <a:cxn ang="5400000">
+                <a:pos x="wd2" y="hd2"/>
+              </a:cxn>
+              <a:cxn ang="10800000">
+                <a:pos x="wd2" y="hd2"/>
+              </a:cxn>
+              <a:cxn ang="16200000">
+                <a:pos x="wd2" y="hd2"/>
+              </a:cxn>
+            </a:cxnLst>
+            <a:rect l="0" t="0" r="r" b="b"/>
+            <a:pathLst>
+              <a:path w="21600" h="21600" extrusionOk="0">
+                <a:moveTo>
+                  <a:pt x="21255" y="0"/>
+                </a:moveTo>
+                <a:cubicBezTo>
+                  <a:pt x="345" y="0"/>
+                  <a:pt x="345" y="0"/>
+                  <a:pt x="345" y="0"/>
+                </a:cubicBezTo>
+                <a:cubicBezTo>
+                  <a:pt x="148" y="0"/>
+                  <a:pt x="0" y="625"/>
+                  <a:pt x="0" y="1339"/>
+                </a:cubicBezTo>
+                <a:cubicBezTo>
+                  <a:pt x="0" y="13299"/>
+                  <a:pt x="0" y="13299"/>
+                  <a:pt x="0" y="13299"/>
+                </a:cubicBezTo>
+                <a:cubicBezTo>
+                  <a:pt x="0" y="14013"/>
+                  <a:pt x="148" y="14549"/>
+                  <a:pt x="345" y="14549"/>
+                </a:cubicBezTo>
+                <a:cubicBezTo>
+                  <a:pt x="9074" y="14549"/>
+                  <a:pt x="9074" y="14549"/>
+                  <a:pt x="9074" y="14549"/>
+                </a:cubicBezTo>
+                <a:cubicBezTo>
+                  <a:pt x="9937" y="18030"/>
+                  <a:pt x="9937" y="18030"/>
+                  <a:pt x="9937" y="18030"/>
+                </a:cubicBezTo>
+                <a:cubicBezTo>
+                  <a:pt x="10800" y="21600"/>
+                  <a:pt x="10800" y="21600"/>
+                  <a:pt x="10800" y="21600"/>
+                </a:cubicBezTo>
+                <a:cubicBezTo>
+                  <a:pt x="11663" y="18030"/>
+                  <a:pt x="11663" y="18030"/>
+                  <a:pt x="11663" y="18030"/>
+                </a:cubicBezTo>
+                <a:cubicBezTo>
+                  <a:pt x="12526" y="14549"/>
+                  <a:pt x="12526" y="14549"/>
+                  <a:pt x="12526" y="14549"/>
+                </a:cubicBezTo>
+                <a:cubicBezTo>
+                  <a:pt x="21255" y="14549"/>
+                  <a:pt x="21255" y="14549"/>
+                  <a:pt x="21255" y="14549"/>
+                </a:cubicBezTo>
+                <a:cubicBezTo>
+                  <a:pt x="21452" y="14549"/>
+                  <a:pt x="21600" y="14013"/>
+                  <a:pt x="21600" y="13299"/>
+                </a:cubicBezTo>
+                <a:cubicBezTo>
+                  <a:pt x="21600" y="1339"/>
+                  <a:pt x="21600" y="1339"/>
+                  <a:pt x="21600" y="1339"/>
+                </a:cubicBezTo>
+                <a:cubicBezTo>
+                  <a:pt x="21600" y="625"/>
+                  <a:pt x="21452" y="0"/>
+                  <a:pt x="21255" y="0"/>
+                </a:cubicBezTo>
+                <a:close/>
+              </a:path>
+            </a:pathLst>
+          </a:custGeom>
+          <a:solidFill>
+            <a:srgbClr val="BFB5ED"/>
+          </a:solidFill>
+          <a:ln w="12700">
+            <a:miter lim="400000"/>
+          </a:ln>
+        </p:spPr>
+        <p:txBody>
+          <a:bodyPr lIns="45719" rIns="45719"/>
+          <a:lstStyle/>
+          <a:p>
+            <a:endParaRPr lang="en-DK" dirty="0"/>
+          </a:p>
+        </p:txBody>
+      </p:sp>
+      <p:sp>
+        <p:nvSpPr>
+          <p:cNvPr id="51" name="Freeform 9">
+            <a:extLst>
+              <a:ext uri="{FF2B5EF4-FFF2-40B4-BE49-F238E27FC236}">
+                <a16:creationId xmlns:a16="http://schemas.microsoft.com/office/drawing/2014/main" id="{3C8C8F90-F01C-2534-2BCE-F8C869812AE5}"/>
+              </a:ext>
+            </a:extLst>
+          </p:cNvPr>
+          <p:cNvSpPr/>
+          <p:nvPr/>
+        </p:nvSpPr>
+        <p:spPr>
+          <a:xfrm flipV="1">
+            <a:off x="9321485" y="4469155"/>
+            <a:ext cx="4041021" cy="1643299"/>
+          </a:xfrm>
+          <a:custGeom>
+            <a:avLst/>
+            <a:gdLst/>
+            <a:ahLst/>
+            <a:cxnLst>
+              <a:cxn ang="0">
+                <a:pos x="wd2" y="hd2"/>
+              </a:cxn>
+              <a:cxn ang="5400000">
+                <a:pos x="wd2" y="hd2"/>
+              </a:cxn>
+              <a:cxn ang="10800000">
+                <a:pos x="wd2" y="hd2"/>
+              </a:cxn>
+              <a:cxn ang="16200000">
+                <a:pos x="wd2" y="hd2"/>
+              </a:cxn>
+            </a:cxnLst>
+            <a:rect l="0" t="0" r="r" b="b"/>
+            <a:pathLst>
+              <a:path w="21600" h="21600" extrusionOk="0">
+                <a:moveTo>
+                  <a:pt x="21255" y="0"/>
+                </a:moveTo>
+                <a:cubicBezTo>
+                  <a:pt x="345" y="0"/>
+                  <a:pt x="345" y="0"/>
+                  <a:pt x="345" y="0"/>
+                </a:cubicBezTo>
+                <a:cubicBezTo>
+                  <a:pt x="148" y="0"/>
+                  <a:pt x="0" y="625"/>
+                  <a:pt x="0" y="1339"/>
+                </a:cubicBezTo>
+                <a:cubicBezTo>
+                  <a:pt x="0" y="13299"/>
+                  <a:pt x="0" y="13299"/>
+                  <a:pt x="0" y="13299"/>
+                </a:cubicBezTo>
+                <a:cubicBezTo>
+                  <a:pt x="0" y="14013"/>
+                  <a:pt x="148" y="14549"/>
+                  <a:pt x="345" y="14549"/>
+                </a:cubicBezTo>
+                <a:cubicBezTo>
+                  <a:pt x="9074" y="14549"/>
+                  <a:pt x="9074" y="14549"/>
+                  <a:pt x="9074" y="14549"/>
+                </a:cubicBezTo>
+                <a:cubicBezTo>
+                  <a:pt x="9937" y="18030"/>
+                  <a:pt x="9937" y="18030"/>
+                  <a:pt x="9937" y="18030"/>
+                </a:cubicBezTo>
+                <a:cubicBezTo>
+                  <a:pt x="10800" y="21600"/>
+                  <a:pt x="10800" y="21600"/>
+                  <a:pt x="10800" y="21600"/>
+                </a:cubicBezTo>
+                <a:cubicBezTo>
+                  <a:pt x="11663" y="18030"/>
+                  <a:pt x="11663" y="18030"/>
+                  <a:pt x="11663" y="18030"/>
+                </a:cubicBezTo>
+                <a:cubicBezTo>
+                  <a:pt x="12526" y="14549"/>
+                  <a:pt x="12526" y="14549"/>
+                  <a:pt x="12526" y="14549"/>
+                </a:cubicBezTo>
+                <a:cubicBezTo>
+                  <a:pt x="21255" y="14549"/>
+                  <a:pt x="21255" y="14549"/>
+                  <a:pt x="21255" y="14549"/>
+                </a:cubicBezTo>
+                <a:cubicBezTo>
+                  <a:pt x="21452" y="14549"/>
+                  <a:pt x="21600" y="14013"/>
+                  <a:pt x="21600" y="13299"/>
+                </a:cubicBezTo>
+                <a:cubicBezTo>
+                  <a:pt x="21600" y="1339"/>
+                  <a:pt x="21600" y="1339"/>
+                  <a:pt x="21600" y="1339"/>
+                </a:cubicBezTo>
+                <a:cubicBezTo>
+                  <a:pt x="21600" y="625"/>
+                  <a:pt x="21452" y="0"/>
+                  <a:pt x="21255" y="0"/>
+                </a:cubicBezTo>
+                <a:close/>
+              </a:path>
+            </a:pathLst>
+          </a:custGeom>
+          <a:solidFill>
+            <a:srgbClr val="8EB4E3"/>
+          </a:solidFill>
+          <a:ln w="12700">
+            <a:miter lim="400000"/>
+          </a:ln>
+        </p:spPr>
+        <p:txBody>
+          <a:bodyPr lIns="45719" rIns="45719"/>
+          <a:lstStyle/>
+          <a:p>
+            <a:endParaRPr/>
+          </a:p>
+        </p:txBody>
+      </p:sp>
+      <p:sp>
+        <p:nvSpPr>
+          <p:cNvPr id="54" name="Rectangle 33">
+            <a:extLst>
+              <a:ext uri="{FF2B5EF4-FFF2-40B4-BE49-F238E27FC236}">
+                <a16:creationId xmlns:a16="http://schemas.microsoft.com/office/drawing/2014/main" id="{46871D1F-1B1E-8F55-1261-18C148FBEF7B}"/>
+              </a:ext>
+            </a:extLst>
+          </p:cNvPr>
+          <p:cNvSpPr txBox="1"/>
+          <p:nvPr/>
+        </p:nvSpPr>
+        <p:spPr>
+          <a:xfrm>
+            <a:off x="1320428" y="5384461"/>
+            <a:ext cx="3093796" cy="369332"/>
+          </a:xfrm>
+          <a:prstGeom prst="rect">
+            <a:avLst/>
+          </a:prstGeom>
+          <a:ln w="12700">
+            <a:miter lim="400000"/>
+          </a:ln>
+          <a:extLst>
+            <a:ext uri="{C572A759-6A51-4108-AA02-DFA0A04FC94B}">
+              <ma14:wrappingTextBoxFlag xmlns="" xmlns:m="http://schemas.openxmlformats.org/officeDocument/2006/math" xmlns:a14="http://schemas.microsoft.com/office/drawing/2010/main" xmlns:ma14="http://schemas.microsoft.com/office/mac/drawingml/2011/main" val="1"/>
+            </a:ext>
+          </a:extLst>
+        </p:spPr>
+        <p:txBody>
+          <a:bodyPr wrap="none" lIns="0" tIns="0" rIns="0" bIns="0">
+            <a:spAutoFit/>
+          </a:bodyPr>
+          <a:lstStyle>
+            <a:lvl1pPr>
+              <a:defRPr sz="3400">
+                <a:solidFill>
+                  <a:srgbClr val="FFFFFF"/>
+                </a:solidFill>
+                <a:latin typeface="Montserrat Bold"/>
+                <a:ea typeface="Montserrat Bold"/>
+                <a:cs typeface="Montserrat Bold"/>
+                <a:sym typeface="Montserrat Bold"/>
+              </a:defRPr>
+            </a:lvl1pPr>
+          </a:lstStyle>
+          <a:p>
+            <a:r>
+              <a:rPr lang="en-US" sz="2400" dirty="0"/>
+              <a:t>DATA COLLECTION</a:t>
+            </a:r>
+            <a:endParaRPr sz="2400" dirty="0"/>
+          </a:p>
+        </p:txBody>
+      </p:sp>
+      <p:sp>
+        <p:nvSpPr>
+          <p:cNvPr id="56" name="TextBox 55">
+            <a:extLst>
+              <a:ext uri="{FF2B5EF4-FFF2-40B4-BE49-F238E27FC236}">
+                <a16:creationId xmlns:a16="http://schemas.microsoft.com/office/drawing/2014/main" id="{0A694C3A-E68F-B4D7-85C3-81AFDE9284C3}"/>
+              </a:ext>
+            </a:extLst>
+          </p:cNvPr>
+          <p:cNvSpPr txBox="1"/>
+          <p:nvPr/>
+        </p:nvSpPr>
+        <p:spPr>
+          <a:xfrm>
+            <a:off x="5361451" y="5154969"/>
+            <a:ext cx="3359727" cy="830997"/>
+          </a:xfrm>
+          <a:prstGeom prst="rect">
+            <a:avLst/>
+          </a:prstGeom>
+          <a:noFill/>
+        </p:spPr>
+        <p:txBody>
+          <a:bodyPr wrap="square">
+            <a:spAutoFit/>
+          </a:bodyPr>
+          <a:lstStyle/>
+          <a:p>
+            <a:pPr algn="ctr"/>
+            <a:r>
+              <a:rPr lang="en-US" sz="2400" b="1" dirty="0">
+                <a:solidFill>
+                  <a:schemeClr val="bg1"/>
+                </a:solidFill>
+                <a:latin typeface="Montserrat" pitchFamily="2" charset="77"/>
+              </a:rPr>
+              <a:t>EXPLORATORY DATA ANALYSIS</a:t>
+            </a:r>
+          </a:p>
+        </p:txBody>
+      </p:sp>
+      <p:sp>
+        <p:nvSpPr>
+          <p:cNvPr id="59" name="Shape">
+            <a:extLst>
+              <a:ext uri="{FF2B5EF4-FFF2-40B4-BE49-F238E27FC236}">
+                <a16:creationId xmlns:a16="http://schemas.microsoft.com/office/drawing/2014/main" id="{E07F6C67-95B2-F2F5-F51E-AAE5D6757D13}"/>
+              </a:ext>
+            </a:extLst>
+          </p:cNvPr>
+          <p:cNvSpPr/>
+          <p:nvPr/>
+        </p:nvSpPr>
+        <p:spPr>
+          <a:xfrm>
+            <a:off x="6710246" y="3252752"/>
+            <a:ext cx="905108" cy="1042809"/>
+          </a:xfrm>
+          <a:custGeom>
+            <a:avLst/>
+            <a:gdLst/>
+            <a:ahLst/>
+            <a:cxnLst>
+              <a:cxn ang="0">
+                <a:pos x="wd2" y="hd2"/>
+              </a:cxn>
+              <a:cxn ang="5400000">
+                <a:pos x="wd2" y="hd2"/>
+              </a:cxn>
+              <a:cxn ang="10800000">
+                <a:pos x="wd2" y="hd2"/>
+              </a:cxn>
+              <a:cxn ang="16200000">
+                <a:pos x="wd2" y="hd2"/>
+              </a:cxn>
+            </a:cxnLst>
+            <a:rect l="0" t="0" r="r" b="b"/>
+            <a:pathLst>
+              <a:path w="21600" h="21600" extrusionOk="0">
+                <a:moveTo>
+                  <a:pt x="2445" y="18409"/>
+                </a:moveTo>
+                <a:cubicBezTo>
+                  <a:pt x="4483" y="18409"/>
+                  <a:pt x="4483" y="18409"/>
+                  <a:pt x="4483" y="18409"/>
+                </a:cubicBezTo>
+                <a:cubicBezTo>
+                  <a:pt x="4891" y="18409"/>
+                  <a:pt x="5298" y="17918"/>
+                  <a:pt x="5298" y="17427"/>
+                </a:cubicBezTo>
+                <a:cubicBezTo>
+                  <a:pt x="5298" y="8100"/>
+                  <a:pt x="5298" y="8100"/>
+                  <a:pt x="5298" y="8100"/>
+                </a:cubicBezTo>
+                <a:cubicBezTo>
+                  <a:pt x="5298" y="7609"/>
+                  <a:pt x="4891" y="7118"/>
+                  <a:pt x="4483" y="7118"/>
+                </a:cubicBezTo>
+                <a:cubicBezTo>
+                  <a:pt x="2445" y="7118"/>
+                  <a:pt x="2445" y="7118"/>
+                  <a:pt x="2445" y="7118"/>
+                </a:cubicBezTo>
+                <a:cubicBezTo>
+                  <a:pt x="2038" y="7118"/>
+                  <a:pt x="1630" y="7609"/>
+                  <a:pt x="1630" y="8100"/>
+                </a:cubicBezTo>
+                <a:cubicBezTo>
+                  <a:pt x="1630" y="17427"/>
+                  <a:pt x="1630" y="17427"/>
+                  <a:pt x="1630" y="17427"/>
+                </a:cubicBezTo>
+                <a:cubicBezTo>
+                  <a:pt x="1630" y="17918"/>
+                  <a:pt x="2038" y="18409"/>
+                  <a:pt x="2445" y="18409"/>
+                </a:cubicBezTo>
+                <a:close/>
+                <a:moveTo>
+                  <a:pt x="7336" y="18409"/>
+                </a:moveTo>
+                <a:cubicBezTo>
+                  <a:pt x="9374" y="18409"/>
+                  <a:pt x="9374" y="18409"/>
+                  <a:pt x="9374" y="18409"/>
+                </a:cubicBezTo>
+                <a:cubicBezTo>
+                  <a:pt x="9985" y="18409"/>
+                  <a:pt x="10189" y="17918"/>
+                  <a:pt x="10189" y="17427"/>
+                </a:cubicBezTo>
+                <a:cubicBezTo>
+                  <a:pt x="10189" y="982"/>
+                  <a:pt x="10189" y="982"/>
+                  <a:pt x="10189" y="982"/>
+                </a:cubicBezTo>
+                <a:cubicBezTo>
+                  <a:pt x="10189" y="491"/>
+                  <a:pt x="9985" y="0"/>
+                  <a:pt x="9374" y="0"/>
+                </a:cubicBezTo>
+                <a:cubicBezTo>
+                  <a:pt x="7336" y="0"/>
+                  <a:pt x="7336" y="0"/>
+                  <a:pt x="7336" y="0"/>
+                </a:cubicBezTo>
+                <a:cubicBezTo>
+                  <a:pt x="6928" y="0"/>
+                  <a:pt x="6521" y="491"/>
+                  <a:pt x="6521" y="982"/>
+                </a:cubicBezTo>
+                <a:cubicBezTo>
+                  <a:pt x="6521" y="17427"/>
+                  <a:pt x="6521" y="17427"/>
+                  <a:pt x="6521" y="17427"/>
+                </a:cubicBezTo>
+                <a:cubicBezTo>
+                  <a:pt x="6521" y="17918"/>
+                  <a:pt x="6928" y="18409"/>
+                  <a:pt x="7336" y="18409"/>
+                </a:cubicBezTo>
+                <a:close/>
+                <a:moveTo>
+                  <a:pt x="12226" y="18409"/>
+                </a:moveTo>
+                <a:cubicBezTo>
+                  <a:pt x="14468" y="18409"/>
+                  <a:pt x="14468" y="18409"/>
+                  <a:pt x="14468" y="18409"/>
+                </a:cubicBezTo>
+                <a:cubicBezTo>
+                  <a:pt x="14875" y="18409"/>
+                  <a:pt x="15079" y="17918"/>
+                  <a:pt x="15079" y="17427"/>
+                </a:cubicBezTo>
+                <a:cubicBezTo>
+                  <a:pt x="15079" y="4909"/>
+                  <a:pt x="15079" y="4909"/>
+                  <a:pt x="15079" y="4909"/>
+                </a:cubicBezTo>
+                <a:cubicBezTo>
+                  <a:pt x="15079" y="4418"/>
+                  <a:pt x="14875" y="3927"/>
+                  <a:pt x="14468" y="3927"/>
+                </a:cubicBezTo>
+                <a:cubicBezTo>
+                  <a:pt x="12226" y="3927"/>
+                  <a:pt x="12226" y="3927"/>
+                  <a:pt x="12226" y="3927"/>
+                </a:cubicBezTo>
+                <a:cubicBezTo>
+                  <a:pt x="11819" y="3927"/>
+                  <a:pt x="11411" y="4418"/>
+                  <a:pt x="11411" y="4909"/>
+                </a:cubicBezTo>
+                <a:cubicBezTo>
+                  <a:pt x="11411" y="17427"/>
+                  <a:pt x="11411" y="17427"/>
+                  <a:pt x="11411" y="17427"/>
+                </a:cubicBezTo>
+                <a:cubicBezTo>
+                  <a:pt x="11411" y="17918"/>
+                  <a:pt x="11819" y="18409"/>
+                  <a:pt x="12226" y="18409"/>
+                </a:cubicBezTo>
+                <a:close/>
+                <a:moveTo>
+                  <a:pt x="12430" y="5155"/>
+                </a:moveTo>
+                <a:cubicBezTo>
+                  <a:pt x="14264" y="5155"/>
+                  <a:pt x="14264" y="5155"/>
+                  <a:pt x="14264" y="5155"/>
+                </a:cubicBezTo>
+                <a:cubicBezTo>
+                  <a:pt x="14264" y="17182"/>
+                  <a:pt x="14264" y="17182"/>
+                  <a:pt x="14264" y="17182"/>
+                </a:cubicBezTo>
+                <a:cubicBezTo>
+                  <a:pt x="12430" y="17182"/>
+                  <a:pt x="12430" y="17182"/>
+                  <a:pt x="12430" y="17182"/>
+                </a:cubicBezTo>
+                <a:lnTo>
+                  <a:pt x="12430" y="5155"/>
+                </a:lnTo>
+                <a:close/>
+                <a:moveTo>
+                  <a:pt x="17321" y="18409"/>
+                </a:moveTo>
+                <a:cubicBezTo>
+                  <a:pt x="19358" y="18409"/>
+                  <a:pt x="19358" y="18409"/>
+                  <a:pt x="19358" y="18409"/>
+                </a:cubicBezTo>
+                <a:cubicBezTo>
+                  <a:pt x="19766" y="18409"/>
+                  <a:pt x="20174" y="17918"/>
+                  <a:pt x="20174" y="17427"/>
+                </a:cubicBezTo>
+                <a:cubicBezTo>
+                  <a:pt x="20174" y="11536"/>
+                  <a:pt x="20174" y="11536"/>
+                  <a:pt x="20174" y="11536"/>
+                </a:cubicBezTo>
+                <a:cubicBezTo>
+                  <a:pt x="20174" y="11045"/>
+                  <a:pt x="19766" y="10800"/>
+                  <a:pt x="19358" y="10800"/>
+                </a:cubicBezTo>
+                <a:cubicBezTo>
+                  <a:pt x="17321" y="10800"/>
+                  <a:pt x="17321" y="10800"/>
+                  <a:pt x="17321" y="10800"/>
+                </a:cubicBezTo>
+                <a:cubicBezTo>
+                  <a:pt x="16709" y="10800"/>
+                  <a:pt x="16506" y="11045"/>
+                  <a:pt x="16506" y="11536"/>
+                </a:cubicBezTo>
+                <a:cubicBezTo>
+                  <a:pt x="16506" y="17427"/>
+                  <a:pt x="16506" y="17427"/>
+                  <a:pt x="16506" y="17427"/>
+                </a:cubicBezTo>
+                <a:cubicBezTo>
+                  <a:pt x="16506" y="17918"/>
+                  <a:pt x="16709" y="18409"/>
+                  <a:pt x="17321" y="18409"/>
+                </a:cubicBezTo>
+                <a:close/>
+                <a:moveTo>
+                  <a:pt x="20785" y="19391"/>
+                </a:moveTo>
+                <a:cubicBezTo>
+                  <a:pt x="1019" y="19391"/>
+                  <a:pt x="1019" y="19391"/>
+                  <a:pt x="1019" y="19391"/>
+                </a:cubicBezTo>
+                <a:cubicBezTo>
+                  <a:pt x="408" y="19391"/>
+                  <a:pt x="0" y="19882"/>
+                  <a:pt x="0" y="20618"/>
+                </a:cubicBezTo>
+                <a:cubicBezTo>
+                  <a:pt x="0" y="21109"/>
+                  <a:pt x="408" y="21600"/>
+                  <a:pt x="1019" y="21600"/>
+                </a:cubicBezTo>
+                <a:cubicBezTo>
+                  <a:pt x="20785" y="21600"/>
+                  <a:pt x="20785" y="21600"/>
+                  <a:pt x="20785" y="21600"/>
+                </a:cubicBezTo>
+                <a:cubicBezTo>
+                  <a:pt x="21192" y="21600"/>
+                  <a:pt x="21600" y="21109"/>
+                  <a:pt x="21600" y="20618"/>
+                </a:cubicBezTo>
+                <a:cubicBezTo>
+                  <a:pt x="21600" y="19882"/>
+                  <a:pt x="21192" y="19391"/>
+                  <a:pt x="20785" y="19391"/>
+                </a:cubicBezTo>
+                <a:close/>
+              </a:path>
+            </a:pathLst>
+          </a:custGeom>
+          <a:solidFill>
+            <a:srgbClr val="404040"/>
+          </a:solidFill>
+          <a:ln w="12700">
+            <a:miter lim="400000"/>
+          </a:ln>
+        </p:spPr>
+        <p:txBody>
+          <a:bodyPr lIns="121919" tIns="121919" rIns="121919" bIns="121919"/>
+          <a:lstStyle/>
+          <a:p>
+            <a:endParaRPr/>
+          </a:p>
+        </p:txBody>
+      </p:sp>
+      <p:sp>
+        <p:nvSpPr>
+          <p:cNvPr id="60" name="Shape">
+            <a:extLst>
+              <a:ext uri="{FF2B5EF4-FFF2-40B4-BE49-F238E27FC236}">
+                <a16:creationId xmlns:a16="http://schemas.microsoft.com/office/drawing/2014/main" id="{D09D6B30-BBF8-546F-DF0D-9CD55F576823}"/>
+              </a:ext>
+            </a:extLst>
+          </p:cNvPr>
+          <p:cNvSpPr>
+            <a:spLocks noChangeAspect="1"/>
+          </p:cNvSpPr>
+          <p:nvPr/>
+        </p:nvSpPr>
+        <p:spPr>
+          <a:xfrm>
+            <a:off x="7391400" y="3162300"/>
+            <a:ext cx="699306" cy="699306"/>
+          </a:xfrm>
+          <a:custGeom>
+            <a:avLst/>
+            <a:gdLst/>
+            <a:ahLst/>
+            <a:cxnLst>
+              <a:cxn ang="0">
+                <a:pos x="wd2" y="hd2"/>
+              </a:cxn>
+              <a:cxn ang="5400000">
+                <a:pos x="wd2" y="hd2"/>
+              </a:cxn>
+              <a:cxn ang="10800000">
+                <a:pos x="wd2" y="hd2"/>
+              </a:cxn>
+              <a:cxn ang="16200000">
+                <a:pos x="wd2" y="hd2"/>
+              </a:cxn>
+            </a:cxnLst>
+            <a:rect l="0" t="0" r="r" b="b"/>
+            <a:pathLst>
+              <a:path w="21380" h="21380" extrusionOk="0">
+                <a:moveTo>
+                  <a:pt x="20722" y="17912"/>
+                </a:moveTo>
+                <a:cubicBezTo>
+                  <a:pt x="15805" y="12995"/>
+                  <a:pt x="15805" y="12995"/>
+                  <a:pt x="15805" y="12995"/>
+                </a:cubicBezTo>
+                <a:cubicBezTo>
+                  <a:pt x="15102" y="14224"/>
+                  <a:pt x="14049" y="15102"/>
+                  <a:pt x="12995" y="15805"/>
+                </a:cubicBezTo>
+                <a:cubicBezTo>
+                  <a:pt x="17912" y="20722"/>
+                  <a:pt x="17912" y="20722"/>
+                  <a:pt x="17912" y="20722"/>
+                </a:cubicBezTo>
+                <a:cubicBezTo>
+                  <a:pt x="18615" y="21600"/>
+                  <a:pt x="20020" y="21600"/>
+                  <a:pt x="20722" y="20722"/>
+                </a:cubicBezTo>
+                <a:cubicBezTo>
+                  <a:pt x="21600" y="20020"/>
+                  <a:pt x="21600" y="18790"/>
+                  <a:pt x="20722" y="17912"/>
+                </a:cubicBezTo>
+                <a:close/>
+                <a:moveTo>
+                  <a:pt x="15980" y="8078"/>
+                </a:moveTo>
+                <a:cubicBezTo>
+                  <a:pt x="15980" y="3512"/>
+                  <a:pt x="12468" y="0"/>
+                  <a:pt x="7902" y="0"/>
+                </a:cubicBezTo>
+                <a:cubicBezTo>
+                  <a:pt x="3512" y="0"/>
+                  <a:pt x="0" y="3512"/>
+                  <a:pt x="0" y="8078"/>
+                </a:cubicBezTo>
+                <a:cubicBezTo>
+                  <a:pt x="0" y="12468"/>
+                  <a:pt x="3512" y="15980"/>
+                  <a:pt x="7902" y="15980"/>
+                </a:cubicBezTo>
+                <a:cubicBezTo>
+                  <a:pt x="12468" y="15980"/>
+                  <a:pt x="15980" y="12468"/>
+                  <a:pt x="15980" y="8078"/>
+                </a:cubicBezTo>
+                <a:close/>
+                <a:moveTo>
+                  <a:pt x="7902" y="14049"/>
+                </a:moveTo>
+                <a:cubicBezTo>
+                  <a:pt x="4566" y="14049"/>
+                  <a:pt x="1932" y="11239"/>
+                  <a:pt x="1932" y="8078"/>
+                </a:cubicBezTo>
+                <a:cubicBezTo>
+                  <a:pt x="1932" y="4741"/>
+                  <a:pt x="4566" y="1932"/>
+                  <a:pt x="7902" y="1932"/>
+                </a:cubicBezTo>
+                <a:cubicBezTo>
+                  <a:pt x="11239" y="1932"/>
+                  <a:pt x="14049" y="4741"/>
+                  <a:pt x="14049" y="8078"/>
+                </a:cubicBezTo>
+                <a:cubicBezTo>
+                  <a:pt x="14049" y="11239"/>
+                  <a:pt x="11239" y="14049"/>
+                  <a:pt x="7902" y="14049"/>
+                </a:cubicBezTo>
+                <a:close/>
+                <a:moveTo>
+                  <a:pt x="3337" y="8078"/>
+                </a:moveTo>
+                <a:cubicBezTo>
+                  <a:pt x="4566" y="8078"/>
+                  <a:pt x="4566" y="8078"/>
+                  <a:pt x="4566" y="8078"/>
+                </a:cubicBezTo>
+                <a:cubicBezTo>
+                  <a:pt x="4566" y="6146"/>
+                  <a:pt x="6146" y="4741"/>
+                  <a:pt x="7902" y="4741"/>
+                </a:cubicBezTo>
+                <a:cubicBezTo>
+                  <a:pt x="7902" y="3337"/>
+                  <a:pt x="7902" y="3337"/>
+                  <a:pt x="7902" y="3337"/>
+                </a:cubicBezTo>
+                <a:cubicBezTo>
+                  <a:pt x="5444" y="3337"/>
+                  <a:pt x="3337" y="5444"/>
+                  <a:pt x="3337" y="8078"/>
+                </a:cubicBezTo>
+                <a:close/>
+              </a:path>
+            </a:pathLst>
+          </a:custGeom>
+          <a:solidFill>
+            <a:srgbClr val="404040"/>
+          </a:solidFill>
+          <a:ln w="12700">
+            <a:miter lim="400000"/>
+          </a:ln>
+        </p:spPr>
+        <p:txBody>
+          <a:bodyPr lIns="121919" tIns="121919" rIns="121919" bIns="121919"/>
+          <a:lstStyle/>
+          <a:p>
+            <a:endParaRPr/>
+          </a:p>
+        </p:txBody>
+      </p:sp>
+      <p:sp>
+        <p:nvSpPr>
+          <p:cNvPr id="63" name="Shape">
+            <a:extLst>
+              <a:ext uri="{FF2B5EF4-FFF2-40B4-BE49-F238E27FC236}">
+                <a16:creationId xmlns:a16="http://schemas.microsoft.com/office/drawing/2014/main" id="{1C3AE5CD-B4BF-1B12-A1F6-2CCA288BE29F}"/>
+              </a:ext>
+            </a:extLst>
+          </p:cNvPr>
+          <p:cNvSpPr>
+            <a:spLocks noChangeAspect="1"/>
+          </p:cNvSpPr>
+          <p:nvPr/>
+        </p:nvSpPr>
+        <p:spPr>
+          <a:xfrm>
+            <a:off x="2236732" y="3252752"/>
+            <a:ext cx="1127838" cy="1008000"/>
+          </a:xfrm>
+          <a:custGeom>
+            <a:avLst/>
+            <a:gdLst/>
+            <a:ahLst/>
+            <a:cxnLst>
+              <a:cxn ang="0">
+                <a:pos x="wd2" y="hd2"/>
+              </a:cxn>
+              <a:cxn ang="5400000">
+                <a:pos x="wd2" y="hd2"/>
+              </a:cxn>
+              <a:cxn ang="10800000">
+                <a:pos x="wd2" y="hd2"/>
+              </a:cxn>
+              <a:cxn ang="16200000">
+                <a:pos x="wd2" y="hd2"/>
+              </a:cxn>
+            </a:cxnLst>
+            <a:rect l="0" t="0" r="r" b="b"/>
+            <a:pathLst>
+              <a:path w="21600" h="21600" extrusionOk="0">
+                <a:moveTo>
+                  <a:pt x="10354" y="14727"/>
+                </a:moveTo>
+                <a:cubicBezTo>
+                  <a:pt x="5355" y="7855"/>
+                  <a:pt x="5355" y="7855"/>
+                  <a:pt x="5355" y="7855"/>
+                </a:cubicBezTo>
+                <a:cubicBezTo>
+                  <a:pt x="8033" y="7855"/>
+                  <a:pt x="8033" y="7855"/>
+                  <a:pt x="8033" y="7855"/>
+                </a:cubicBezTo>
+                <a:cubicBezTo>
+                  <a:pt x="8033" y="0"/>
+                  <a:pt x="8033" y="0"/>
+                  <a:pt x="8033" y="0"/>
+                </a:cubicBezTo>
+                <a:cubicBezTo>
+                  <a:pt x="13388" y="0"/>
+                  <a:pt x="13388" y="0"/>
+                  <a:pt x="13388" y="0"/>
+                </a:cubicBezTo>
+                <a:cubicBezTo>
+                  <a:pt x="13388" y="7855"/>
+                  <a:pt x="13388" y="7855"/>
+                  <a:pt x="13388" y="7855"/>
+                </a:cubicBezTo>
+                <a:cubicBezTo>
+                  <a:pt x="16066" y="7855"/>
+                  <a:pt x="16066" y="7855"/>
+                  <a:pt x="16066" y="7855"/>
+                </a:cubicBezTo>
+                <a:cubicBezTo>
+                  <a:pt x="11246" y="14727"/>
+                  <a:pt x="11246" y="14727"/>
+                  <a:pt x="11246" y="14727"/>
+                </a:cubicBezTo>
+                <a:lnTo>
+                  <a:pt x="10354" y="14727"/>
+                </a:lnTo>
+                <a:close/>
+                <a:moveTo>
+                  <a:pt x="0" y="11782"/>
+                </a:moveTo>
+                <a:cubicBezTo>
+                  <a:pt x="2678" y="4909"/>
+                  <a:pt x="2678" y="4909"/>
+                  <a:pt x="2678" y="4909"/>
+                </a:cubicBezTo>
+                <a:cubicBezTo>
+                  <a:pt x="6069" y="4909"/>
+                  <a:pt x="6069" y="4909"/>
+                  <a:pt x="6069" y="4909"/>
+                </a:cubicBezTo>
+                <a:cubicBezTo>
+                  <a:pt x="6069" y="6873"/>
+                  <a:pt x="6069" y="6873"/>
+                  <a:pt x="6069" y="6873"/>
+                </a:cubicBezTo>
+                <a:cubicBezTo>
+                  <a:pt x="4106" y="6873"/>
+                  <a:pt x="4106" y="6873"/>
+                  <a:pt x="4106" y="6873"/>
+                </a:cubicBezTo>
+                <a:cubicBezTo>
+                  <a:pt x="2321" y="11782"/>
+                  <a:pt x="2321" y="11782"/>
+                  <a:pt x="2321" y="11782"/>
+                </a:cubicBezTo>
+                <a:cubicBezTo>
+                  <a:pt x="6783" y="11782"/>
+                  <a:pt x="6783" y="11782"/>
+                  <a:pt x="6783" y="11782"/>
+                </a:cubicBezTo>
+                <a:cubicBezTo>
+                  <a:pt x="6783" y="14335"/>
+                  <a:pt x="8569" y="16298"/>
+                  <a:pt x="10711" y="16298"/>
+                </a:cubicBezTo>
+                <a:cubicBezTo>
+                  <a:pt x="13031" y="16298"/>
+                  <a:pt x="14817" y="14335"/>
+                  <a:pt x="14817" y="11782"/>
+                </a:cubicBezTo>
+                <a:cubicBezTo>
+                  <a:pt x="19279" y="11782"/>
+                  <a:pt x="19279" y="11782"/>
+                  <a:pt x="19279" y="11782"/>
+                </a:cubicBezTo>
+                <a:cubicBezTo>
+                  <a:pt x="17494" y="6873"/>
+                  <a:pt x="17494" y="6873"/>
+                  <a:pt x="17494" y="6873"/>
+                </a:cubicBezTo>
+                <a:cubicBezTo>
+                  <a:pt x="15531" y="6873"/>
+                  <a:pt x="15531" y="6873"/>
+                  <a:pt x="15531" y="6873"/>
+                </a:cubicBezTo>
+                <a:cubicBezTo>
+                  <a:pt x="15531" y="4909"/>
+                  <a:pt x="15531" y="4909"/>
+                  <a:pt x="15531" y="4909"/>
+                </a:cubicBezTo>
+                <a:cubicBezTo>
+                  <a:pt x="18744" y="4909"/>
+                  <a:pt x="18744" y="4909"/>
+                  <a:pt x="18744" y="4909"/>
+                </a:cubicBezTo>
+                <a:cubicBezTo>
+                  <a:pt x="21600" y="11782"/>
+                  <a:pt x="21600" y="11782"/>
+                  <a:pt x="21600" y="11782"/>
+                </a:cubicBezTo>
+                <a:cubicBezTo>
+                  <a:pt x="21600" y="21600"/>
+                  <a:pt x="21600" y="21600"/>
+                  <a:pt x="21600" y="21600"/>
+                </a:cubicBezTo>
+                <a:cubicBezTo>
+                  <a:pt x="0" y="21600"/>
+                  <a:pt x="0" y="21600"/>
+                  <a:pt x="0" y="21600"/>
+                </a:cubicBezTo>
+                <a:lnTo>
+                  <a:pt x="0" y="11782"/>
+                </a:lnTo>
+                <a:close/>
+                <a:moveTo>
+                  <a:pt x="0" y="11782"/>
+                </a:moveTo>
+                <a:cubicBezTo>
+                  <a:pt x="0" y="11782"/>
+                  <a:pt x="0" y="11782"/>
+                  <a:pt x="0" y="11782"/>
+                </a:cubicBezTo>
+              </a:path>
+            </a:pathLst>
+          </a:custGeom>
+          <a:solidFill>
+            <a:srgbClr val="404040"/>
+          </a:solidFill>
+          <a:ln w="12700">
+            <a:miter lim="400000"/>
+          </a:ln>
+        </p:spPr>
+        <p:txBody>
+          <a:bodyPr lIns="121919" tIns="121919" rIns="121919" bIns="121919"/>
+          <a:lstStyle/>
+          <a:p>
+            <a:endParaRPr/>
+          </a:p>
+        </p:txBody>
+      </p:sp>
+      <p:sp>
+        <p:nvSpPr>
+          <p:cNvPr id="65" name="Shape">
+            <a:extLst>
+              <a:ext uri="{FF2B5EF4-FFF2-40B4-BE49-F238E27FC236}">
+                <a16:creationId xmlns:a16="http://schemas.microsoft.com/office/drawing/2014/main" id="{42527BC8-1BFD-FEBB-D5C3-E9B5CBB94055}"/>
+              </a:ext>
+            </a:extLst>
+          </p:cNvPr>
+          <p:cNvSpPr/>
+          <p:nvPr/>
+        </p:nvSpPr>
+        <p:spPr>
+          <a:xfrm>
+            <a:off x="15026924" y="3340113"/>
+            <a:ext cx="1151345" cy="1042809"/>
+          </a:xfrm>
+          <a:custGeom>
+            <a:avLst/>
+            <a:gdLst/>
+            <a:ahLst/>
+            <a:cxnLst>
+              <a:cxn ang="0">
+                <a:pos x="wd2" y="hd2"/>
+              </a:cxn>
+              <a:cxn ang="5400000">
+                <a:pos x="wd2" y="hd2"/>
+              </a:cxn>
+              <a:cxn ang="10800000">
+                <a:pos x="wd2" y="hd2"/>
+              </a:cxn>
+              <a:cxn ang="16200000">
+                <a:pos x="wd2" y="hd2"/>
+              </a:cxn>
+            </a:cxnLst>
+            <a:rect l="0" t="0" r="r" b="b"/>
+            <a:pathLst>
+              <a:path w="21600" h="21600" extrusionOk="0">
+                <a:moveTo>
+                  <a:pt x="6565" y="17427"/>
+                </a:moveTo>
+                <a:cubicBezTo>
+                  <a:pt x="7624" y="17427"/>
+                  <a:pt x="8682" y="16200"/>
+                  <a:pt x="8682" y="14973"/>
+                </a:cubicBezTo>
+                <a:cubicBezTo>
+                  <a:pt x="8682" y="14236"/>
+                  <a:pt x="8471" y="13745"/>
+                  <a:pt x="8259" y="13255"/>
+                </a:cubicBezTo>
+                <a:cubicBezTo>
+                  <a:pt x="12071" y="7118"/>
+                  <a:pt x="12071" y="7118"/>
+                  <a:pt x="12071" y="7118"/>
+                </a:cubicBezTo>
+                <a:cubicBezTo>
+                  <a:pt x="12282" y="7364"/>
+                  <a:pt x="12706" y="7364"/>
+                  <a:pt x="12918" y="7364"/>
+                </a:cubicBezTo>
+                <a:cubicBezTo>
+                  <a:pt x="13553" y="7364"/>
+                  <a:pt x="13976" y="7118"/>
+                  <a:pt x="14400" y="6873"/>
+                </a:cubicBezTo>
+                <a:cubicBezTo>
+                  <a:pt x="17365" y="9573"/>
+                  <a:pt x="17365" y="9573"/>
+                  <a:pt x="17365" y="9573"/>
+                </a:cubicBezTo>
+                <a:cubicBezTo>
+                  <a:pt x="17365" y="9818"/>
+                  <a:pt x="17153" y="10309"/>
+                  <a:pt x="17153" y="10555"/>
+                </a:cubicBezTo>
+                <a:cubicBezTo>
+                  <a:pt x="17153" y="12027"/>
+                  <a:pt x="18212" y="13009"/>
+                  <a:pt x="19271" y="13009"/>
+                </a:cubicBezTo>
+                <a:cubicBezTo>
+                  <a:pt x="20541" y="13009"/>
+                  <a:pt x="21600" y="12027"/>
+                  <a:pt x="21600" y="10555"/>
+                </a:cubicBezTo>
+                <a:cubicBezTo>
+                  <a:pt x="21600" y="9082"/>
+                  <a:pt x="20541" y="8100"/>
+                  <a:pt x="19271" y="8100"/>
+                </a:cubicBezTo>
+                <a:cubicBezTo>
+                  <a:pt x="18847" y="8100"/>
+                  <a:pt x="18424" y="8345"/>
+                  <a:pt x="18000" y="8591"/>
+                </a:cubicBezTo>
+                <a:cubicBezTo>
+                  <a:pt x="14824" y="5891"/>
+                  <a:pt x="14824" y="5891"/>
+                  <a:pt x="14824" y="5891"/>
+                </a:cubicBezTo>
+                <a:cubicBezTo>
+                  <a:pt x="15035" y="5645"/>
+                  <a:pt x="15035" y="5155"/>
+                  <a:pt x="15035" y="4909"/>
+                </a:cubicBezTo>
+                <a:cubicBezTo>
+                  <a:pt x="15035" y="3436"/>
+                  <a:pt x="14188" y="2455"/>
+                  <a:pt x="12918" y="2455"/>
+                </a:cubicBezTo>
+                <a:cubicBezTo>
+                  <a:pt x="11859" y="2455"/>
+                  <a:pt x="10800" y="3436"/>
+                  <a:pt x="10800" y="4909"/>
+                </a:cubicBezTo>
+                <a:cubicBezTo>
+                  <a:pt x="10800" y="5400"/>
+                  <a:pt x="11012" y="6136"/>
+                  <a:pt x="11224" y="6382"/>
+                </a:cubicBezTo>
+                <a:cubicBezTo>
+                  <a:pt x="7412" y="12518"/>
+                  <a:pt x="7412" y="12518"/>
+                  <a:pt x="7412" y="12518"/>
+                </a:cubicBezTo>
+                <a:cubicBezTo>
+                  <a:pt x="7200" y="12518"/>
+                  <a:pt x="6776" y="12518"/>
+                  <a:pt x="6565" y="12518"/>
+                </a:cubicBezTo>
+                <a:cubicBezTo>
+                  <a:pt x="5294" y="12518"/>
+                  <a:pt x="4447" y="13500"/>
+                  <a:pt x="4447" y="14973"/>
+                </a:cubicBezTo>
+                <a:cubicBezTo>
+                  <a:pt x="4447" y="16200"/>
+                  <a:pt x="5294" y="17427"/>
+                  <a:pt x="6565" y="17427"/>
+                </a:cubicBezTo>
+                <a:close/>
+                <a:moveTo>
+                  <a:pt x="20541" y="10555"/>
+                </a:moveTo>
+                <a:cubicBezTo>
+                  <a:pt x="20541" y="11291"/>
+                  <a:pt x="19906" y="12027"/>
+                  <a:pt x="19271" y="12027"/>
+                </a:cubicBezTo>
+                <a:cubicBezTo>
+                  <a:pt x="18635" y="12027"/>
+                  <a:pt x="18212" y="11291"/>
+                  <a:pt x="18212" y="10555"/>
+                </a:cubicBezTo>
+                <a:cubicBezTo>
+                  <a:pt x="18212" y="9818"/>
+                  <a:pt x="18635" y="9327"/>
+                  <a:pt x="19271" y="9327"/>
+                </a:cubicBezTo>
+                <a:cubicBezTo>
+                  <a:pt x="19906" y="9327"/>
+                  <a:pt x="20541" y="9818"/>
+                  <a:pt x="20541" y="10555"/>
+                </a:cubicBezTo>
+                <a:close/>
+                <a:moveTo>
+                  <a:pt x="12918" y="3682"/>
+                </a:moveTo>
+                <a:cubicBezTo>
+                  <a:pt x="13553" y="3682"/>
+                  <a:pt x="14188" y="4173"/>
+                  <a:pt x="14188" y="4909"/>
+                </a:cubicBezTo>
+                <a:cubicBezTo>
+                  <a:pt x="14188" y="5645"/>
+                  <a:pt x="13553" y="6382"/>
+                  <a:pt x="12918" y="6382"/>
+                </a:cubicBezTo>
+                <a:cubicBezTo>
+                  <a:pt x="12282" y="6382"/>
+                  <a:pt x="11859" y="5645"/>
+                  <a:pt x="11859" y="4909"/>
+                </a:cubicBezTo>
+                <a:cubicBezTo>
+                  <a:pt x="11859" y="4173"/>
+                  <a:pt x="12282" y="3682"/>
+                  <a:pt x="12918" y="3682"/>
+                </a:cubicBezTo>
+                <a:close/>
+                <a:moveTo>
+                  <a:pt x="6565" y="13500"/>
+                </a:moveTo>
+                <a:cubicBezTo>
+                  <a:pt x="7200" y="13500"/>
+                  <a:pt x="7624" y="14236"/>
+                  <a:pt x="7624" y="14973"/>
+                </a:cubicBezTo>
+                <a:cubicBezTo>
+                  <a:pt x="7624" y="15709"/>
+                  <a:pt x="7200" y="16200"/>
+                  <a:pt x="6565" y="16200"/>
+                </a:cubicBezTo>
+                <a:cubicBezTo>
+                  <a:pt x="5929" y="16200"/>
+                  <a:pt x="5294" y="15709"/>
+                  <a:pt x="5294" y="14973"/>
+                </a:cubicBezTo>
+                <a:cubicBezTo>
+                  <a:pt x="5294" y="14236"/>
+                  <a:pt x="5929" y="13500"/>
+                  <a:pt x="6565" y="13500"/>
+                </a:cubicBezTo>
+                <a:close/>
+                <a:moveTo>
+                  <a:pt x="21600" y="21109"/>
+                </a:moveTo>
+                <a:cubicBezTo>
+                  <a:pt x="21600" y="21355"/>
+                  <a:pt x="21388" y="21600"/>
+                  <a:pt x="21176" y="21600"/>
+                </a:cubicBezTo>
+                <a:cubicBezTo>
+                  <a:pt x="2965" y="21600"/>
+                  <a:pt x="2965" y="21600"/>
+                  <a:pt x="2965" y="21600"/>
+                </a:cubicBezTo>
+                <a:cubicBezTo>
+                  <a:pt x="2753" y="21600"/>
+                  <a:pt x="2329" y="21600"/>
+                  <a:pt x="2118" y="21109"/>
+                </a:cubicBezTo>
+                <a:cubicBezTo>
+                  <a:pt x="1694" y="20864"/>
+                  <a:pt x="1482" y="20373"/>
+                  <a:pt x="1482" y="19882"/>
+                </a:cubicBezTo>
+                <a:cubicBezTo>
+                  <a:pt x="1482" y="18900"/>
+                  <a:pt x="1482" y="18900"/>
+                  <a:pt x="1482" y="18900"/>
+                </a:cubicBezTo>
+                <a:cubicBezTo>
+                  <a:pt x="635" y="18900"/>
+                  <a:pt x="635" y="18900"/>
+                  <a:pt x="635" y="18900"/>
+                </a:cubicBezTo>
+                <a:cubicBezTo>
+                  <a:pt x="212" y="18900"/>
+                  <a:pt x="0" y="18655"/>
+                  <a:pt x="0" y="18409"/>
+                </a:cubicBezTo>
+                <a:cubicBezTo>
+                  <a:pt x="0" y="18164"/>
+                  <a:pt x="212" y="17918"/>
+                  <a:pt x="635" y="17918"/>
+                </a:cubicBezTo>
+                <a:cubicBezTo>
+                  <a:pt x="1482" y="17918"/>
+                  <a:pt x="1482" y="17918"/>
+                  <a:pt x="1482" y="17918"/>
+                </a:cubicBezTo>
+                <a:cubicBezTo>
+                  <a:pt x="1482" y="15464"/>
+                  <a:pt x="1482" y="15464"/>
+                  <a:pt x="1482" y="15464"/>
+                </a:cubicBezTo>
+                <a:cubicBezTo>
+                  <a:pt x="635" y="15464"/>
+                  <a:pt x="635" y="15464"/>
+                  <a:pt x="635" y="15464"/>
+                </a:cubicBezTo>
+                <a:cubicBezTo>
+                  <a:pt x="212" y="15464"/>
+                  <a:pt x="0" y="15218"/>
+                  <a:pt x="0" y="14727"/>
+                </a:cubicBezTo>
+                <a:cubicBezTo>
+                  <a:pt x="0" y="14482"/>
+                  <a:pt x="212" y="14236"/>
+                  <a:pt x="635" y="14236"/>
+                </a:cubicBezTo>
+                <a:cubicBezTo>
+                  <a:pt x="1482" y="14236"/>
+                  <a:pt x="1482" y="14236"/>
+                  <a:pt x="1482" y="14236"/>
+                </a:cubicBezTo>
+                <a:cubicBezTo>
+                  <a:pt x="1482" y="11782"/>
+                  <a:pt x="1482" y="11782"/>
+                  <a:pt x="1482" y="11782"/>
+                </a:cubicBezTo>
+                <a:cubicBezTo>
+                  <a:pt x="635" y="11782"/>
+                  <a:pt x="635" y="11782"/>
+                  <a:pt x="635" y="11782"/>
+                </a:cubicBezTo>
+                <a:cubicBezTo>
+                  <a:pt x="212" y="11782"/>
+                  <a:pt x="0" y="11536"/>
+                  <a:pt x="0" y="11291"/>
+                </a:cubicBezTo>
+                <a:cubicBezTo>
+                  <a:pt x="0" y="11045"/>
+                  <a:pt x="212" y="10800"/>
+                  <a:pt x="635" y="10800"/>
+                </a:cubicBezTo>
+                <a:cubicBezTo>
+                  <a:pt x="1482" y="10800"/>
+                  <a:pt x="1482" y="10800"/>
+                  <a:pt x="1482" y="10800"/>
+                </a:cubicBezTo>
+                <a:cubicBezTo>
+                  <a:pt x="1482" y="8345"/>
+                  <a:pt x="1482" y="8345"/>
+                  <a:pt x="1482" y="8345"/>
+                </a:cubicBezTo>
+                <a:cubicBezTo>
+                  <a:pt x="635" y="8345"/>
+                  <a:pt x="635" y="8345"/>
+                  <a:pt x="635" y="8345"/>
+                </a:cubicBezTo>
+                <a:cubicBezTo>
+                  <a:pt x="212" y="8345"/>
+                  <a:pt x="0" y="8100"/>
+                  <a:pt x="0" y="7855"/>
+                </a:cubicBezTo>
+                <a:cubicBezTo>
+                  <a:pt x="0" y="7364"/>
+                  <a:pt x="212" y="7118"/>
+                  <a:pt x="635" y="7118"/>
+                </a:cubicBezTo>
+                <a:cubicBezTo>
+                  <a:pt x="1482" y="7118"/>
+                  <a:pt x="1482" y="7118"/>
+                  <a:pt x="1482" y="7118"/>
+                </a:cubicBezTo>
+                <a:cubicBezTo>
+                  <a:pt x="1482" y="4664"/>
+                  <a:pt x="1482" y="4664"/>
+                  <a:pt x="1482" y="4664"/>
+                </a:cubicBezTo>
+                <a:cubicBezTo>
+                  <a:pt x="635" y="4664"/>
+                  <a:pt x="635" y="4664"/>
+                  <a:pt x="635" y="4664"/>
+                </a:cubicBezTo>
+                <a:cubicBezTo>
+                  <a:pt x="212" y="4664"/>
+                  <a:pt x="0" y="4418"/>
+                  <a:pt x="0" y="4173"/>
+                </a:cubicBezTo>
+                <a:cubicBezTo>
+                  <a:pt x="0" y="3927"/>
+                  <a:pt x="212" y="3682"/>
+                  <a:pt x="635" y="3682"/>
+                </a:cubicBezTo>
+                <a:cubicBezTo>
+                  <a:pt x="1482" y="3682"/>
+                  <a:pt x="1482" y="3682"/>
+                  <a:pt x="1482" y="3682"/>
+                </a:cubicBezTo>
+                <a:cubicBezTo>
+                  <a:pt x="1482" y="982"/>
+                  <a:pt x="1482" y="982"/>
+                  <a:pt x="1482" y="982"/>
+                </a:cubicBezTo>
+                <a:cubicBezTo>
+                  <a:pt x="635" y="982"/>
+                  <a:pt x="635" y="982"/>
+                  <a:pt x="635" y="982"/>
+                </a:cubicBezTo>
+                <a:cubicBezTo>
+                  <a:pt x="212" y="982"/>
+                  <a:pt x="0" y="736"/>
+                  <a:pt x="0" y="491"/>
+                </a:cubicBezTo>
+                <a:cubicBezTo>
+                  <a:pt x="0" y="245"/>
+                  <a:pt x="212" y="0"/>
+                  <a:pt x="635" y="0"/>
+                </a:cubicBezTo>
+                <a:cubicBezTo>
+                  <a:pt x="2118" y="0"/>
+                  <a:pt x="2118" y="0"/>
+                  <a:pt x="2118" y="0"/>
+                </a:cubicBezTo>
+                <a:cubicBezTo>
+                  <a:pt x="2329" y="0"/>
+                  <a:pt x="2541" y="245"/>
+                  <a:pt x="2541" y="491"/>
+                </a:cubicBezTo>
+                <a:cubicBezTo>
+                  <a:pt x="2541" y="19882"/>
+                  <a:pt x="2541" y="19882"/>
+                  <a:pt x="2541" y="19882"/>
+                </a:cubicBezTo>
+                <a:cubicBezTo>
+                  <a:pt x="2541" y="20127"/>
+                  <a:pt x="2541" y="20373"/>
+                  <a:pt x="2753" y="20373"/>
+                </a:cubicBezTo>
+                <a:cubicBezTo>
+                  <a:pt x="2753" y="20618"/>
+                  <a:pt x="2965" y="20618"/>
+                  <a:pt x="2965" y="20618"/>
+                </a:cubicBezTo>
+                <a:cubicBezTo>
+                  <a:pt x="21176" y="20618"/>
+                  <a:pt x="21176" y="20618"/>
+                  <a:pt x="21176" y="20618"/>
+                </a:cubicBezTo>
+                <a:cubicBezTo>
+                  <a:pt x="21388" y="20618"/>
+                  <a:pt x="21600" y="20864"/>
+                  <a:pt x="21600" y="21109"/>
+                </a:cubicBezTo>
+                <a:close/>
+                <a:moveTo>
+                  <a:pt x="21600" y="21109"/>
+                </a:moveTo>
+                <a:cubicBezTo>
+                  <a:pt x="21600" y="21109"/>
+                  <a:pt x="21600" y="21109"/>
+                  <a:pt x="21600" y="21109"/>
+                </a:cubicBezTo>
+              </a:path>
+            </a:pathLst>
+          </a:custGeom>
+          <a:solidFill>
+            <a:srgbClr val="404040"/>
+          </a:solidFill>
+          <a:ln w="12700">
+            <a:miter lim="400000"/>
+          </a:ln>
+        </p:spPr>
+        <p:txBody>
+          <a:bodyPr lIns="121919" tIns="121919" rIns="121919" bIns="121919"/>
+          <a:lstStyle/>
+          <a:p>
+            <a:endParaRPr/>
+          </a:p>
+        </p:txBody>
+      </p:sp>
+      <p:sp>
+        <p:nvSpPr>
+          <p:cNvPr id="66" name="Shape">
+            <a:extLst>
+              <a:ext uri="{FF2B5EF4-FFF2-40B4-BE49-F238E27FC236}">
+                <a16:creationId xmlns:a16="http://schemas.microsoft.com/office/drawing/2014/main" id="{DC73BB0C-5FB7-AC28-3183-0A8B15B64A2B}"/>
+              </a:ext>
+            </a:extLst>
+          </p:cNvPr>
+          <p:cNvSpPr>
+            <a:spLocks noChangeAspect="1"/>
+          </p:cNvSpPr>
+          <p:nvPr/>
+        </p:nvSpPr>
+        <p:spPr>
+          <a:xfrm>
+            <a:off x="10706293" y="3261300"/>
+            <a:ext cx="1257107" cy="1044000"/>
+          </a:xfrm>
+          <a:custGeom>
+            <a:avLst/>
+            <a:gdLst/>
+            <a:ahLst/>
+            <a:cxnLst>
+              <a:cxn ang="0">
+                <a:pos x="wd2" y="hd2"/>
+              </a:cxn>
+              <a:cxn ang="5400000">
+                <a:pos x="wd2" y="hd2"/>
+              </a:cxn>
+              <a:cxn ang="10800000">
+                <a:pos x="wd2" y="hd2"/>
+              </a:cxn>
+              <a:cxn ang="16200000">
+                <a:pos x="wd2" y="hd2"/>
+              </a:cxn>
+            </a:cxnLst>
+            <a:rect l="0" t="0" r="r" b="b"/>
+            <a:pathLst>
+              <a:path w="21600" h="21600" extrusionOk="0">
+                <a:moveTo>
+                  <a:pt x="21270" y="19224"/>
+                </a:moveTo>
+                <a:cubicBezTo>
+                  <a:pt x="20116" y="19224"/>
+                  <a:pt x="20116" y="19224"/>
+                  <a:pt x="20116" y="19224"/>
+                </a:cubicBezTo>
+                <a:cubicBezTo>
+                  <a:pt x="20116" y="5400"/>
+                  <a:pt x="20116" y="5400"/>
+                  <a:pt x="20116" y="5400"/>
+                </a:cubicBezTo>
+                <a:cubicBezTo>
+                  <a:pt x="20116" y="4752"/>
+                  <a:pt x="19621" y="4320"/>
+                  <a:pt x="19292" y="4320"/>
+                </a:cubicBezTo>
+                <a:cubicBezTo>
+                  <a:pt x="18302" y="4320"/>
+                  <a:pt x="18302" y="4320"/>
+                  <a:pt x="18302" y="4320"/>
+                </a:cubicBezTo>
+                <a:cubicBezTo>
+                  <a:pt x="17808" y="6048"/>
+                  <a:pt x="17808" y="6048"/>
+                  <a:pt x="17808" y="6048"/>
+                </a:cubicBezTo>
+                <a:cubicBezTo>
+                  <a:pt x="18632" y="6048"/>
+                  <a:pt x="18632" y="6048"/>
+                  <a:pt x="18632" y="6048"/>
+                </a:cubicBezTo>
+                <a:cubicBezTo>
+                  <a:pt x="18632" y="18360"/>
+                  <a:pt x="18632" y="18360"/>
+                  <a:pt x="18632" y="18360"/>
+                </a:cubicBezTo>
+                <a:cubicBezTo>
+                  <a:pt x="2968" y="18360"/>
+                  <a:pt x="2968" y="18360"/>
+                  <a:pt x="2968" y="18360"/>
+                </a:cubicBezTo>
+                <a:cubicBezTo>
+                  <a:pt x="2968" y="6048"/>
+                  <a:pt x="2968" y="6048"/>
+                  <a:pt x="2968" y="6048"/>
+                </a:cubicBezTo>
+                <a:cubicBezTo>
+                  <a:pt x="5111" y="6048"/>
+                  <a:pt x="5111" y="6048"/>
+                  <a:pt x="5111" y="6048"/>
+                </a:cubicBezTo>
+                <a:cubicBezTo>
+                  <a:pt x="6760" y="4320"/>
+                  <a:pt x="6760" y="4320"/>
+                  <a:pt x="6760" y="4320"/>
+                </a:cubicBezTo>
+                <a:cubicBezTo>
+                  <a:pt x="2473" y="4320"/>
+                  <a:pt x="2473" y="4320"/>
+                  <a:pt x="2473" y="4320"/>
+                </a:cubicBezTo>
+                <a:cubicBezTo>
+                  <a:pt x="1979" y="4320"/>
+                  <a:pt x="1649" y="4752"/>
+                  <a:pt x="1649" y="5400"/>
+                </a:cubicBezTo>
+                <a:cubicBezTo>
+                  <a:pt x="1649" y="19224"/>
+                  <a:pt x="1649" y="19224"/>
+                  <a:pt x="1649" y="19224"/>
+                </a:cubicBezTo>
+                <a:cubicBezTo>
+                  <a:pt x="495" y="19224"/>
+                  <a:pt x="495" y="19224"/>
+                  <a:pt x="495" y="19224"/>
+                </a:cubicBezTo>
+                <a:cubicBezTo>
+                  <a:pt x="165" y="19224"/>
+                  <a:pt x="0" y="19440"/>
+                  <a:pt x="0" y="19656"/>
+                </a:cubicBezTo>
+                <a:cubicBezTo>
+                  <a:pt x="0" y="20736"/>
+                  <a:pt x="824" y="21600"/>
+                  <a:pt x="1649" y="21600"/>
+                </a:cubicBezTo>
+                <a:cubicBezTo>
+                  <a:pt x="14510" y="21600"/>
+                  <a:pt x="14510" y="21600"/>
+                  <a:pt x="14510" y="21600"/>
+                </a:cubicBezTo>
+                <a:cubicBezTo>
+                  <a:pt x="14510" y="20736"/>
+                  <a:pt x="14510" y="20736"/>
+                  <a:pt x="14510" y="20736"/>
+                </a:cubicBezTo>
+                <a:cubicBezTo>
+                  <a:pt x="14510" y="20520"/>
+                  <a:pt x="14675" y="20304"/>
+                  <a:pt x="15005" y="20304"/>
+                </a:cubicBezTo>
+                <a:cubicBezTo>
+                  <a:pt x="15169" y="20304"/>
+                  <a:pt x="15499" y="20520"/>
+                  <a:pt x="15499" y="20736"/>
+                </a:cubicBezTo>
+                <a:cubicBezTo>
+                  <a:pt x="15499" y="21600"/>
+                  <a:pt x="15499" y="21600"/>
+                  <a:pt x="15499" y="21600"/>
+                </a:cubicBezTo>
+                <a:cubicBezTo>
+                  <a:pt x="16159" y="21600"/>
+                  <a:pt x="16159" y="21600"/>
+                  <a:pt x="16159" y="21600"/>
+                </a:cubicBezTo>
+                <a:cubicBezTo>
+                  <a:pt x="16159" y="20736"/>
+                  <a:pt x="16159" y="20736"/>
+                  <a:pt x="16159" y="20736"/>
+                </a:cubicBezTo>
+                <a:cubicBezTo>
+                  <a:pt x="16159" y="20520"/>
+                  <a:pt x="16324" y="20304"/>
+                  <a:pt x="16653" y="20304"/>
+                </a:cubicBezTo>
+                <a:cubicBezTo>
+                  <a:pt x="16818" y="20304"/>
+                  <a:pt x="16983" y="20520"/>
+                  <a:pt x="16983" y="20736"/>
+                </a:cubicBezTo>
+                <a:cubicBezTo>
+                  <a:pt x="16983" y="21600"/>
+                  <a:pt x="16983" y="21600"/>
+                  <a:pt x="16983" y="21600"/>
+                </a:cubicBezTo>
+                <a:cubicBezTo>
+                  <a:pt x="19951" y="21600"/>
+                  <a:pt x="19951" y="21600"/>
+                  <a:pt x="19951" y="21600"/>
+                </a:cubicBezTo>
+                <a:cubicBezTo>
+                  <a:pt x="20776" y="21600"/>
+                  <a:pt x="21600" y="20736"/>
+                  <a:pt x="21600" y="19656"/>
+                </a:cubicBezTo>
+                <a:cubicBezTo>
+                  <a:pt x="21600" y="19440"/>
+                  <a:pt x="21435" y="19224"/>
+                  <a:pt x="21270" y="19224"/>
+                </a:cubicBezTo>
+                <a:close/>
+                <a:moveTo>
+                  <a:pt x="5111" y="8424"/>
+                </a:moveTo>
+                <a:cubicBezTo>
+                  <a:pt x="7915" y="5832"/>
+                  <a:pt x="7915" y="5832"/>
+                  <a:pt x="7915" y="5832"/>
+                </a:cubicBezTo>
+                <a:cubicBezTo>
+                  <a:pt x="9728" y="8856"/>
+                  <a:pt x="9728" y="8856"/>
+                  <a:pt x="9728" y="8856"/>
+                </a:cubicBezTo>
+                <a:cubicBezTo>
+                  <a:pt x="10058" y="9288"/>
+                  <a:pt x="10058" y="9288"/>
+                  <a:pt x="10058" y="9288"/>
+                </a:cubicBezTo>
+                <a:cubicBezTo>
+                  <a:pt x="10388" y="8856"/>
+                  <a:pt x="10388" y="8856"/>
+                  <a:pt x="10388" y="8856"/>
+                </a:cubicBezTo>
+                <a:cubicBezTo>
+                  <a:pt x="15499" y="4320"/>
+                  <a:pt x="15499" y="4320"/>
+                  <a:pt x="15499" y="4320"/>
+                </a:cubicBezTo>
+                <a:cubicBezTo>
+                  <a:pt x="16324" y="5616"/>
+                  <a:pt x="16324" y="5616"/>
+                  <a:pt x="16324" y="5616"/>
+                </a:cubicBezTo>
+                <a:cubicBezTo>
+                  <a:pt x="16489" y="5616"/>
+                  <a:pt x="16489" y="5832"/>
+                  <a:pt x="16489" y="5832"/>
+                </a:cubicBezTo>
+                <a:cubicBezTo>
+                  <a:pt x="16489" y="5832"/>
+                  <a:pt x="16489" y="5832"/>
+                  <a:pt x="16653" y="5616"/>
+                </a:cubicBezTo>
+                <a:cubicBezTo>
+                  <a:pt x="16653" y="5616"/>
+                  <a:pt x="16653" y="5616"/>
+                  <a:pt x="16653" y="5616"/>
+                </a:cubicBezTo>
+                <a:cubicBezTo>
+                  <a:pt x="18302" y="216"/>
+                  <a:pt x="18302" y="216"/>
+                  <a:pt x="18302" y="216"/>
+                </a:cubicBezTo>
+                <a:cubicBezTo>
+                  <a:pt x="18467" y="216"/>
+                  <a:pt x="18467" y="216"/>
+                  <a:pt x="18302" y="0"/>
+                </a:cubicBezTo>
+                <a:cubicBezTo>
+                  <a:pt x="18302" y="0"/>
+                  <a:pt x="18302" y="0"/>
+                  <a:pt x="18137" y="0"/>
+                </a:cubicBezTo>
+                <a:cubicBezTo>
+                  <a:pt x="18137" y="0"/>
+                  <a:pt x="18137" y="0"/>
+                  <a:pt x="18137" y="0"/>
+                </a:cubicBezTo>
+                <a:cubicBezTo>
+                  <a:pt x="13850" y="1080"/>
+                  <a:pt x="13850" y="1080"/>
+                  <a:pt x="13850" y="1080"/>
+                </a:cubicBezTo>
+                <a:cubicBezTo>
+                  <a:pt x="13850" y="1080"/>
+                  <a:pt x="13850" y="1080"/>
+                  <a:pt x="13685" y="1296"/>
+                </a:cubicBezTo>
+                <a:cubicBezTo>
+                  <a:pt x="13685" y="1296"/>
+                  <a:pt x="13685" y="1512"/>
+                  <a:pt x="13850" y="1512"/>
+                </a:cubicBezTo>
+                <a:cubicBezTo>
+                  <a:pt x="14510" y="2808"/>
+                  <a:pt x="14510" y="2808"/>
+                  <a:pt x="14510" y="2808"/>
+                </a:cubicBezTo>
+                <a:cubicBezTo>
+                  <a:pt x="10058" y="7776"/>
+                  <a:pt x="10058" y="7776"/>
+                  <a:pt x="10058" y="7776"/>
+                </a:cubicBezTo>
+                <a:cubicBezTo>
+                  <a:pt x="8079" y="5184"/>
+                  <a:pt x="8079" y="5184"/>
+                  <a:pt x="8079" y="5184"/>
+                </a:cubicBezTo>
+                <a:cubicBezTo>
+                  <a:pt x="7915" y="4968"/>
+                  <a:pt x="7915" y="4968"/>
+                  <a:pt x="7915" y="4968"/>
+                </a:cubicBezTo>
+                <a:cubicBezTo>
+                  <a:pt x="7750" y="4968"/>
+                  <a:pt x="7750" y="4968"/>
+                  <a:pt x="7750" y="4968"/>
+                </a:cubicBezTo>
+                <a:cubicBezTo>
+                  <a:pt x="4947" y="7992"/>
+                  <a:pt x="4947" y="7992"/>
+                  <a:pt x="4947" y="7992"/>
+                </a:cubicBezTo>
+                <a:cubicBezTo>
+                  <a:pt x="4947" y="8208"/>
+                  <a:pt x="5111" y="8208"/>
+                  <a:pt x="5111" y="8424"/>
+                </a:cubicBezTo>
+                <a:close/>
+                <a:moveTo>
+                  <a:pt x="11212" y="14688"/>
+                </a:moveTo>
+                <a:cubicBezTo>
+                  <a:pt x="11212" y="16632"/>
+                  <a:pt x="11212" y="16632"/>
+                  <a:pt x="11212" y="16632"/>
+                </a:cubicBezTo>
+                <a:cubicBezTo>
+                  <a:pt x="11212" y="16848"/>
+                  <a:pt x="11377" y="17064"/>
+                  <a:pt x="11707" y="17064"/>
+                </a:cubicBezTo>
+                <a:cubicBezTo>
+                  <a:pt x="11872" y="17064"/>
+                  <a:pt x="12037" y="16848"/>
+                  <a:pt x="12037" y="16632"/>
+                </a:cubicBezTo>
+                <a:cubicBezTo>
+                  <a:pt x="12037" y="14688"/>
+                  <a:pt x="12037" y="14688"/>
+                  <a:pt x="12037" y="14688"/>
+                </a:cubicBezTo>
+                <a:cubicBezTo>
+                  <a:pt x="12037" y="14256"/>
+                  <a:pt x="11872" y="14040"/>
+                  <a:pt x="11707" y="14040"/>
+                </a:cubicBezTo>
+                <a:cubicBezTo>
+                  <a:pt x="11377" y="14040"/>
+                  <a:pt x="11212" y="14256"/>
+                  <a:pt x="11212" y="14688"/>
+                </a:cubicBezTo>
+                <a:close/>
+                <a:moveTo>
+                  <a:pt x="10058" y="11664"/>
+                </a:moveTo>
+                <a:cubicBezTo>
+                  <a:pt x="9728" y="11664"/>
+                  <a:pt x="9563" y="11880"/>
+                  <a:pt x="9563" y="12312"/>
+                </a:cubicBezTo>
+                <a:cubicBezTo>
+                  <a:pt x="9563" y="16632"/>
+                  <a:pt x="9563" y="16632"/>
+                  <a:pt x="9563" y="16632"/>
+                </a:cubicBezTo>
+                <a:cubicBezTo>
+                  <a:pt x="9563" y="16848"/>
+                  <a:pt x="9728" y="17064"/>
+                  <a:pt x="10058" y="17064"/>
+                </a:cubicBezTo>
+                <a:cubicBezTo>
+                  <a:pt x="10223" y="17064"/>
+                  <a:pt x="10388" y="16848"/>
+                  <a:pt x="10388" y="16632"/>
+                </a:cubicBezTo>
+                <a:cubicBezTo>
+                  <a:pt x="10388" y="12312"/>
+                  <a:pt x="10388" y="12312"/>
+                  <a:pt x="10388" y="12312"/>
+                </a:cubicBezTo>
+                <a:cubicBezTo>
+                  <a:pt x="10388" y="11880"/>
+                  <a:pt x="10223" y="11664"/>
+                  <a:pt x="10058" y="11664"/>
+                </a:cubicBezTo>
+                <a:close/>
+                <a:moveTo>
+                  <a:pt x="7915" y="14688"/>
+                </a:moveTo>
+                <a:cubicBezTo>
+                  <a:pt x="7915" y="16632"/>
+                  <a:pt x="7915" y="16632"/>
+                  <a:pt x="7915" y="16632"/>
+                </a:cubicBezTo>
+                <a:cubicBezTo>
+                  <a:pt x="7915" y="16848"/>
+                  <a:pt x="8079" y="17064"/>
+                  <a:pt x="8409" y="17064"/>
+                </a:cubicBezTo>
+                <a:cubicBezTo>
+                  <a:pt x="8574" y="17064"/>
+                  <a:pt x="8739" y="16848"/>
+                  <a:pt x="8739" y="16632"/>
+                </a:cubicBezTo>
+                <a:cubicBezTo>
+                  <a:pt x="8739" y="14688"/>
+                  <a:pt x="8739" y="14688"/>
+                  <a:pt x="8739" y="14688"/>
+                </a:cubicBezTo>
+                <a:cubicBezTo>
+                  <a:pt x="8739" y="14256"/>
+                  <a:pt x="8574" y="14040"/>
+                  <a:pt x="8409" y="14040"/>
+                </a:cubicBezTo>
+                <a:cubicBezTo>
+                  <a:pt x="8079" y="14040"/>
+                  <a:pt x="7915" y="14256"/>
+                  <a:pt x="7915" y="14688"/>
+                </a:cubicBezTo>
+                <a:close/>
+                <a:moveTo>
+                  <a:pt x="6266" y="12312"/>
+                </a:moveTo>
+                <a:cubicBezTo>
+                  <a:pt x="6266" y="16632"/>
+                  <a:pt x="6266" y="16632"/>
+                  <a:pt x="6266" y="16632"/>
+                </a:cubicBezTo>
+                <a:cubicBezTo>
+                  <a:pt x="6266" y="16848"/>
+                  <a:pt x="6431" y="17064"/>
+                  <a:pt x="6760" y="17064"/>
+                </a:cubicBezTo>
+                <a:cubicBezTo>
+                  <a:pt x="6925" y="17064"/>
+                  <a:pt x="7090" y="16848"/>
+                  <a:pt x="7090" y="16632"/>
+                </a:cubicBezTo>
+                <a:cubicBezTo>
+                  <a:pt x="7090" y="12312"/>
+                  <a:pt x="7090" y="12312"/>
+                  <a:pt x="7090" y="12312"/>
+                </a:cubicBezTo>
+                <a:cubicBezTo>
+                  <a:pt x="7090" y="11880"/>
+                  <a:pt x="6925" y="11664"/>
+                  <a:pt x="6760" y="11664"/>
+                </a:cubicBezTo>
+                <a:cubicBezTo>
+                  <a:pt x="6431" y="11664"/>
+                  <a:pt x="6266" y="11880"/>
+                  <a:pt x="6266" y="12312"/>
+                </a:cubicBezTo>
+                <a:close/>
+                <a:moveTo>
+                  <a:pt x="4947" y="10152"/>
+                </a:moveTo>
+                <a:cubicBezTo>
+                  <a:pt x="4947" y="10152"/>
+                  <a:pt x="4947" y="10368"/>
+                  <a:pt x="4782" y="10368"/>
+                </a:cubicBezTo>
+                <a:cubicBezTo>
+                  <a:pt x="4782" y="10368"/>
+                  <a:pt x="4617" y="10584"/>
+                  <a:pt x="4617" y="10800"/>
+                </a:cubicBezTo>
+                <a:cubicBezTo>
+                  <a:pt x="4617" y="16632"/>
+                  <a:pt x="4617" y="16632"/>
+                  <a:pt x="4617" y="16632"/>
+                </a:cubicBezTo>
+                <a:cubicBezTo>
+                  <a:pt x="4617" y="16848"/>
+                  <a:pt x="4782" y="17064"/>
+                  <a:pt x="5111" y="17064"/>
+                </a:cubicBezTo>
+                <a:cubicBezTo>
+                  <a:pt x="5276" y="17064"/>
+                  <a:pt x="5606" y="16848"/>
+                  <a:pt x="5606" y="16632"/>
+                </a:cubicBezTo>
+                <a:cubicBezTo>
+                  <a:pt x="5606" y="10800"/>
+                  <a:pt x="5606" y="10800"/>
+                  <a:pt x="5606" y="10800"/>
+                </a:cubicBezTo>
+                <a:cubicBezTo>
+                  <a:pt x="5606" y="10584"/>
+                  <a:pt x="5276" y="10152"/>
+                  <a:pt x="5111" y="10152"/>
+                </a:cubicBezTo>
+                <a:cubicBezTo>
+                  <a:pt x="5111" y="10152"/>
+                  <a:pt x="4947" y="10152"/>
+                  <a:pt x="4947" y="10152"/>
+                </a:cubicBezTo>
+                <a:close/>
+                <a:moveTo>
+                  <a:pt x="17148" y="13176"/>
+                </a:moveTo>
+                <a:cubicBezTo>
+                  <a:pt x="15169" y="13176"/>
+                  <a:pt x="15169" y="13176"/>
+                  <a:pt x="15169" y="13176"/>
+                </a:cubicBezTo>
+                <a:cubicBezTo>
+                  <a:pt x="15005" y="13176"/>
+                  <a:pt x="14840" y="13392"/>
+                  <a:pt x="14840" y="13608"/>
+                </a:cubicBezTo>
+                <a:cubicBezTo>
+                  <a:pt x="14840" y="14040"/>
+                  <a:pt x="15005" y="14256"/>
+                  <a:pt x="15169" y="14256"/>
+                </a:cubicBezTo>
+                <a:cubicBezTo>
+                  <a:pt x="17148" y="14256"/>
+                  <a:pt x="17148" y="14256"/>
+                  <a:pt x="17148" y="14256"/>
+                </a:cubicBezTo>
+                <a:cubicBezTo>
+                  <a:pt x="17478" y="14256"/>
+                  <a:pt x="17643" y="14040"/>
+                  <a:pt x="17643" y="13608"/>
+                </a:cubicBezTo>
+                <a:cubicBezTo>
+                  <a:pt x="17643" y="13392"/>
+                  <a:pt x="17478" y="13176"/>
+                  <a:pt x="17148" y="13176"/>
+                </a:cubicBezTo>
+                <a:close/>
+                <a:moveTo>
+                  <a:pt x="17148" y="15552"/>
+                </a:moveTo>
+                <a:cubicBezTo>
+                  <a:pt x="15169" y="15552"/>
+                  <a:pt x="15169" y="15552"/>
+                  <a:pt x="15169" y="15552"/>
+                </a:cubicBezTo>
+                <a:cubicBezTo>
+                  <a:pt x="15005" y="15552"/>
+                  <a:pt x="14840" y="15768"/>
+                  <a:pt x="14840" y="16200"/>
+                </a:cubicBezTo>
+                <a:cubicBezTo>
+                  <a:pt x="14840" y="16416"/>
+                  <a:pt x="15005" y="16848"/>
+                  <a:pt x="15169" y="16848"/>
+                </a:cubicBezTo>
+                <a:cubicBezTo>
+                  <a:pt x="17148" y="16848"/>
+                  <a:pt x="17148" y="16848"/>
+                  <a:pt x="17148" y="16848"/>
+                </a:cubicBezTo>
+                <a:cubicBezTo>
+                  <a:pt x="17478" y="16848"/>
+                  <a:pt x="17643" y="16416"/>
+                  <a:pt x="17643" y="16200"/>
+                </a:cubicBezTo>
+                <a:cubicBezTo>
+                  <a:pt x="17643" y="15768"/>
+                  <a:pt x="17478" y="15552"/>
+                  <a:pt x="17148" y="15552"/>
+                </a:cubicBezTo>
+                <a:close/>
+              </a:path>
+            </a:pathLst>
+          </a:custGeom>
+          <a:solidFill>
+            <a:srgbClr val="404040"/>
+          </a:solidFill>
+          <a:ln w="12700">
+            <a:miter lim="400000"/>
+          </a:ln>
+        </p:spPr>
+        <p:txBody>
+          <a:bodyPr lIns="121919" tIns="121919" rIns="121919" bIns="121919"/>
+          <a:lstStyle/>
+          <a:p>
+            <a:endParaRPr/>
+          </a:p>
+        </p:txBody>
+      </p:sp>
+      <p:sp>
+        <p:nvSpPr>
+          <p:cNvPr id="4" name="Rectangle 33">
+            <a:extLst>
+              <a:ext uri="{FF2B5EF4-FFF2-40B4-BE49-F238E27FC236}">
+                <a16:creationId xmlns:a16="http://schemas.microsoft.com/office/drawing/2014/main" id="{40C08CA7-8525-32DA-B7FF-92DFF6D5D331}"/>
+              </a:ext>
+            </a:extLst>
+          </p:cNvPr>
+          <p:cNvSpPr txBox="1"/>
+          <p:nvPr/>
+        </p:nvSpPr>
+        <p:spPr>
+          <a:xfrm>
+            <a:off x="13798788" y="5372100"/>
+            <a:ext cx="3422412" cy="369332"/>
+          </a:xfrm>
+          <a:prstGeom prst="rect">
+            <a:avLst/>
+          </a:prstGeom>
+          <a:ln w="12700">
+            <a:miter lim="400000"/>
+          </a:ln>
+          <a:extLst>
+            <a:ext uri="{C572A759-6A51-4108-AA02-DFA0A04FC94B}">
+              <ma14:wrappingTextBoxFlag xmlns="" xmlns:m="http://schemas.openxmlformats.org/officeDocument/2006/math" xmlns:a14="http://schemas.microsoft.com/office/drawing/2010/main" xmlns:ma14="http://schemas.microsoft.com/office/mac/drawingml/2011/main" val="1"/>
+            </a:ext>
+          </a:extLst>
+        </p:spPr>
+        <p:txBody>
+          <a:bodyPr wrap="none" lIns="0" tIns="0" rIns="0" bIns="0">
+            <a:spAutoFit/>
+          </a:bodyPr>
+          <a:lstStyle>
+            <a:lvl1pPr>
+              <a:defRPr sz="3400">
+                <a:solidFill>
+                  <a:srgbClr val="FFFFFF"/>
+                </a:solidFill>
+                <a:latin typeface="Montserrat Bold"/>
+                <a:ea typeface="Montserrat Bold"/>
+                <a:cs typeface="Montserrat Bold"/>
+                <a:sym typeface="Montserrat Bold"/>
+              </a:defRPr>
+            </a:lvl1pPr>
+          </a:lstStyle>
+          <a:p>
+            <a:r>
+              <a:rPr lang="en-US" sz="2400" dirty="0"/>
+              <a:t>MODEL EVALUATION</a:t>
+            </a:r>
+            <a:endParaRPr sz="2400" dirty="0"/>
+          </a:p>
+        </p:txBody>
+      </p:sp>
+      <p:sp>
+        <p:nvSpPr>
+          <p:cNvPr id="5" name="Rectangle 33">
+            <a:extLst>
+              <a:ext uri="{FF2B5EF4-FFF2-40B4-BE49-F238E27FC236}">
+                <a16:creationId xmlns:a16="http://schemas.microsoft.com/office/drawing/2014/main" id="{2AA0B4B4-E5A0-19F8-345E-9185C88FC30B}"/>
+              </a:ext>
+            </a:extLst>
+          </p:cNvPr>
+          <p:cNvSpPr txBox="1"/>
+          <p:nvPr/>
+        </p:nvSpPr>
+        <p:spPr>
+          <a:xfrm>
+            <a:off x="10037150" y="5384461"/>
+            <a:ext cx="2609689" cy="369332"/>
+          </a:xfrm>
+          <a:prstGeom prst="rect">
+            <a:avLst/>
+          </a:prstGeom>
+          <a:ln w="12700">
+            <a:miter lim="400000"/>
+          </a:ln>
+          <a:extLst>
+            <a:ext uri="{C572A759-6A51-4108-AA02-DFA0A04FC94B}">
+              <ma14:wrappingTextBoxFlag xmlns="" xmlns:m="http://schemas.openxmlformats.org/officeDocument/2006/math" xmlns:a14="http://schemas.microsoft.com/office/drawing/2010/main" xmlns:ma14="http://schemas.microsoft.com/office/mac/drawingml/2011/main" val="1"/>
+            </a:ext>
+          </a:extLst>
+        </p:spPr>
+        <p:txBody>
+          <a:bodyPr wrap="none" lIns="0" tIns="0" rIns="0" bIns="0">
+            <a:spAutoFit/>
+          </a:bodyPr>
+          <a:lstStyle>
+            <a:lvl1pPr>
+              <a:defRPr sz="3400">
+                <a:solidFill>
+                  <a:srgbClr val="FFFFFF"/>
+                </a:solidFill>
+                <a:latin typeface="Montserrat Bold"/>
+                <a:ea typeface="Montserrat Bold"/>
+                <a:cs typeface="Montserrat Bold"/>
+                <a:sym typeface="Montserrat Bold"/>
+              </a:defRPr>
+            </a:lvl1pPr>
+          </a:lstStyle>
+          <a:p>
+            <a:r>
+              <a:rPr lang="en-US" sz="2400" dirty="0"/>
+              <a:t>DATA ANALYSIS</a:t>
+            </a:r>
+            <a:endParaRPr sz="2400" dirty="0"/>
+          </a:p>
+        </p:txBody>
+      </p:sp>
+      <p:pic>
+        <p:nvPicPr>
+          <p:cNvPr id="25" name="Picture 24" descr="A blue and black logo&#10;&#10;Description automatically generated">
+            <a:extLst>
+              <a:ext uri="{FF2B5EF4-FFF2-40B4-BE49-F238E27FC236}">
+                <a16:creationId xmlns:a16="http://schemas.microsoft.com/office/drawing/2014/main" id="{7D5496C6-6552-E96D-83E6-C686EE880E85}"/>
+              </a:ext>
+            </a:extLst>
+          </p:cNvPr>
+          <p:cNvPicPr>
+            <a:picLocks noChangeAspect="1"/>
+          </p:cNvPicPr>
+          <p:nvPr/>
+        </p:nvPicPr>
+        <p:blipFill>
+          <a:blip r:embed="rId5" cstate="print">
+            <a:extLst>
+              <a:ext uri="{BEBA8EAE-BF5A-486C-A8C5-ECC9F3942E4B}">
+                <a14:imgProps xmlns:a14="http://schemas.microsoft.com/office/drawing/2010/main">
+                  <a14:imgLayer r:embed="rId6">
+                    <a14:imgEffect>
+                      <a14:colorTemperature colorTemp="4700"/>
+                    </a14:imgEffect>
+                    <a14:imgEffect>
+                      <a14:saturation sat="64000"/>
+                    </a14:imgEffect>
+                  </a14:imgLayer>
+                </a14:imgProps>
+              </a:ext>
+              <a:ext uri="{28A0092B-C50C-407E-A947-70E740481C1C}">
+                <a14:useLocalDpi xmlns:a14="http://schemas.microsoft.com/office/drawing/2010/main" val="0"/>
+              </a:ext>
+            </a:extLst>
+          </a:blip>
+          <a:stretch>
+            <a:fillRect/>
+          </a:stretch>
+        </p:blipFill>
+        <p:spPr>
+          <a:xfrm>
+            <a:off x="17373600" y="9246781"/>
+            <a:ext cx="762000" cy="925919"/>
+          </a:xfrm>
+          <a:prstGeom prst="rect">
+            <a:avLst/>
+          </a:prstGeom>
+        </p:spPr>
+      </p:pic>
+    </p:spTree>
+    <p:extLst>
+      <p:ext uri="{BB962C8B-B14F-4D97-AF65-F5344CB8AC3E}">
+        <p14:creationId xmlns:p14="http://schemas.microsoft.com/office/powerpoint/2010/main" val="2955760931"/>
+      </p:ext>
+    </p:extLst>
+  </p:cSld>
+  <p:clrMapOvr>
+    <a:masterClrMapping/>
+  </p:clrMapOvr>
+</p:sld>
+</file>
+
+<file path=ppt/slides/slide17.xml><?xml version="1.0" encoding="utf-8"?>
+<p:sld xmlns:a="http://schemas.openxmlformats.org/drawingml/2006/main" xmlns:r="http://schemas.openxmlformats.org/officeDocument/2006/relationships" xmlns:p="http://schemas.openxmlformats.org/presentationml/2006/main">
+  <p:cSld>
+    <p:spTree>
+      <p:nvGrpSpPr>
+        <p:cNvPr id="1" name=""/>
+        <p:cNvGrpSpPr/>
+        <p:nvPr/>
+      </p:nvGrpSpPr>
+      <p:grpSpPr>
+        <a:xfrm>
+          <a:off x="0" y="0"/>
+          <a:ext cx="0" cy="0"/>
+          <a:chOff x="0" y="0"/>
+          <a:chExt cx="0" cy="0"/>
+        </a:xfrm>
+      </p:grpSpPr>
+      <p:sp>
+        <p:nvSpPr>
+          <p:cNvPr id="2" name="TextBox 1">
+            <a:extLst>
+              <a:ext uri="{FF2B5EF4-FFF2-40B4-BE49-F238E27FC236}">
+                <a16:creationId xmlns:a16="http://schemas.microsoft.com/office/drawing/2014/main" id="{F5FC4DD1-F21C-4C38-9C4F-5F86D04CF90F}"/>
+              </a:ext>
+            </a:extLst>
+          </p:cNvPr>
+          <p:cNvSpPr txBox="1"/>
+          <p:nvPr/>
+        </p:nvSpPr>
+        <p:spPr>
+          <a:xfrm>
+            <a:off x="2296886" y="3453002"/>
+            <a:ext cx="14782800" cy="2604752"/>
+          </a:xfrm>
+          <a:prstGeom prst="rect">
+            <a:avLst/>
+          </a:prstGeom>
+          <a:noFill/>
+        </p:spPr>
+        <p:txBody>
+          <a:bodyPr wrap="square" lIns="91440" tIns="45720" rIns="91440" bIns="45720" rtlCol="0" anchor="t">
+            <a:spAutoFit/>
+          </a:bodyPr>
+          <a:lstStyle/>
+          <a:p>
+            <a:pPr marL="457200" indent="-457200">
+              <a:lnSpc>
+                <a:spcPct val="150000"/>
+              </a:lnSpc>
+              <a:buFont typeface="Arial" panose="020B0604020202020204" pitchFamily="34" charset="0"/>
+              <a:buChar char="•"/>
+            </a:pPr>
             <a:r>
               <a:rPr lang="en-US" sz="2800" dirty="0">
                 <a:latin typeface="Montserrat" panose="00000500000000000000" pitchFamily="2" charset="0"/>
               </a:rPr>
-              <a:t>Example of posited causation. Does it make sense? </a:t>
+              <a:t>What is your main take away from today? </a:t>
             </a:r>
           </a:p>
           <a:p>
-            <a:endParaRPr lang="en-US" sz="2800" dirty="0">
-              <a:latin typeface="Montserrat" panose="00000500000000000000" pitchFamily="2" charset="0"/>
-            </a:endParaRPr>
-          </a:p>
-          <a:p>
+            <a:pPr marL="457200" indent="-457200">
+              <a:lnSpc>
+                <a:spcPct val="150000"/>
+              </a:lnSpc>
+              <a:buFont typeface="Arial" panose="020B0604020202020204" pitchFamily="34" charset="0"/>
+              <a:buChar char="•"/>
+            </a:pPr>
             <a:r>
               <a:rPr lang="en-US" sz="2800" dirty="0">
                 <a:latin typeface="Montserrat" panose="00000500000000000000" pitchFamily="2" charset="0"/>
               </a:rPr>
-              <a:t>Why does A correlate with B even though we know A doesn’t cause B? (underlying cause C)</a:t>
+              <a:t>How does it change your perspective on Data Science? </a:t>
+            </a:r>
+          </a:p>
+          <a:p>
+            <a:pPr marL="457200" indent="-457200">
+              <a:lnSpc>
+                <a:spcPct val="150000"/>
+              </a:lnSpc>
+              <a:buFont typeface="Arial" panose="020B0604020202020204" pitchFamily="34" charset="0"/>
+              <a:buChar char="•"/>
+            </a:pPr>
+            <a:r>
+              <a:rPr lang="en-US" sz="2800" dirty="0">
+                <a:latin typeface="Montserrat"/>
+              </a:rPr>
+              <a:t>How do you think your future relationship to Data Science will be?</a:t>
+            </a:r>
+          </a:p>
+          <a:p>
+            <a:pPr marL="457200" indent="-457200">
+              <a:lnSpc>
+                <a:spcPct val="150000"/>
+              </a:lnSpc>
+              <a:buFont typeface="Arial" panose="020B0604020202020204" pitchFamily="34" charset="0"/>
+              <a:buChar char="•"/>
+            </a:pPr>
+            <a:r>
+              <a:rPr lang="en-US" sz="2800" dirty="0">
+                <a:latin typeface="Montserrat"/>
+              </a:rPr>
+              <a:t>In what ways can you incorporate Data Science thinking into your teaching?</a:t>
             </a:r>
           </a:p>
         </p:txBody>
@@ -16565,7 +20789,7 @@
         </p:nvSpPr>
         <p:spPr>
           <a:xfrm>
-            <a:off x="3851934" y="1028700"/>
+            <a:off x="3850105" y="1104900"/>
             <a:ext cx="10203131" cy="940322"/>
           </a:xfrm>
           <a:prstGeom prst="rect">
@@ -16603,4180 +20827,6 @@
           <p:cNvPr id="3" name="Picture 2" descr="A blue and black logo&#10;&#10;Description automatically generated">
             <a:extLst>
               <a:ext uri="{FF2B5EF4-FFF2-40B4-BE49-F238E27FC236}">
-                <a16:creationId xmlns:a16="http://schemas.microsoft.com/office/drawing/2014/main" id="{17B825D1-68E2-3D9B-7A29-E3A13B3FC15C}"/>
-              </a:ext>
-            </a:extLst>
-          </p:cNvPr>
-          <p:cNvPicPr>
-            <a:picLocks noChangeAspect="1"/>
-          </p:cNvPicPr>
-          <p:nvPr/>
-        </p:nvPicPr>
-        <p:blipFill>
-          <a:blip r:embed="rId9">
-            <a:extLst>
-              <a:ext uri="{BEBA8EAE-BF5A-486C-A8C5-ECC9F3942E4B}">
-                <a14:imgProps xmlns:a14="http://schemas.microsoft.com/office/drawing/2010/main">
-                  <a14:imgLayer r:embed="rId10">
-                    <a14:imgEffect>
-                      <a14:colorTemperature colorTemp="4700"/>
-                    </a14:imgEffect>
-                    <a14:imgEffect>
-                      <a14:saturation sat="64000"/>
-                    </a14:imgEffect>
-                  </a14:imgLayer>
-                </a14:imgProps>
-              </a:ext>
-              <a:ext uri="{28A0092B-C50C-407E-A947-70E740481C1C}">
-                <a14:useLocalDpi xmlns:a14="http://schemas.microsoft.com/office/drawing/2010/main" val="0"/>
-              </a:ext>
-            </a:extLst>
-          </a:blip>
-          <a:stretch>
-            <a:fillRect/>
-          </a:stretch>
-        </p:blipFill>
-        <p:spPr>
-          <a:xfrm>
-            <a:off x="17373600" y="9246781"/>
-            <a:ext cx="762000" cy="925919"/>
-          </a:xfrm>
-          <a:prstGeom prst="rect">
-            <a:avLst/>
-          </a:prstGeom>
-        </p:spPr>
-      </p:pic>
-    </p:spTree>
-    <p:extLst>
-      <p:ext uri="{BB962C8B-B14F-4D97-AF65-F5344CB8AC3E}">
-        <p14:creationId xmlns:p14="http://schemas.microsoft.com/office/powerpoint/2010/main" val="2800929687"/>
-      </p:ext>
-    </p:extLst>
-  </p:cSld>
-  <p:clrMapOvr>
-    <a:masterClrMapping/>
-  </p:clrMapOvr>
-</p:sld>
-</file>
-
-<file path=ppt/slides/slide16.xml><?xml version="1.0" encoding="utf-8"?>
-<p:sld xmlns:a="http://schemas.openxmlformats.org/drawingml/2006/main" xmlns:r="http://schemas.openxmlformats.org/officeDocument/2006/relationships" xmlns:p="http://schemas.openxmlformats.org/presentationml/2006/main">
-  <p:cSld>
-    <p:spTree>
-      <p:nvGrpSpPr>
-        <p:cNvPr id="1" name=""/>
-        <p:cNvGrpSpPr/>
-        <p:nvPr/>
-      </p:nvGrpSpPr>
-      <p:grpSpPr>
-        <a:xfrm>
-          <a:off x="0" y="0"/>
-          <a:ext cx="0" cy="0"/>
-          <a:chOff x="0" y="0"/>
-          <a:chExt cx="0" cy="0"/>
-        </a:xfrm>
-      </p:grpSpPr>
-      <p:sp>
-        <p:nvSpPr>
-          <p:cNvPr id="3" name="Freeform 8">
-            <a:extLst>
-              <a:ext uri="{FF2B5EF4-FFF2-40B4-BE49-F238E27FC236}">
-                <a16:creationId xmlns:a16="http://schemas.microsoft.com/office/drawing/2014/main" id="{37FC3143-A41C-2B53-B168-08654FCA17AC}"/>
-              </a:ext>
-            </a:extLst>
-          </p:cNvPr>
-          <p:cNvSpPr/>
-          <p:nvPr/>
-        </p:nvSpPr>
-        <p:spPr>
-          <a:xfrm>
-            <a:off x="13656427" y="4451294"/>
-            <a:ext cx="4041023" cy="1642761"/>
-          </a:xfrm>
-          <a:custGeom>
-            <a:avLst/>
-            <a:gdLst/>
-            <a:ahLst/>
-            <a:cxnLst>
-              <a:cxn ang="0">
-                <a:pos x="wd2" y="hd2"/>
-              </a:cxn>
-              <a:cxn ang="5400000">
-                <a:pos x="wd2" y="hd2"/>
-              </a:cxn>
-              <a:cxn ang="10800000">
-                <a:pos x="wd2" y="hd2"/>
-              </a:cxn>
-              <a:cxn ang="16200000">
-                <a:pos x="wd2" y="hd2"/>
-              </a:cxn>
-            </a:cxnLst>
-            <a:rect l="0" t="0" r="r" b="b"/>
-            <a:pathLst>
-              <a:path w="21600" h="21600" extrusionOk="0">
-                <a:moveTo>
-                  <a:pt x="19603" y="21600"/>
-                </a:moveTo>
-                <a:cubicBezTo>
-                  <a:pt x="345" y="21600"/>
-                  <a:pt x="345" y="21600"/>
-                  <a:pt x="345" y="21600"/>
-                </a:cubicBezTo>
-                <a:cubicBezTo>
-                  <a:pt x="148" y="21600"/>
-                  <a:pt x="0" y="20975"/>
-                  <a:pt x="0" y="20261"/>
-                </a:cubicBezTo>
-                <a:cubicBezTo>
-                  <a:pt x="0" y="8301"/>
-                  <a:pt x="0" y="8301"/>
-                  <a:pt x="0" y="8301"/>
-                </a:cubicBezTo>
-                <a:cubicBezTo>
-                  <a:pt x="0" y="7587"/>
-                  <a:pt x="148" y="7051"/>
-                  <a:pt x="345" y="7051"/>
-                </a:cubicBezTo>
-                <a:cubicBezTo>
-                  <a:pt x="9074" y="7051"/>
-                  <a:pt x="9074" y="7051"/>
-                  <a:pt x="9074" y="7051"/>
-                </a:cubicBezTo>
-                <a:cubicBezTo>
-                  <a:pt x="9937" y="3570"/>
-                  <a:pt x="9937" y="3570"/>
-                  <a:pt x="9937" y="3570"/>
-                </a:cubicBezTo>
-                <a:cubicBezTo>
-                  <a:pt x="10800" y="0"/>
-                  <a:pt x="10800" y="0"/>
-                  <a:pt x="10800" y="0"/>
-                </a:cubicBezTo>
-                <a:cubicBezTo>
-                  <a:pt x="11663" y="3570"/>
-                  <a:pt x="11663" y="3570"/>
-                  <a:pt x="11663" y="3570"/>
-                </a:cubicBezTo>
-                <a:cubicBezTo>
-                  <a:pt x="12526" y="7051"/>
-                  <a:pt x="12526" y="7051"/>
-                  <a:pt x="12526" y="7051"/>
-                </a:cubicBezTo>
-                <a:cubicBezTo>
-                  <a:pt x="19603" y="7051"/>
-                  <a:pt x="19603" y="7051"/>
-                  <a:pt x="19603" y="7051"/>
-                </a:cubicBezTo>
-                <a:cubicBezTo>
-                  <a:pt x="20712" y="7051"/>
-                  <a:pt x="21600" y="10264"/>
-                  <a:pt x="21600" y="14281"/>
-                </a:cubicBezTo>
-                <a:cubicBezTo>
-                  <a:pt x="21600" y="18298"/>
-                  <a:pt x="20712" y="21600"/>
-                  <a:pt x="19603" y="21600"/>
-                </a:cubicBezTo>
-                <a:close/>
-              </a:path>
-            </a:pathLst>
-          </a:custGeom>
-          <a:solidFill>
-            <a:srgbClr val="065280"/>
-          </a:solidFill>
-          <a:ln w="12700">
-            <a:miter lim="400000"/>
-          </a:ln>
-        </p:spPr>
-        <p:txBody>
-          <a:bodyPr lIns="45719" rIns="45719"/>
-          <a:lstStyle/>
-          <a:p>
-            <a:endParaRPr/>
-          </a:p>
-        </p:txBody>
-      </p:sp>
-      <p:grpSp>
-        <p:nvGrpSpPr>
-          <p:cNvPr id="26" name="Group 25">
-            <a:extLst>
-              <a:ext uri="{FF2B5EF4-FFF2-40B4-BE49-F238E27FC236}">
-                <a16:creationId xmlns:a16="http://schemas.microsoft.com/office/drawing/2014/main" id="{FCDB0310-9D80-D00C-C5D2-73034C3610EE}"/>
-              </a:ext>
-            </a:extLst>
-          </p:cNvPr>
-          <p:cNvGrpSpPr/>
-          <p:nvPr/>
-        </p:nvGrpSpPr>
-        <p:grpSpPr>
-          <a:xfrm>
-            <a:off x="-152400" y="8953500"/>
-            <a:ext cx="17373600" cy="1524000"/>
-            <a:chOff x="-152400" y="8953500"/>
-            <a:chExt cx="17373600" cy="1524000"/>
-          </a:xfrm>
-        </p:grpSpPr>
-        <p:grpSp>
-          <p:nvGrpSpPr>
-            <p:cNvPr id="9" name="Group 8">
-              <a:extLst>
-                <a:ext uri="{FF2B5EF4-FFF2-40B4-BE49-F238E27FC236}">
-                  <a16:creationId xmlns:a16="http://schemas.microsoft.com/office/drawing/2014/main" id="{BE22662B-341E-BC66-3C51-49A0A55F9A2F}"/>
-                </a:ext>
-              </a:extLst>
-            </p:cNvPr>
-            <p:cNvGrpSpPr/>
-            <p:nvPr/>
-          </p:nvGrpSpPr>
-          <p:grpSpPr>
-            <a:xfrm>
-              <a:off x="-152400" y="8953500"/>
-              <a:ext cx="3962400" cy="1524000"/>
-              <a:chOff x="-152400" y="8953500"/>
-              <a:chExt cx="3962400" cy="1524000"/>
-            </a:xfrm>
-          </p:grpSpPr>
-          <p:pic>
-            <p:nvPicPr>
-              <p:cNvPr id="6" name="Graphic 5" descr="Wave with solid fill">
-                <a:extLst>
-                  <a:ext uri="{FF2B5EF4-FFF2-40B4-BE49-F238E27FC236}">
-                    <a16:creationId xmlns:a16="http://schemas.microsoft.com/office/drawing/2014/main" id="{A0693183-F2DC-92C8-D028-32D5EB2300DA}"/>
-                  </a:ext>
-                </a:extLst>
-              </p:cNvPr>
-              <p:cNvPicPr>
-                <a:picLocks noChangeAspect="1"/>
-              </p:cNvPicPr>
-              <p:nvPr/>
-            </p:nvPicPr>
-            <p:blipFill>
-              <a:blip r:embed="rId3">
-                <a:extLst>
-                  <a:ext uri="{28A0092B-C50C-407E-A947-70E740481C1C}">
-                    <a14:useLocalDpi xmlns:a14="http://schemas.microsoft.com/office/drawing/2010/main" val="0"/>
-                  </a:ext>
-                  <a:ext uri="{96DAC541-7B7A-43D3-8B79-37D633B846F1}">
-                    <asvg:svgBlip xmlns:asvg="http://schemas.microsoft.com/office/drawing/2016/SVG/main" r:embed="rId4"/>
-                  </a:ext>
-                </a:extLst>
-              </a:blip>
-              <a:stretch>
-                <a:fillRect/>
-              </a:stretch>
-            </p:blipFill>
-            <p:spPr>
-              <a:xfrm>
-                <a:off x="-152400" y="8953500"/>
-                <a:ext cx="1524000" cy="1524000"/>
-              </a:xfrm>
-              <a:prstGeom prst="rect">
-                <a:avLst/>
-              </a:prstGeom>
-            </p:spPr>
-          </p:pic>
-          <p:pic>
-            <p:nvPicPr>
-              <p:cNvPr id="7" name="Graphic 6" descr="Wave with solid fill">
-                <a:extLst>
-                  <a:ext uri="{FF2B5EF4-FFF2-40B4-BE49-F238E27FC236}">
-                    <a16:creationId xmlns:a16="http://schemas.microsoft.com/office/drawing/2014/main" id="{9CB31B6E-8E3B-FC80-9FA8-5669D0FE7410}"/>
-                  </a:ext>
-                </a:extLst>
-              </p:cNvPr>
-              <p:cNvPicPr>
-                <a:picLocks noChangeAspect="1"/>
-              </p:cNvPicPr>
-              <p:nvPr/>
-            </p:nvPicPr>
-            <p:blipFill>
-              <a:blip r:embed="rId3">
-                <a:extLst>
-                  <a:ext uri="{28A0092B-C50C-407E-A947-70E740481C1C}">
-                    <a14:useLocalDpi xmlns:a14="http://schemas.microsoft.com/office/drawing/2010/main" val="0"/>
-                  </a:ext>
-                  <a:ext uri="{96DAC541-7B7A-43D3-8B79-37D633B846F1}">
-                    <asvg:svgBlip xmlns:asvg="http://schemas.microsoft.com/office/drawing/2016/SVG/main" r:embed="rId4"/>
-                  </a:ext>
-                </a:extLst>
-              </a:blip>
-              <a:stretch>
-                <a:fillRect/>
-              </a:stretch>
-            </p:blipFill>
-            <p:spPr>
-              <a:xfrm>
-                <a:off x="1066800" y="8953500"/>
-                <a:ext cx="1524000" cy="1524000"/>
-              </a:xfrm>
-              <a:prstGeom prst="rect">
-                <a:avLst/>
-              </a:prstGeom>
-            </p:spPr>
-          </p:pic>
-          <p:pic>
-            <p:nvPicPr>
-              <p:cNvPr id="8" name="Graphic 7" descr="Wave with solid fill">
-                <a:extLst>
-                  <a:ext uri="{FF2B5EF4-FFF2-40B4-BE49-F238E27FC236}">
-                    <a16:creationId xmlns:a16="http://schemas.microsoft.com/office/drawing/2014/main" id="{315C5B5A-8E1F-42B2-9C1B-4A4AE6A1E31F}"/>
-                  </a:ext>
-                </a:extLst>
-              </p:cNvPr>
-              <p:cNvPicPr>
-                <a:picLocks noChangeAspect="1"/>
-              </p:cNvPicPr>
-              <p:nvPr/>
-            </p:nvPicPr>
-            <p:blipFill>
-              <a:blip r:embed="rId3">
-                <a:extLst>
-                  <a:ext uri="{28A0092B-C50C-407E-A947-70E740481C1C}">
-                    <a14:useLocalDpi xmlns:a14="http://schemas.microsoft.com/office/drawing/2010/main" val="0"/>
-                  </a:ext>
-                  <a:ext uri="{96DAC541-7B7A-43D3-8B79-37D633B846F1}">
-                    <asvg:svgBlip xmlns:asvg="http://schemas.microsoft.com/office/drawing/2016/SVG/main" r:embed="rId4"/>
-                  </a:ext>
-                </a:extLst>
-              </a:blip>
-              <a:stretch>
-                <a:fillRect/>
-              </a:stretch>
-            </p:blipFill>
-            <p:spPr>
-              <a:xfrm>
-                <a:off x="2286000" y="8953500"/>
-                <a:ext cx="1524000" cy="1524000"/>
-              </a:xfrm>
-              <a:prstGeom prst="rect">
-                <a:avLst/>
-              </a:prstGeom>
-            </p:spPr>
-          </p:pic>
-        </p:grpSp>
-        <p:grpSp>
-          <p:nvGrpSpPr>
-            <p:cNvPr id="10" name="Group 9">
-              <a:extLst>
-                <a:ext uri="{FF2B5EF4-FFF2-40B4-BE49-F238E27FC236}">
-                  <a16:creationId xmlns:a16="http://schemas.microsoft.com/office/drawing/2014/main" id="{FD026AA4-CFFE-F6E6-D416-5DE7DF6AA93B}"/>
-                </a:ext>
-              </a:extLst>
-            </p:cNvPr>
-            <p:cNvGrpSpPr/>
-            <p:nvPr/>
-          </p:nvGrpSpPr>
-          <p:grpSpPr>
-            <a:xfrm>
-              <a:off x="3505200" y="8953500"/>
-              <a:ext cx="3962400" cy="1524000"/>
-              <a:chOff x="-152400" y="8953500"/>
-              <a:chExt cx="3962400" cy="1524000"/>
-            </a:xfrm>
-          </p:grpSpPr>
-          <p:pic>
-            <p:nvPicPr>
-              <p:cNvPr id="11" name="Graphic 10" descr="Wave with solid fill">
-                <a:extLst>
-                  <a:ext uri="{FF2B5EF4-FFF2-40B4-BE49-F238E27FC236}">
-                    <a16:creationId xmlns:a16="http://schemas.microsoft.com/office/drawing/2014/main" id="{45136616-B9C2-0A29-0865-4D9AB0DEAF4F}"/>
-                  </a:ext>
-                </a:extLst>
-              </p:cNvPr>
-              <p:cNvPicPr>
-                <a:picLocks noChangeAspect="1"/>
-              </p:cNvPicPr>
-              <p:nvPr/>
-            </p:nvPicPr>
-            <p:blipFill>
-              <a:blip r:embed="rId3">
-                <a:extLst>
-                  <a:ext uri="{28A0092B-C50C-407E-A947-70E740481C1C}">
-                    <a14:useLocalDpi xmlns:a14="http://schemas.microsoft.com/office/drawing/2010/main" val="0"/>
-                  </a:ext>
-                  <a:ext uri="{96DAC541-7B7A-43D3-8B79-37D633B846F1}">
-                    <asvg:svgBlip xmlns:asvg="http://schemas.microsoft.com/office/drawing/2016/SVG/main" r:embed="rId4"/>
-                  </a:ext>
-                </a:extLst>
-              </a:blip>
-              <a:stretch>
-                <a:fillRect/>
-              </a:stretch>
-            </p:blipFill>
-            <p:spPr>
-              <a:xfrm>
-                <a:off x="-152400" y="8953500"/>
-                <a:ext cx="1524000" cy="1524000"/>
-              </a:xfrm>
-              <a:prstGeom prst="rect">
-                <a:avLst/>
-              </a:prstGeom>
-            </p:spPr>
-          </p:pic>
-          <p:pic>
-            <p:nvPicPr>
-              <p:cNvPr id="12" name="Graphic 11" descr="Wave with solid fill">
-                <a:extLst>
-                  <a:ext uri="{FF2B5EF4-FFF2-40B4-BE49-F238E27FC236}">
-                    <a16:creationId xmlns:a16="http://schemas.microsoft.com/office/drawing/2014/main" id="{D266C862-4CBB-3B14-79E4-A6BD8C335C7A}"/>
-                  </a:ext>
-                </a:extLst>
-              </p:cNvPr>
-              <p:cNvPicPr>
-                <a:picLocks noChangeAspect="1"/>
-              </p:cNvPicPr>
-              <p:nvPr/>
-            </p:nvPicPr>
-            <p:blipFill>
-              <a:blip r:embed="rId3">
-                <a:extLst>
-                  <a:ext uri="{28A0092B-C50C-407E-A947-70E740481C1C}">
-                    <a14:useLocalDpi xmlns:a14="http://schemas.microsoft.com/office/drawing/2010/main" val="0"/>
-                  </a:ext>
-                  <a:ext uri="{96DAC541-7B7A-43D3-8B79-37D633B846F1}">
-                    <asvg:svgBlip xmlns:asvg="http://schemas.microsoft.com/office/drawing/2016/SVG/main" r:embed="rId4"/>
-                  </a:ext>
-                </a:extLst>
-              </a:blip>
-              <a:stretch>
-                <a:fillRect/>
-              </a:stretch>
-            </p:blipFill>
-            <p:spPr>
-              <a:xfrm>
-                <a:off x="1066800" y="8953500"/>
-                <a:ext cx="1524000" cy="1524000"/>
-              </a:xfrm>
-              <a:prstGeom prst="rect">
-                <a:avLst/>
-              </a:prstGeom>
-            </p:spPr>
-          </p:pic>
-          <p:pic>
-            <p:nvPicPr>
-              <p:cNvPr id="13" name="Graphic 12" descr="Wave with solid fill">
-                <a:extLst>
-                  <a:ext uri="{FF2B5EF4-FFF2-40B4-BE49-F238E27FC236}">
-                    <a16:creationId xmlns:a16="http://schemas.microsoft.com/office/drawing/2014/main" id="{9E8CDD94-67CD-FBEA-C1B8-950CB2F44F0C}"/>
-                  </a:ext>
-                </a:extLst>
-              </p:cNvPr>
-              <p:cNvPicPr>
-                <a:picLocks noChangeAspect="1"/>
-              </p:cNvPicPr>
-              <p:nvPr/>
-            </p:nvPicPr>
-            <p:blipFill>
-              <a:blip r:embed="rId3">
-                <a:extLst>
-                  <a:ext uri="{28A0092B-C50C-407E-A947-70E740481C1C}">
-                    <a14:useLocalDpi xmlns:a14="http://schemas.microsoft.com/office/drawing/2010/main" val="0"/>
-                  </a:ext>
-                  <a:ext uri="{96DAC541-7B7A-43D3-8B79-37D633B846F1}">
-                    <asvg:svgBlip xmlns:asvg="http://schemas.microsoft.com/office/drawing/2016/SVG/main" r:embed="rId4"/>
-                  </a:ext>
-                </a:extLst>
-              </a:blip>
-              <a:stretch>
-                <a:fillRect/>
-              </a:stretch>
-            </p:blipFill>
-            <p:spPr>
-              <a:xfrm>
-                <a:off x="2286000" y="8953500"/>
-                <a:ext cx="1524000" cy="1524000"/>
-              </a:xfrm>
-              <a:prstGeom prst="rect">
-                <a:avLst/>
-              </a:prstGeom>
-            </p:spPr>
-          </p:pic>
-        </p:grpSp>
-        <p:grpSp>
-          <p:nvGrpSpPr>
-            <p:cNvPr id="14" name="Group 13">
-              <a:extLst>
-                <a:ext uri="{FF2B5EF4-FFF2-40B4-BE49-F238E27FC236}">
-                  <a16:creationId xmlns:a16="http://schemas.microsoft.com/office/drawing/2014/main" id="{AB525DC6-764E-99CE-355E-AAB607D78E75}"/>
-                </a:ext>
-              </a:extLst>
-            </p:cNvPr>
-            <p:cNvGrpSpPr/>
-            <p:nvPr/>
-          </p:nvGrpSpPr>
-          <p:grpSpPr>
-            <a:xfrm>
-              <a:off x="7162800" y="8953500"/>
-              <a:ext cx="3962400" cy="1524000"/>
-              <a:chOff x="-152400" y="8953500"/>
-              <a:chExt cx="3962400" cy="1524000"/>
-            </a:xfrm>
-          </p:grpSpPr>
-          <p:pic>
-            <p:nvPicPr>
-              <p:cNvPr id="15" name="Graphic 14" descr="Wave with solid fill">
-                <a:extLst>
-                  <a:ext uri="{FF2B5EF4-FFF2-40B4-BE49-F238E27FC236}">
-                    <a16:creationId xmlns:a16="http://schemas.microsoft.com/office/drawing/2014/main" id="{B8E31DD1-CD21-5013-C322-E6ABF8BCBE0B}"/>
-                  </a:ext>
-                </a:extLst>
-              </p:cNvPr>
-              <p:cNvPicPr>
-                <a:picLocks noChangeAspect="1"/>
-              </p:cNvPicPr>
-              <p:nvPr/>
-            </p:nvPicPr>
-            <p:blipFill>
-              <a:blip r:embed="rId3">
-                <a:extLst>
-                  <a:ext uri="{28A0092B-C50C-407E-A947-70E740481C1C}">
-                    <a14:useLocalDpi xmlns:a14="http://schemas.microsoft.com/office/drawing/2010/main" val="0"/>
-                  </a:ext>
-                  <a:ext uri="{96DAC541-7B7A-43D3-8B79-37D633B846F1}">
-                    <asvg:svgBlip xmlns:asvg="http://schemas.microsoft.com/office/drawing/2016/SVG/main" r:embed="rId4"/>
-                  </a:ext>
-                </a:extLst>
-              </a:blip>
-              <a:stretch>
-                <a:fillRect/>
-              </a:stretch>
-            </p:blipFill>
-            <p:spPr>
-              <a:xfrm>
-                <a:off x="-152400" y="8953500"/>
-                <a:ext cx="1524000" cy="1524000"/>
-              </a:xfrm>
-              <a:prstGeom prst="rect">
-                <a:avLst/>
-              </a:prstGeom>
-            </p:spPr>
-          </p:pic>
-          <p:pic>
-            <p:nvPicPr>
-              <p:cNvPr id="16" name="Graphic 15" descr="Wave with solid fill">
-                <a:extLst>
-                  <a:ext uri="{FF2B5EF4-FFF2-40B4-BE49-F238E27FC236}">
-                    <a16:creationId xmlns:a16="http://schemas.microsoft.com/office/drawing/2014/main" id="{2F99C5A0-C56D-2E53-9846-C55100810F52}"/>
-                  </a:ext>
-                </a:extLst>
-              </p:cNvPr>
-              <p:cNvPicPr>
-                <a:picLocks noChangeAspect="1"/>
-              </p:cNvPicPr>
-              <p:nvPr/>
-            </p:nvPicPr>
-            <p:blipFill>
-              <a:blip r:embed="rId3">
-                <a:extLst>
-                  <a:ext uri="{28A0092B-C50C-407E-A947-70E740481C1C}">
-                    <a14:useLocalDpi xmlns:a14="http://schemas.microsoft.com/office/drawing/2010/main" val="0"/>
-                  </a:ext>
-                  <a:ext uri="{96DAC541-7B7A-43D3-8B79-37D633B846F1}">
-                    <asvg:svgBlip xmlns:asvg="http://schemas.microsoft.com/office/drawing/2016/SVG/main" r:embed="rId4"/>
-                  </a:ext>
-                </a:extLst>
-              </a:blip>
-              <a:stretch>
-                <a:fillRect/>
-              </a:stretch>
-            </p:blipFill>
-            <p:spPr>
-              <a:xfrm>
-                <a:off x="1066800" y="8953500"/>
-                <a:ext cx="1524000" cy="1524000"/>
-              </a:xfrm>
-              <a:prstGeom prst="rect">
-                <a:avLst/>
-              </a:prstGeom>
-            </p:spPr>
-          </p:pic>
-          <p:pic>
-            <p:nvPicPr>
-              <p:cNvPr id="17" name="Graphic 16" descr="Wave with solid fill">
-                <a:extLst>
-                  <a:ext uri="{FF2B5EF4-FFF2-40B4-BE49-F238E27FC236}">
-                    <a16:creationId xmlns:a16="http://schemas.microsoft.com/office/drawing/2014/main" id="{16671B08-04A6-4476-325E-BCCFACF1DC4B}"/>
-                  </a:ext>
-                </a:extLst>
-              </p:cNvPr>
-              <p:cNvPicPr>
-                <a:picLocks noChangeAspect="1"/>
-              </p:cNvPicPr>
-              <p:nvPr/>
-            </p:nvPicPr>
-            <p:blipFill>
-              <a:blip r:embed="rId3">
-                <a:extLst>
-                  <a:ext uri="{28A0092B-C50C-407E-A947-70E740481C1C}">
-                    <a14:useLocalDpi xmlns:a14="http://schemas.microsoft.com/office/drawing/2010/main" val="0"/>
-                  </a:ext>
-                  <a:ext uri="{96DAC541-7B7A-43D3-8B79-37D633B846F1}">
-                    <asvg:svgBlip xmlns:asvg="http://schemas.microsoft.com/office/drawing/2016/SVG/main" r:embed="rId4"/>
-                  </a:ext>
-                </a:extLst>
-              </a:blip>
-              <a:stretch>
-                <a:fillRect/>
-              </a:stretch>
-            </p:blipFill>
-            <p:spPr>
-              <a:xfrm>
-                <a:off x="2286000" y="8953500"/>
-                <a:ext cx="1524000" cy="1524000"/>
-              </a:xfrm>
-              <a:prstGeom prst="rect">
-                <a:avLst/>
-              </a:prstGeom>
-            </p:spPr>
-          </p:pic>
-        </p:grpSp>
-        <p:grpSp>
-          <p:nvGrpSpPr>
-            <p:cNvPr id="18" name="Group 17">
-              <a:extLst>
-                <a:ext uri="{FF2B5EF4-FFF2-40B4-BE49-F238E27FC236}">
-                  <a16:creationId xmlns:a16="http://schemas.microsoft.com/office/drawing/2014/main" id="{9CAD4088-D4E2-47B4-3588-597FF91E8A12}"/>
-                </a:ext>
-              </a:extLst>
-            </p:cNvPr>
-            <p:cNvGrpSpPr/>
-            <p:nvPr/>
-          </p:nvGrpSpPr>
-          <p:grpSpPr>
-            <a:xfrm>
-              <a:off x="10820400" y="8953500"/>
-              <a:ext cx="3962400" cy="1524000"/>
-              <a:chOff x="-152400" y="8953500"/>
-              <a:chExt cx="3962400" cy="1524000"/>
-            </a:xfrm>
-          </p:grpSpPr>
-          <p:pic>
-            <p:nvPicPr>
-              <p:cNvPr id="19" name="Graphic 18" descr="Wave with solid fill">
-                <a:extLst>
-                  <a:ext uri="{FF2B5EF4-FFF2-40B4-BE49-F238E27FC236}">
-                    <a16:creationId xmlns:a16="http://schemas.microsoft.com/office/drawing/2014/main" id="{97D946E3-32D4-EF01-87B5-DD4F4B2E4000}"/>
-                  </a:ext>
-                </a:extLst>
-              </p:cNvPr>
-              <p:cNvPicPr>
-                <a:picLocks noChangeAspect="1"/>
-              </p:cNvPicPr>
-              <p:nvPr/>
-            </p:nvPicPr>
-            <p:blipFill>
-              <a:blip r:embed="rId3">
-                <a:extLst>
-                  <a:ext uri="{28A0092B-C50C-407E-A947-70E740481C1C}">
-                    <a14:useLocalDpi xmlns:a14="http://schemas.microsoft.com/office/drawing/2010/main" val="0"/>
-                  </a:ext>
-                  <a:ext uri="{96DAC541-7B7A-43D3-8B79-37D633B846F1}">
-                    <asvg:svgBlip xmlns:asvg="http://schemas.microsoft.com/office/drawing/2016/SVG/main" r:embed="rId4"/>
-                  </a:ext>
-                </a:extLst>
-              </a:blip>
-              <a:stretch>
-                <a:fillRect/>
-              </a:stretch>
-            </p:blipFill>
-            <p:spPr>
-              <a:xfrm>
-                <a:off x="-152400" y="8953500"/>
-                <a:ext cx="1524000" cy="1524000"/>
-              </a:xfrm>
-              <a:prstGeom prst="rect">
-                <a:avLst/>
-              </a:prstGeom>
-            </p:spPr>
-          </p:pic>
-          <p:pic>
-            <p:nvPicPr>
-              <p:cNvPr id="20" name="Graphic 19" descr="Wave with solid fill">
-                <a:extLst>
-                  <a:ext uri="{FF2B5EF4-FFF2-40B4-BE49-F238E27FC236}">
-                    <a16:creationId xmlns:a16="http://schemas.microsoft.com/office/drawing/2014/main" id="{1CA063F7-9875-372F-0A15-491F8BDCFFFB}"/>
-                  </a:ext>
-                </a:extLst>
-              </p:cNvPr>
-              <p:cNvPicPr>
-                <a:picLocks noChangeAspect="1"/>
-              </p:cNvPicPr>
-              <p:nvPr/>
-            </p:nvPicPr>
-            <p:blipFill>
-              <a:blip r:embed="rId3">
-                <a:extLst>
-                  <a:ext uri="{28A0092B-C50C-407E-A947-70E740481C1C}">
-                    <a14:useLocalDpi xmlns:a14="http://schemas.microsoft.com/office/drawing/2010/main" val="0"/>
-                  </a:ext>
-                  <a:ext uri="{96DAC541-7B7A-43D3-8B79-37D633B846F1}">
-                    <asvg:svgBlip xmlns:asvg="http://schemas.microsoft.com/office/drawing/2016/SVG/main" r:embed="rId4"/>
-                  </a:ext>
-                </a:extLst>
-              </a:blip>
-              <a:stretch>
-                <a:fillRect/>
-              </a:stretch>
-            </p:blipFill>
-            <p:spPr>
-              <a:xfrm>
-                <a:off x="1066800" y="8953500"/>
-                <a:ext cx="1524000" cy="1524000"/>
-              </a:xfrm>
-              <a:prstGeom prst="rect">
-                <a:avLst/>
-              </a:prstGeom>
-            </p:spPr>
-          </p:pic>
-          <p:pic>
-            <p:nvPicPr>
-              <p:cNvPr id="21" name="Graphic 20" descr="Wave with solid fill">
-                <a:extLst>
-                  <a:ext uri="{FF2B5EF4-FFF2-40B4-BE49-F238E27FC236}">
-                    <a16:creationId xmlns:a16="http://schemas.microsoft.com/office/drawing/2014/main" id="{574E9FDF-3DC0-B393-BC72-4583B3B1CE93}"/>
-                  </a:ext>
-                </a:extLst>
-              </p:cNvPr>
-              <p:cNvPicPr>
-                <a:picLocks noChangeAspect="1"/>
-              </p:cNvPicPr>
-              <p:nvPr/>
-            </p:nvPicPr>
-            <p:blipFill>
-              <a:blip r:embed="rId3">
-                <a:extLst>
-                  <a:ext uri="{28A0092B-C50C-407E-A947-70E740481C1C}">
-                    <a14:useLocalDpi xmlns:a14="http://schemas.microsoft.com/office/drawing/2010/main" val="0"/>
-                  </a:ext>
-                  <a:ext uri="{96DAC541-7B7A-43D3-8B79-37D633B846F1}">
-                    <asvg:svgBlip xmlns:asvg="http://schemas.microsoft.com/office/drawing/2016/SVG/main" r:embed="rId4"/>
-                  </a:ext>
-                </a:extLst>
-              </a:blip>
-              <a:stretch>
-                <a:fillRect/>
-              </a:stretch>
-            </p:blipFill>
-            <p:spPr>
-              <a:xfrm>
-                <a:off x="2286000" y="8953500"/>
-                <a:ext cx="1524000" cy="1524000"/>
-              </a:xfrm>
-              <a:prstGeom prst="rect">
-                <a:avLst/>
-              </a:prstGeom>
-            </p:spPr>
-          </p:pic>
-        </p:grpSp>
-        <p:grpSp>
-          <p:nvGrpSpPr>
-            <p:cNvPr id="22" name="Group 21">
-              <a:extLst>
-                <a:ext uri="{FF2B5EF4-FFF2-40B4-BE49-F238E27FC236}">
-                  <a16:creationId xmlns:a16="http://schemas.microsoft.com/office/drawing/2014/main" id="{529231EA-F7CF-774C-465F-DBBE09BC5F4E}"/>
-                </a:ext>
-              </a:extLst>
-            </p:cNvPr>
-            <p:cNvGrpSpPr/>
-            <p:nvPr/>
-          </p:nvGrpSpPr>
-          <p:grpSpPr>
-            <a:xfrm>
-              <a:off x="14478000" y="8953500"/>
-              <a:ext cx="2743200" cy="1524000"/>
-              <a:chOff x="-152400" y="8953500"/>
-              <a:chExt cx="2743200" cy="1524000"/>
-            </a:xfrm>
-          </p:grpSpPr>
-          <p:pic>
-            <p:nvPicPr>
-              <p:cNvPr id="23" name="Graphic 22" descr="Wave with solid fill">
-                <a:extLst>
-                  <a:ext uri="{FF2B5EF4-FFF2-40B4-BE49-F238E27FC236}">
-                    <a16:creationId xmlns:a16="http://schemas.microsoft.com/office/drawing/2014/main" id="{89CABBDD-8EDD-84D7-EF22-E6972358050B}"/>
-                  </a:ext>
-                </a:extLst>
-              </p:cNvPr>
-              <p:cNvPicPr>
-                <a:picLocks noChangeAspect="1"/>
-              </p:cNvPicPr>
-              <p:nvPr/>
-            </p:nvPicPr>
-            <p:blipFill>
-              <a:blip r:embed="rId3">
-                <a:extLst>
-                  <a:ext uri="{28A0092B-C50C-407E-A947-70E740481C1C}">
-                    <a14:useLocalDpi xmlns:a14="http://schemas.microsoft.com/office/drawing/2010/main" val="0"/>
-                  </a:ext>
-                  <a:ext uri="{96DAC541-7B7A-43D3-8B79-37D633B846F1}">
-                    <asvg:svgBlip xmlns:asvg="http://schemas.microsoft.com/office/drawing/2016/SVG/main" r:embed="rId4"/>
-                  </a:ext>
-                </a:extLst>
-              </a:blip>
-              <a:stretch>
-                <a:fillRect/>
-              </a:stretch>
-            </p:blipFill>
-            <p:spPr>
-              <a:xfrm>
-                <a:off x="-152400" y="8953500"/>
-                <a:ext cx="1524000" cy="1524000"/>
-              </a:xfrm>
-              <a:prstGeom prst="rect">
-                <a:avLst/>
-              </a:prstGeom>
-            </p:spPr>
-          </p:pic>
-          <p:pic>
-            <p:nvPicPr>
-              <p:cNvPr id="24" name="Graphic 23" descr="Wave with solid fill">
-                <a:extLst>
-                  <a:ext uri="{FF2B5EF4-FFF2-40B4-BE49-F238E27FC236}">
-                    <a16:creationId xmlns:a16="http://schemas.microsoft.com/office/drawing/2014/main" id="{1E027BEE-6ADB-544D-00A7-3EB75530991B}"/>
-                  </a:ext>
-                </a:extLst>
-              </p:cNvPr>
-              <p:cNvPicPr>
-                <a:picLocks noChangeAspect="1"/>
-              </p:cNvPicPr>
-              <p:nvPr/>
-            </p:nvPicPr>
-            <p:blipFill>
-              <a:blip r:embed="rId3">
-                <a:extLst>
-                  <a:ext uri="{28A0092B-C50C-407E-A947-70E740481C1C}">
-                    <a14:useLocalDpi xmlns:a14="http://schemas.microsoft.com/office/drawing/2010/main" val="0"/>
-                  </a:ext>
-                  <a:ext uri="{96DAC541-7B7A-43D3-8B79-37D633B846F1}">
-                    <asvg:svgBlip xmlns:asvg="http://schemas.microsoft.com/office/drawing/2016/SVG/main" r:embed="rId4"/>
-                  </a:ext>
-                </a:extLst>
-              </a:blip>
-              <a:stretch>
-                <a:fillRect/>
-              </a:stretch>
-            </p:blipFill>
-            <p:spPr>
-              <a:xfrm>
-                <a:off x="1066800" y="8953500"/>
-                <a:ext cx="1524000" cy="1524000"/>
-              </a:xfrm>
-              <a:prstGeom prst="rect">
-                <a:avLst/>
-              </a:prstGeom>
-            </p:spPr>
-          </p:pic>
-        </p:grpSp>
-      </p:grpSp>
-      <p:sp>
-        <p:nvSpPr>
-          <p:cNvPr id="35" name="TextBox 3">
-            <a:extLst>
-              <a:ext uri="{FF2B5EF4-FFF2-40B4-BE49-F238E27FC236}">
-                <a16:creationId xmlns:a16="http://schemas.microsoft.com/office/drawing/2014/main" id="{EBEEA384-595D-FD5B-0260-68574E751CFA}"/>
-              </a:ext>
-            </a:extLst>
-          </p:cNvPr>
-          <p:cNvSpPr txBox="1"/>
-          <p:nvPr/>
-        </p:nvSpPr>
-        <p:spPr>
-          <a:xfrm>
-            <a:off x="3742706" y="1044558"/>
-            <a:ext cx="10802587" cy="921342"/>
-          </a:xfrm>
-          <a:prstGeom prst="rect">
-            <a:avLst/>
-          </a:prstGeom>
-        </p:spPr>
-        <p:txBody>
-          <a:bodyPr wrap="square" lIns="0" tIns="0" rIns="0" bIns="0" rtlCol="0" anchor="t">
-            <a:spAutoFit/>
-          </a:bodyPr>
-          <a:lstStyle/>
-          <a:p>
-            <a:pPr>
-              <a:lnSpc>
-                <a:spcPts val="7807"/>
-              </a:lnSpc>
-              <a:spcBef>
-                <a:spcPct val="0"/>
-              </a:spcBef>
-            </a:pPr>
-            <a:r>
-              <a:rPr lang="en-US" sz="5400" b="1" dirty="0">
-                <a:solidFill>
-                  <a:srgbClr val="404040"/>
-                </a:solidFill>
-                <a:latin typeface="Montserrat" pitchFamily="2" charset="77"/>
-              </a:rPr>
-              <a:t>OVERVIEW OF OUR JOURNEY</a:t>
-            </a:r>
-          </a:p>
-        </p:txBody>
-      </p:sp>
-      <p:sp>
-        <p:nvSpPr>
-          <p:cNvPr id="37" name="Freeform 7">
-            <a:extLst>
-              <a:ext uri="{FF2B5EF4-FFF2-40B4-BE49-F238E27FC236}">
-                <a16:creationId xmlns:a16="http://schemas.microsoft.com/office/drawing/2014/main" id="{1BFD04B8-D236-9D96-EA37-62F8FAFBF266}"/>
-              </a:ext>
-            </a:extLst>
-          </p:cNvPr>
-          <p:cNvSpPr/>
-          <p:nvPr/>
-        </p:nvSpPr>
-        <p:spPr>
-          <a:xfrm>
-            <a:off x="800280" y="4487553"/>
-            <a:ext cx="4041023" cy="1606502"/>
-          </a:xfrm>
-          <a:custGeom>
-            <a:avLst/>
-            <a:gdLst/>
-            <a:ahLst/>
-            <a:cxnLst>
-              <a:cxn ang="0">
-                <a:pos x="wd2" y="hd2"/>
-              </a:cxn>
-              <a:cxn ang="5400000">
-                <a:pos x="wd2" y="hd2"/>
-              </a:cxn>
-              <a:cxn ang="10800000">
-                <a:pos x="wd2" y="hd2"/>
-              </a:cxn>
-              <a:cxn ang="16200000">
-                <a:pos x="wd2" y="hd2"/>
-              </a:cxn>
-            </a:cxnLst>
-            <a:rect l="0" t="0" r="r" b="b"/>
-            <a:pathLst>
-              <a:path w="21600" h="21600" extrusionOk="0">
-                <a:moveTo>
-                  <a:pt x="21255" y="6991"/>
-                </a:moveTo>
-                <a:cubicBezTo>
-                  <a:pt x="12526" y="6991"/>
-                  <a:pt x="12526" y="6991"/>
-                  <a:pt x="12526" y="6991"/>
-                </a:cubicBezTo>
-                <a:cubicBezTo>
-                  <a:pt x="11663" y="3495"/>
-                  <a:pt x="11663" y="3495"/>
-                  <a:pt x="11663" y="3495"/>
-                </a:cubicBezTo>
-                <a:cubicBezTo>
-                  <a:pt x="10800" y="0"/>
-                  <a:pt x="10800" y="0"/>
-                  <a:pt x="10800" y="0"/>
-                </a:cubicBezTo>
-                <a:cubicBezTo>
-                  <a:pt x="9937" y="3495"/>
-                  <a:pt x="9937" y="3495"/>
-                  <a:pt x="9937" y="3495"/>
-                </a:cubicBezTo>
-                <a:cubicBezTo>
-                  <a:pt x="9074" y="6991"/>
-                  <a:pt x="9074" y="6991"/>
-                  <a:pt x="9074" y="6991"/>
-                </a:cubicBezTo>
-                <a:cubicBezTo>
-                  <a:pt x="1997" y="6991"/>
-                  <a:pt x="1997" y="6991"/>
-                  <a:pt x="1997" y="6991"/>
-                </a:cubicBezTo>
-                <a:cubicBezTo>
-                  <a:pt x="888" y="6991"/>
-                  <a:pt x="0" y="10307"/>
-                  <a:pt x="0" y="14340"/>
-                </a:cubicBezTo>
-                <a:cubicBezTo>
-                  <a:pt x="0" y="18373"/>
-                  <a:pt x="888" y="21600"/>
-                  <a:pt x="1997" y="21600"/>
-                </a:cubicBezTo>
-                <a:cubicBezTo>
-                  <a:pt x="21255" y="21600"/>
-                  <a:pt x="21255" y="21600"/>
-                  <a:pt x="21255" y="21600"/>
-                </a:cubicBezTo>
-                <a:cubicBezTo>
-                  <a:pt x="21452" y="21600"/>
-                  <a:pt x="21600" y="21062"/>
-                  <a:pt x="21600" y="20345"/>
-                </a:cubicBezTo>
-                <a:cubicBezTo>
-                  <a:pt x="21600" y="8335"/>
-                  <a:pt x="21600" y="8335"/>
-                  <a:pt x="21600" y="8335"/>
-                </a:cubicBezTo>
-                <a:cubicBezTo>
-                  <a:pt x="21600" y="7618"/>
-                  <a:pt x="21452" y="6991"/>
-                  <a:pt x="21255" y="6991"/>
-                </a:cubicBezTo>
-                <a:close/>
-              </a:path>
-            </a:pathLst>
-          </a:custGeom>
-          <a:solidFill>
-            <a:srgbClr val="B1403F"/>
-          </a:solidFill>
-          <a:ln w="12700">
-            <a:miter lim="400000"/>
-          </a:ln>
-        </p:spPr>
-        <p:txBody>
-          <a:bodyPr lIns="45719" rIns="45719"/>
-          <a:lstStyle/>
-          <a:p>
-            <a:endParaRPr/>
-          </a:p>
-        </p:txBody>
-      </p:sp>
-      <p:sp>
-        <p:nvSpPr>
-          <p:cNvPr id="39" name="Freeform 9">
-            <a:extLst>
-              <a:ext uri="{FF2B5EF4-FFF2-40B4-BE49-F238E27FC236}">
-                <a16:creationId xmlns:a16="http://schemas.microsoft.com/office/drawing/2014/main" id="{01E2FDAC-AE88-C89E-F430-7A9E707BB2A6}"/>
-              </a:ext>
-            </a:extLst>
-          </p:cNvPr>
-          <p:cNvSpPr/>
-          <p:nvPr/>
-        </p:nvSpPr>
-        <p:spPr>
-          <a:xfrm flipV="1">
-            <a:off x="5060883" y="4500850"/>
-            <a:ext cx="4041022" cy="1619504"/>
-          </a:xfrm>
-          <a:custGeom>
-            <a:avLst/>
-            <a:gdLst/>
-            <a:ahLst/>
-            <a:cxnLst>
-              <a:cxn ang="0">
-                <a:pos x="wd2" y="hd2"/>
-              </a:cxn>
-              <a:cxn ang="5400000">
-                <a:pos x="wd2" y="hd2"/>
-              </a:cxn>
-              <a:cxn ang="10800000">
-                <a:pos x="wd2" y="hd2"/>
-              </a:cxn>
-              <a:cxn ang="16200000">
-                <a:pos x="wd2" y="hd2"/>
-              </a:cxn>
-            </a:cxnLst>
-            <a:rect l="0" t="0" r="r" b="b"/>
-            <a:pathLst>
-              <a:path w="21600" h="21600" extrusionOk="0">
-                <a:moveTo>
-                  <a:pt x="21255" y="0"/>
-                </a:moveTo>
-                <a:cubicBezTo>
-                  <a:pt x="345" y="0"/>
-                  <a:pt x="345" y="0"/>
-                  <a:pt x="345" y="0"/>
-                </a:cubicBezTo>
-                <a:cubicBezTo>
-                  <a:pt x="148" y="0"/>
-                  <a:pt x="0" y="625"/>
-                  <a:pt x="0" y="1339"/>
-                </a:cubicBezTo>
-                <a:cubicBezTo>
-                  <a:pt x="0" y="13299"/>
-                  <a:pt x="0" y="13299"/>
-                  <a:pt x="0" y="13299"/>
-                </a:cubicBezTo>
-                <a:cubicBezTo>
-                  <a:pt x="0" y="14013"/>
-                  <a:pt x="148" y="14549"/>
-                  <a:pt x="345" y="14549"/>
-                </a:cubicBezTo>
-                <a:cubicBezTo>
-                  <a:pt x="9074" y="14549"/>
-                  <a:pt x="9074" y="14549"/>
-                  <a:pt x="9074" y="14549"/>
-                </a:cubicBezTo>
-                <a:cubicBezTo>
-                  <a:pt x="9937" y="18030"/>
-                  <a:pt x="9937" y="18030"/>
-                  <a:pt x="9937" y="18030"/>
-                </a:cubicBezTo>
-                <a:cubicBezTo>
-                  <a:pt x="10800" y="21600"/>
-                  <a:pt x="10800" y="21600"/>
-                  <a:pt x="10800" y="21600"/>
-                </a:cubicBezTo>
-                <a:cubicBezTo>
-                  <a:pt x="11663" y="18030"/>
-                  <a:pt x="11663" y="18030"/>
-                  <a:pt x="11663" y="18030"/>
-                </a:cubicBezTo>
-                <a:cubicBezTo>
-                  <a:pt x="12526" y="14549"/>
-                  <a:pt x="12526" y="14549"/>
-                  <a:pt x="12526" y="14549"/>
-                </a:cubicBezTo>
-                <a:cubicBezTo>
-                  <a:pt x="21255" y="14549"/>
-                  <a:pt x="21255" y="14549"/>
-                  <a:pt x="21255" y="14549"/>
-                </a:cubicBezTo>
-                <a:cubicBezTo>
-                  <a:pt x="21452" y="14549"/>
-                  <a:pt x="21600" y="14013"/>
-                  <a:pt x="21600" y="13299"/>
-                </a:cubicBezTo>
-                <a:cubicBezTo>
-                  <a:pt x="21600" y="1339"/>
-                  <a:pt x="21600" y="1339"/>
-                  <a:pt x="21600" y="1339"/>
-                </a:cubicBezTo>
-                <a:cubicBezTo>
-                  <a:pt x="21600" y="625"/>
-                  <a:pt x="21452" y="0"/>
-                  <a:pt x="21255" y="0"/>
-                </a:cubicBezTo>
-                <a:close/>
-              </a:path>
-            </a:pathLst>
-          </a:custGeom>
-          <a:solidFill>
-            <a:srgbClr val="BFB5ED"/>
-          </a:solidFill>
-          <a:ln w="12700">
-            <a:miter lim="400000"/>
-          </a:ln>
-        </p:spPr>
-        <p:txBody>
-          <a:bodyPr lIns="45719" rIns="45719"/>
-          <a:lstStyle/>
-          <a:p>
-            <a:endParaRPr lang="en-DK" dirty="0"/>
-          </a:p>
-        </p:txBody>
-      </p:sp>
-      <p:sp>
-        <p:nvSpPr>
-          <p:cNvPr id="51" name="Freeform 9">
-            <a:extLst>
-              <a:ext uri="{FF2B5EF4-FFF2-40B4-BE49-F238E27FC236}">
-                <a16:creationId xmlns:a16="http://schemas.microsoft.com/office/drawing/2014/main" id="{3C8C8F90-F01C-2534-2BCE-F8C869812AE5}"/>
-              </a:ext>
-            </a:extLst>
-          </p:cNvPr>
-          <p:cNvSpPr/>
-          <p:nvPr/>
-        </p:nvSpPr>
-        <p:spPr>
-          <a:xfrm flipV="1">
-            <a:off x="9321485" y="4469155"/>
-            <a:ext cx="4041021" cy="1643299"/>
-          </a:xfrm>
-          <a:custGeom>
-            <a:avLst/>
-            <a:gdLst/>
-            <a:ahLst/>
-            <a:cxnLst>
-              <a:cxn ang="0">
-                <a:pos x="wd2" y="hd2"/>
-              </a:cxn>
-              <a:cxn ang="5400000">
-                <a:pos x="wd2" y="hd2"/>
-              </a:cxn>
-              <a:cxn ang="10800000">
-                <a:pos x="wd2" y="hd2"/>
-              </a:cxn>
-              <a:cxn ang="16200000">
-                <a:pos x="wd2" y="hd2"/>
-              </a:cxn>
-            </a:cxnLst>
-            <a:rect l="0" t="0" r="r" b="b"/>
-            <a:pathLst>
-              <a:path w="21600" h="21600" extrusionOk="0">
-                <a:moveTo>
-                  <a:pt x="21255" y="0"/>
-                </a:moveTo>
-                <a:cubicBezTo>
-                  <a:pt x="345" y="0"/>
-                  <a:pt x="345" y="0"/>
-                  <a:pt x="345" y="0"/>
-                </a:cubicBezTo>
-                <a:cubicBezTo>
-                  <a:pt x="148" y="0"/>
-                  <a:pt x="0" y="625"/>
-                  <a:pt x="0" y="1339"/>
-                </a:cubicBezTo>
-                <a:cubicBezTo>
-                  <a:pt x="0" y="13299"/>
-                  <a:pt x="0" y="13299"/>
-                  <a:pt x="0" y="13299"/>
-                </a:cubicBezTo>
-                <a:cubicBezTo>
-                  <a:pt x="0" y="14013"/>
-                  <a:pt x="148" y="14549"/>
-                  <a:pt x="345" y="14549"/>
-                </a:cubicBezTo>
-                <a:cubicBezTo>
-                  <a:pt x="9074" y="14549"/>
-                  <a:pt x="9074" y="14549"/>
-                  <a:pt x="9074" y="14549"/>
-                </a:cubicBezTo>
-                <a:cubicBezTo>
-                  <a:pt x="9937" y="18030"/>
-                  <a:pt x="9937" y="18030"/>
-                  <a:pt x="9937" y="18030"/>
-                </a:cubicBezTo>
-                <a:cubicBezTo>
-                  <a:pt x="10800" y="21600"/>
-                  <a:pt x="10800" y="21600"/>
-                  <a:pt x="10800" y="21600"/>
-                </a:cubicBezTo>
-                <a:cubicBezTo>
-                  <a:pt x="11663" y="18030"/>
-                  <a:pt x="11663" y="18030"/>
-                  <a:pt x="11663" y="18030"/>
-                </a:cubicBezTo>
-                <a:cubicBezTo>
-                  <a:pt x="12526" y="14549"/>
-                  <a:pt x="12526" y="14549"/>
-                  <a:pt x="12526" y="14549"/>
-                </a:cubicBezTo>
-                <a:cubicBezTo>
-                  <a:pt x="21255" y="14549"/>
-                  <a:pt x="21255" y="14549"/>
-                  <a:pt x="21255" y="14549"/>
-                </a:cubicBezTo>
-                <a:cubicBezTo>
-                  <a:pt x="21452" y="14549"/>
-                  <a:pt x="21600" y="14013"/>
-                  <a:pt x="21600" y="13299"/>
-                </a:cubicBezTo>
-                <a:cubicBezTo>
-                  <a:pt x="21600" y="1339"/>
-                  <a:pt x="21600" y="1339"/>
-                  <a:pt x="21600" y="1339"/>
-                </a:cubicBezTo>
-                <a:cubicBezTo>
-                  <a:pt x="21600" y="625"/>
-                  <a:pt x="21452" y="0"/>
-                  <a:pt x="21255" y="0"/>
-                </a:cubicBezTo>
-                <a:close/>
-              </a:path>
-            </a:pathLst>
-          </a:custGeom>
-          <a:solidFill>
-            <a:srgbClr val="8EB4E3"/>
-          </a:solidFill>
-          <a:ln w="12700">
-            <a:miter lim="400000"/>
-          </a:ln>
-        </p:spPr>
-        <p:txBody>
-          <a:bodyPr lIns="45719" rIns="45719"/>
-          <a:lstStyle/>
-          <a:p>
-            <a:endParaRPr/>
-          </a:p>
-        </p:txBody>
-      </p:sp>
-      <p:sp>
-        <p:nvSpPr>
-          <p:cNvPr id="54" name="Rectangle 33">
-            <a:extLst>
-              <a:ext uri="{FF2B5EF4-FFF2-40B4-BE49-F238E27FC236}">
-                <a16:creationId xmlns:a16="http://schemas.microsoft.com/office/drawing/2014/main" id="{46871D1F-1B1E-8F55-1261-18C148FBEF7B}"/>
-              </a:ext>
-            </a:extLst>
-          </p:cNvPr>
-          <p:cNvSpPr txBox="1"/>
-          <p:nvPr/>
-        </p:nvSpPr>
-        <p:spPr>
-          <a:xfrm>
-            <a:off x="1320428" y="5384461"/>
-            <a:ext cx="3093796" cy="369332"/>
-          </a:xfrm>
-          <a:prstGeom prst="rect">
-            <a:avLst/>
-          </a:prstGeom>
-          <a:ln w="12700">
-            <a:miter lim="400000"/>
-          </a:ln>
-          <a:extLst>
-            <a:ext uri="{C572A759-6A51-4108-AA02-DFA0A04FC94B}">
-              <ma14:wrappingTextBoxFlag xmlns:ma14="http://schemas.microsoft.com/office/mac/drawingml/2011/main" xmlns:a14="http://schemas.microsoft.com/office/drawing/2010/main" xmlns:m="http://schemas.openxmlformats.org/officeDocument/2006/math" xmlns="" val="1"/>
-            </a:ext>
-          </a:extLst>
-        </p:spPr>
-        <p:txBody>
-          <a:bodyPr wrap="none" lIns="0" tIns="0" rIns="0" bIns="0">
-            <a:spAutoFit/>
-          </a:bodyPr>
-          <a:lstStyle>
-            <a:lvl1pPr>
-              <a:defRPr sz="3400">
-                <a:solidFill>
-                  <a:srgbClr val="FFFFFF"/>
-                </a:solidFill>
-                <a:latin typeface="Montserrat Bold"/>
-                <a:ea typeface="Montserrat Bold"/>
-                <a:cs typeface="Montserrat Bold"/>
-                <a:sym typeface="Montserrat Bold"/>
-              </a:defRPr>
-            </a:lvl1pPr>
-          </a:lstStyle>
-          <a:p>
-            <a:r>
-              <a:rPr lang="en-US" sz="2400" dirty="0"/>
-              <a:t>DATA COLLECTION</a:t>
-            </a:r>
-            <a:endParaRPr sz="2400" dirty="0"/>
-          </a:p>
-        </p:txBody>
-      </p:sp>
-      <p:sp>
-        <p:nvSpPr>
-          <p:cNvPr id="56" name="TextBox 55">
-            <a:extLst>
-              <a:ext uri="{FF2B5EF4-FFF2-40B4-BE49-F238E27FC236}">
-                <a16:creationId xmlns:a16="http://schemas.microsoft.com/office/drawing/2014/main" id="{0A694C3A-E68F-B4D7-85C3-81AFDE9284C3}"/>
-              </a:ext>
-            </a:extLst>
-          </p:cNvPr>
-          <p:cNvSpPr txBox="1"/>
-          <p:nvPr/>
-        </p:nvSpPr>
-        <p:spPr>
-          <a:xfrm>
-            <a:off x="5361451" y="5154969"/>
-            <a:ext cx="3359727" cy="830997"/>
-          </a:xfrm>
-          <a:prstGeom prst="rect">
-            <a:avLst/>
-          </a:prstGeom>
-          <a:noFill/>
-        </p:spPr>
-        <p:txBody>
-          <a:bodyPr wrap="square">
-            <a:spAutoFit/>
-          </a:bodyPr>
-          <a:lstStyle/>
-          <a:p>
-            <a:pPr algn="ctr"/>
-            <a:r>
-              <a:rPr lang="en-US" sz="2400" b="1" dirty="0">
-                <a:solidFill>
-                  <a:schemeClr val="bg1"/>
-                </a:solidFill>
-                <a:latin typeface="Montserrat" pitchFamily="2" charset="77"/>
-              </a:rPr>
-              <a:t>EXPLORATORY DATA ANALYSIS</a:t>
-            </a:r>
-          </a:p>
-        </p:txBody>
-      </p:sp>
-      <p:sp>
-        <p:nvSpPr>
-          <p:cNvPr id="59" name="Shape">
-            <a:extLst>
-              <a:ext uri="{FF2B5EF4-FFF2-40B4-BE49-F238E27FC236}">
-                <a16:creationId xmlns:a16="http://schemas.microsoft.com/office/drawing/2014/main" id="{E07F6C67-95B2-F2F5-F51E-AAE5D6757D13}"/>
-              </a:ext>
-            </a:extLst>
-          </p:cNvPr>
-          <p:cNvSpPr/>
-          <p:nvPr/>
-        </p:nvSpPr>
-        <p:spPr>
-          <a:xfrm>
-            <a:off x="6710246" y="3252752"/>
-            <a:ext cx="905108" cy="1042809"/>
-          </a:xfrm>
-          <a:custGeom>
-            <a:avLst/>
-            <a:gdLst/>
-            <a:ahLst/>
-            <a:cxnLst>
-              <a:cxn ang="0">
-                <a:pos x="wd2" y="hd2"/>
-              </a:cxn>
-              <a:cxn ang="5400000">
-                <a:pos x="wd2" y="hd2"/>
-              </a:cxn>
-              <a:cxn ang="10800000">
-                <a:pos x="wd2" y="hd2"/>
-              </a:cxn>
-              <a:cxn ang="16200000">
-                <a:pos x="wd2" y="hd2"/>
-              </a:cxn>
-            </a:cxnLst>
-            <a:rect l="0" t="0" r="r" b="b"/>
-            <a:pathLst>
-              <a:path w="21600" h="21600" extrusionOk="0">
-                <a:moveTo>
-                  <a:pt x="2445" y="18409"/>
-                </a:moveTo>
-                <a:cubicBezTo>
-                  <a:pt x="4483" y="18409"/>
-                  <a:pt x="4483" y="18409"/>
-                  <a:pt x="4483" y="18409"/>
-                </a:cubicBezTo>
-                <a:cubicBezTo>
-                  <a:pt x="4891" y="18409"/>
-                  <a:pt x="5298" y="17918"/>
-                  <a:pt x="5298" y="17427"/>
-                </a:cubicBezTo>
-                <a:cubicBezTo>
-                  <a:pt x="5298" y="8100"/>
-                  <a:pt x="5298" y="8100"/>
-                  <a:pt x="5298" y="8100"/>
-                </a:cubicBezTo>
-                <a:cubicBezTo>
-                  <a:pt x="5298" y="7609"/>
-                  <a:pt x="4891" y="7118"/>
-                  <a:pt x="4483" y="7118"/>
-                </a:cubicBezTo>
-                <a:cubicBezTo>
-                  <a:pt x="2445" y="7118"/>
-                  <a:pt x="2445" y="7118"/>
-                  <a:pt x="2445" y="7118"/>
-                </a:cubicBezTo>
-                <a:cubicBezTo>
-                  <a:pt x="2038" y="7118"/>
-                  <a:pt x="1630" y="7609"/>
-                  <a:pt x="1630" y="8100"/>
-                </a:cubicBezTo>
-                <a:cubicBezTo>
-                  <a:pt x="1630" y="17427"/>
-                  <a:pt x="1630" y="17427"/>
-                  <a:pt x="1630" y="17427"/>
-                </a:cubicBezTo>
-                <a:cubicBezTo>
-                  <a:pt x="1630" y="17918"/>
-                  <a:pt x="2038" y="18409"/>
-                  <a:pt x="2445" y="18409"/>
-                </a:cubicBezTo>
-                <a:close/>
-                <a:moveTo>
-                  <a:pt x="7336" y="18409"/>
-                </a:moveTo>
-                <a:cubicBezTo>
-                  <a:pt x="9374" y="18409"/>
-                  <a:pt x="9374" y="18409"/>
-                  <a:pt x="9374" y="18409"/>
-                </a:cubicBezTo>
-                <a:cubicBezTo>
-                  <a:pt x="9985" y="18409"/>
-                  <a:pt x="10189" y="17918"/>
-                  <a:pt x="10189" y="17427"/>
-                </a:cubicBezTo>
-                <a:cubicBezTo>
-                  <a:pt x="10189" y="982"/>
-                  <a:pt x="10189" y="982"/>
-                  <a:pt x="10189" y="982"/>
-                </a:cubicBezTo>
-                <a:cubicBezTo>
-                  <a:pt x="10189" y="491"/>
-                  <a:pt x="9985" y="0"/>
-                  <a:pt x="9374" y="0"/>
-                </a:cubicBezTo>
-                <a:cubicBezTo>
-                  <a:pt x="7336" y="0"/>
-                  <a:pt x="7336" y="0"/>
-                  <a:pt x="7336" y="0"/>
-                </a:cubicBezTo>
-                <a:cubicBezTo>
-                  <a:pt x="6928" y="0"/>
-                  <a:pt x="6521" y="491"/>
-                  <a:pt x="6521" y="982"/>
-                </a:cubicBezTo>
-                <a:cubicBezTo>
-                  <a:pt x="6521" y="17427"/>
-                  <a:pt x="6521" y="17427"/>
-                  <a:pt x="6521" y="17427"/>
-                </a:cubicBezTo>
-                <a:cubicBezTo>
-                  <a:pt x="6521" y="17918"/>
-                  <a:pt x="6928" y="18409"/>
-                  <a:pt x="7336" y="18409"/>
-                </a:cubicBezTo>
-                <a:close/>
-                <a:moveTo>
-                  <a:pt x="12226" y="18409"/>
-                </a:moveTo>
-                <a:cubicBezTo>
-                  <a:pt x="14468" y="18409"/>
-                  <a:pt x="14468" y="18409"/>
-                  <a:pt x="14468" y="18409"/>
-                </a:cubicBezTo>
-                <a:cubicBezTo>
-                  <a:pt x="14875" y="18409"/>
-                  <a:pt x="15079" y="17918"/>
-                  <a:pt x="15079" y="17427"/>
-                </a:cubicBezTo>
-                <a:cubicBezTo>
-                  <a:pt x="15079" y="4909"/>
-                  <a:pt x="15079" y="4909"/>
-                  <a:pt x="15079" y="4909"/>
-                </a:cubicBezTo>
-                <a:cubicBezTo>
-                  <a:pt x="15079" y="4418"/>
-                  <a:pt x="14875" y="3927"/>
-                  <a:pt x="14468" y="3927"/>
-                </a:cubicBezTo>
-                <a:cubicBezTo>
-                  <a:pt x="12226" y="3927"/>
-                  <a:pt x="12226" y="3927"/>
-                  <a:pt x="12226" y="3927"/>
-                </a:cubicBezTo>
-                <a:cubicBezTo>
-                  <a:pt x="11819" y="3927"/>
-                  <a:pt x="11411" y="4418"/>
-                  <a:pt x="11411" y="4909"/>
-                </a:cubicBezTo>
-                <a:cubicBezTo>
-                  <a:pt x="11411" y="17427"/>
-                  <a:pt x="11411" y="17427"/>
-                  <a:pt x="11411" y="17427"/>
-                </a:cubicBezTo>
-                <a:cubicBezTo>
-                  <a:pt x="11411" y="17918"/>
-                  <a:pt x="11819" y="18409"/>
-                  <a:pt x="12226" y="18409"/>
-                </a:cubicBezTo>
-                <a:close/>
-                <a:moveTo>
-                  <a:pt x="12430" y="5155"/>
-                </a:moveTo>
-                <a:cubicBezTo>
-                  <a:pt x="14264" y="5155"/>
-                  <a:pt x="14264" y="5155"/>
-                  <a:pt x="14264" y="5155"/>
-                </a:cubicBezTo>
-                <a:cubicBezTo>
-                  <a:pt x="14264" y="17182"/>
-                  <a:pt x="14264" y="17182"/>
-                  <a:pt x="14264" y="17182"/>
-                </a:cubicBezTo>
-                <a:cubicBezTo>
-                  <a:pt x="12430" y="17182"/>
-                  <a:pt x="12430" y="17182"/>
-                  <a:pt x="12430" y="17182"/>
-                </a:cubicBezTo>
-                <a:lnTo>
-                  <a:pt x="12430" y="5155"/>
-                </a:lnTo>
-                <a:close/>
-                <a:moveTo>
-                  <a:pt x="17321" y="18409"/>
-                </a:moveTo>
-                <a:cubicBezTo>
-                  <a:pt x="19358" y="18409"/>
-                  <a:pt x="19358" y="18409"/>
-                  <a:pt x="19358" y="18409"/>
-                </a:cubicBezTo>
-                <a:cubicBezTo>
-                  <a:pt x="19766" y="18409"/>
-                  <a:pt x="20174" y="17918"/>
-                  <a:pt x="20174" y="17427"/>
-                </a:cubicBezTo>
-                <a:cubicBezTo>
-                  <a:pt x="20174" y="11536"/>
-                  <a:pt x="20174" y="11536"/>
-                  <a:pt x="20174" y="11536"/>
-                </a:cubicBezTo>
-                <a:cubicBezTo>
-                  <a:pt x="20174" y="11045"/>
-                  <a:pt x="19766" y="10800"/>
-                  <a:pt x="19358" y="10800"/>
-                </a:cubicBezTo>
-                <a:cubicBezTo>
-                  <a:pt x="17321" y="10800"/>
-                  <a:pt x="17321" y="10800"/>
-                  <a:pt x="17321" y="10800"/>
-                </a:cubicBezTo>
-                <a:cubicBezTo>
-                  <a:pt x="16709" y="10800"/>
-                  <a:pt x="16506" y="11045"/>
-                  <a:pt x="16506" y="11536"/>
-                </a:cubicBezTo>
-                <a:cubicBezTo>
-                  <a:pt x="16506" y="17427"/>
-                  <a:pt x="16506" y="17427"/>
-                  <a:pt x="16506" y="17427"/>
-                </a:cubicBezTo>
-                <a:cubicBezTo>
-                  <a:pt x="16506" y="17918"/>
-                  <a:pt x="16709" y="18409"/>
-                  <a:pt x="17321" y="18409"/>
-                </a:cubicBezTo>
-                <a:close/>
-                <a:moveTo>
-                  <a:pt x="20785" y="19391"/>
-                </a:moveTo>
-                <a:cubicBezTo>
-                  <a:pt x="1019" y="19391"/>
-                  <a:pt x="1019" y="19391"/>
-                  <a:pt x="1019" y="19391"/>
-                </a:cubicBezTo>
-                <a:cubicBezTo>
-                  <a:pt x="408" y="19391"/>
-                  <a:pt x="0" y="19882"/>
-                  <a:pt x="0" y="20618"/>
-                </a:cubicBezTo>
-                <a:cubicBezTo>
-                  <a:pt x="0" y="21109"/>
-                  <a:pt x="408" y="21600"/>
-                  <a:pt x="1019" y="21600"/>
-                </a:cubicBezTo>
-                <a:cubicBezTo>
-                  <a:pt x="20785" y="21600"/>
-                  <a:pt x="20785" y="21600"/>
-                  <a:pt x="20785" y="21600"/>
-                </a:cubicBezTo>
-                <a:cubicBezTo>
-                  <a:pt x="21192" y="21600"/>
-                  <a:pt x="21600" y="21109"/>
-                  <a:pt x="21600" y="20618"/>
-                </a:cubicBezTo>
-                <a:cubicBezTo>
-                  <a:pt x="21600" y="19882"/>
-                  <a:pt x="21192" y="19391"/>
-                  <a:pt x="20785" y="19391"/>
-                </a:cubicBezTo>
-                <a:close/>
-              </a:path>
-            </a:pathLst>
-          </a:custGeom>
-          <a:solidFill>
-            <a:srgbClr val="404040"/>
-          </a:solidFill>
-          <a:ln w="12700">
-            <a:miter lim="400000"/>
-          </a:ln>
-        </p:spPr>
-        <p:txBody>
-          <a:bodyPr lIns="121919" tIns="121919" rIns="121919" bIns="121919"/>
-          <a:lstStyle/>
-          <a:p>
-            <a:endParaRPr/>
-          </a:p>
-        </p:txBody>
-      </p:sp>
-      <p:sp>
-        <p:nvSpPr>
-          <p:cNvPr id="60" name="Shape">
-            <a:extLst>
-              <a:ext uri="{FF2B5EF4-FFF2-40B4-BE49-F238E27FC236}">
-                <a16:creationId xmlns:a16="http://schemas.microsoft.com/office/drawing/2014/main" id="{D09D6B30-BBF8-546F-DF0D-9CD55F576823}"/>
-              </a:ext>
-            </a:extLst>
-          </p:cNvPr>
-          <p:cNvSpPr>
-            <a:spLocks noChangeAspect="1"/>
-          </p:cNvSpPr>
-          <p:nvPr/>
-        </p:nvSpPr>
-        <p:spPr>
-          <a:xfrm>
-            <a:off x="7391400" y="3162300"/>
-            <a:ext cx="699306" cy="699306"/>
-          </a:xfrm>
-          <a:custGeom>
-            <a:avLst/>
-            <a:gdLst/>
-            <a:ahLst/>
-            <a:cxnLst>
-              <a:cxn ang="0">
-                <a:pos x="wd2" y="hd2"/>
-              </a:cxn>
-              <a:cxn ang="5400000">
-                <a:pos x="wd2" y="hd2"/>
-              </a:cxn>
-              <a:cxn ang="10800000">
-                <a:pos x="wd2" y="hd2"/>
-              </a:cxn>
-              <a:cxn ang="16200000">
-                <a:pos x="wd2" y="hd2"/>
-              </a:cxn>
-            </a:cxnLst>
-            <a:rect l="0" t="0" r="r" b="b"/>
-            <a:pathLst>
-              <a:path w="21380" h="21380" extrusionOk="0">
-                <a:moveTo>
-                  <a:pt x="20722" y="17912"/>
-                </a:moveTo>
-                <a:cubicBezTo>
-                  <a:pt x="15805" y="12995"/>
-                  <a:pt x="15805" y="12995"/>
-                  <a:pt x="15805" y="12995"/>
-                </a:cubicBezTo>
-                <a:cubicBezTo>
-                  <a:pt x="15102" y="14224"/>
-                  <a:pt x="14049" y="15102"/>
-                  <a:pt x="12995" y="15805"/>
-                </a:cubicBezTo>
-                <a:cubicBezTo>
-                  <a:pt x="17912" y="20722"/>
-                  <a:pt x="17912" y="20722"/>
-                  <a:pt x="17912" y="20722"/>
-                </a:cubicBezTo>
-                <a:cubicBezTo>
-                  <a:pt x="18615" y="21600"/>
-                  <a:pt x="20020" y="21600"/>
-                  <a:pt x="20722" y="20722"/>
-                </a:cubicBezTo>
-                <a:cubicBezTo>
-                  <a:pt x="21600" y="20020"/>
-                  <a:pt x="21600" y="18790"/>
-                  <a:pt x="20722" y="17912"/>
-                </a:cubicBezTo>
-                <a:close/>
-                <a:moveTo>
-                  <a:pt x="15980" y="8078"/>
-                </a:moveTo>
-                <a:cubicBezTo>
-                  <a:pt x="15980" y="3512"/>
-                  <a:pt x="12468" y="0"/>
-                  <a:pt x="7902" y="0"/>
-                </a:cubicBezTo>
-                <a:cubicBezTo>
-                  <a:pt x="3512" y="0"/>
-                  <a:pt x="0" y="3512"/>
-                  <a:pt x="0" y="8078"/>
-                </a:cubicBezTo>
-                <a:cubicBezTo>
-                  <a:pt x="0" y="12468"/>
-                  <a:pt x="3512" y="15980"/>
-                  <a:pt x="7902" y="15980"/>
-                </a:cubicBezTo>
-                <a:cubicBezTo>
-                  <a:pt x="12468" y="15980"/>
-                  <a:pt x="15980" y="12468"/>
-                  <a:pt x="15980" y="8078"/>
-                </a:cubicBezTo>
-                <a:close/>
-                <a:moveTo>
-                  <a:pt x="7902" y="14049"/>
-                </a:moveTo>
-                <a:cubicBezTo>
-                  <a:pt x="4566" y="14049"/>
-                  <a:pt x="1932" y="11239"/>
-                  <a:pt x="1932" y="8078"/>
-                </a:cubicBezTo>
-                <a:cubicBezTo>
-                  <a:pt x="1932" y="4741"/>
-                  <a:pt x="4566" y="1932"/>
-                  <a:pt x="7902" y="1932"/>
-                </a:cubicBezTo>
-                <a:cubicBezTo>
-                  <a:pt x="11239" y="1932"/>
-                  <a:pt x="14049" y="4741"/>
-                  <a:pt x="14049" y="8078"/>
-                </a:cubicBezTo>
-                <a:cubicBezTo>
-                  <a:pt x="14049" y="11239"/>
-                  <a:pt x="11239" y="14049"/>
-                  <a:pt x="7902" y="14049"/>
-                </a:cubicBezTo>
-                <a:close/>
-                <a:moveTo>
-                  <a:pt x="3337" y="8078"/>
-                </a:moveTo>
-                <a:cubicBezTo>
-                  <a:pt x="4566" y="8078"/>
-                  <a:pt x="4566" y="8078"/>
-                  <a:pt x="4566" y="8078"/>
-                </a:cubicBezTo>
-                <a:cubicBezTo>
-                  <a:pt x="4566" y="6146"/>
-                  <a:pt x="6146" y="4741"/>
-                  <a:pt x="7902" y="4741"/>
-                </a:cubicBezTo>
-                <a:cubicBezTo>
-                  <a:pt x="7902" y="3337"/>
-                  <a:pt x="7902" y="3337"/>
-                  <a:pt x="7902" y="3337"/>
-                </a:cubicBezTo>
-                <a:cubicBezTo>
-                  <a:pt x="5444" y="3337"/>
-                  <a:pt x="3337" y="5444"/>
-                  <a:pt x="3337" y="8078"/>
-                </a:cubicBezTo>
-                <a:close/>
-              </a:path>
-            </a:pathLst>
-          </a:custGeom>
-          <a:solidFill>
-            <a:srgbClr val="404040"/>
-          </a:solidFill>
-          <a:ln w="12700">
-            <a:miter lim="400000"/>
-          </a:ln>
-        </p:spPr>
-        <p:txBody>
-          <a:bodyPr lIns="121919" tIns="121919" rIns="121919" bIns="121919"/>
-          <a:lstStyle/>
-          <a:p>
-            <a:endParaRPr/>
-          </a:p>
-        </p:txBody>
-      </p:sp>
-      <p:sp>
-        <p:nvSpPr>
-          <p:cNvPr id="63" name="Shape">
-            <a:extLst>
-              <a:ext uri="{FF2B5EF4-FFF2-40B4-BE49-F238E27FC236}">
-                <a16:creationId xmlns:a16="http://schemas.microsoft.com/office/drawing/2014/main" id="{1C3AE5CD-B4BF-1B12-A1F6-2CCA288BE29F}"/>
-              </a:ext>
-            </a:extLst>
-          </p:cNvPr>
-          <p:cNvSpPr>
-            <a:spLocks noChangeAspect="1"/>
-          </p:cNvSpPr>
-          <p:nvPr/>
-        </p:nvSpPr>
-        <p:spPr>
-          <a:xfrm>
-            <a:off x="2236732" y="3252752"/>
-            <a:ext cx="1127838" cy="1008000"/>
-          </a:xfrm>
-          <a:custGeom>
-            <a:avLst/>
-            <a:gdLst/>
-            <a:ahLst/>
-            <a:cxnLst>
-              <a:cxn ang="0">
-                <a:pos x="wd2" y="hd2"/>
-              </a:cxn>
-              <a:cxn ang="5400000">
-                <a:pos x="wd2" y="hd2"/>
-              </a:cxn>
-              <a:cxn ang="10800000">
-                <a:pos x="wd2" y="hd2"/>
-              </a:cxn>
-              <a:cxn ang="16200000">
-                <a:pos x="wd2" y="hd2"/>
-              </a:cxn>
-            </a:cxnLst>
-            <a:rect l="0" t="0" r="r" b="b"/>
-            <a:pathLst>
-              <a:path w="21600" h="21600" extrusionOk="0">
-                <a:moveTo>
-                  <a:pt x="10354" y="14727"/>
-                </a:moveTo>
-                <a:cubicBezTo>
-                  <a:pt x="5355" y="7855"/>
-                  <a:pt x="5355" y="7855"/>
-                  <a:pt x="5355" y="7855"/>
-                </a:cubicBezTo>
-                <a:cubicBezTo>
-                  <a:pt x="8033" y="7855"/>
-                  <a:pt x="8033" y="7855"/>
-                  <a:pt x="8033" y="7855"/>
-                </a:cubicBezTo>
-                <a:cubicBezTo>
-                  <a:pt x="8033" y="0"/>
-                  <a:pt x="8033" y="0"/>
-                  <a:pt x="8033" y="0"/>
-                </a:cubicBezTo>
-                <a:cubicBezTo>
-                  <a:pt x="13388" y="0"/>
-                  <a:pt x="13388" y="0"/>
-                  <a:pt x="13388" y="0"/>
-                </a:cubicBezTo>
-                <a:cubicBezTo>
-                  <a:pt x="13388" y="7855"/>
-                  <a:pt x="13388" y="7855"/>
-                  <a:pt x="13388" y="7855"/>
-                </a:cubicBezTo>
-                <a:cubicBezTo>
-                  <a:pt x="16066" y="7855"/>
-                  <a:pt x="16066" y="7855"/>
-                  <a:pt x="16066" y="7855"/>
-                </a:cubicBezTo>
-                <a:cubicBezTo>
-                  <a:pt x="11246" y="14727"/>
-                  <a:pt x="11246" y="14727"/>
-                  <a:pt x="11246" y="14727"/>
-                </a:cubicBezTo>
-                <a:lnTo>
-                  <a:pt x="10354" y="14727"/>
-                </a:lnTo>
-                <a:close/>
-                <a:moveTo>
-                  <a:pt x="0" y="11782"/>
-                </a:moveTo>
-                <a:cubicBezTo>
-                  <a:pt x="2678" y="4909"/>
-                  <a:pt x="2678" y="4909"/>
-                  <a:pt x="2678" y="4909"/>
-                </a:cubicBezTo>
-                <a:cubicBezTo>
-                  <a:pt x="6069" y="4909"/>
-                  <a:pt x="6069" y="4909"/>
-                  <a:pt x="6069" y="4909"/>
-                </a:cubicBezTo>
-                <a:cubicBezTo>
-                  <a:pt x="6069" y="6873"/>
-                  <a:pt x="6069" y="6873"/>
-                  <a:pt x="6069" y="6873"/>
-                </a:cubicBezTo>
-                <a:cubicBezTo>
-                  <a:pt x="4106" y="6873"/>
-                  <a:pt x="4106" y="6873"/>
-                  <a:pt x="4106" y="6873"/>
-                </a:cubicBezTo>
-                <a:cubicBezTo>
-                  <a:pt x="2321" y="11782"/>
-                  <a:pt x="2321" y="11782"/>
-                  <a:pt x="2321" y="11782"/>
-                </a:cubicBezTo>
-                <a:cubicBezTo>
-                  <a:pt x="6783" y="11782"/>
-                  <a:pt x="6783" y="11782"/>
-                  <a:pt x="6783" y="11782"/>
-                </a:cubicBezTo>
-                <a:cubicBezTo>
-                  <a:pt x="6783" y="14335"/>
-                  <a:pt x="8569" y="16298"/>
-                  <a:pt x="10711" y="16298"/>
-                </a:cubicBezTo>
-                <a:cubicBezTo>
-                  <a:pt x="13031" y="16298"/>
-                  <a:pt x="14817" y="14335"/>
-                  <a:pt x="14817" y="11782"/>
-                </a:cubicBezTo>
-                <a:cubicBezTo>
-                  <a:pt x="19279" y="11782"/>
-                  <a:pt x="19279" y="11782"/>
-                  <a:pt x="19279" y="11782"/>
-                </a:cubicBezTo>
-                <a:cubicBezTo>
-                  <a:pt x="17494" y="6873"/>
-                  <a:pt x="17494" y="6873"/>
-                  <a:pt x="17494" y="6873"/>
-                </a:cubicBezTo>
-                <a:cubicBezTo>
-                  <a:pt x="15531" y="6873"/>
-                  <a:pt x="15531" y="6873"/>
-                  <a:pt x="15531" y="6873"/>
-                </a:cubicBezTo>
-                <a:cubicBezTo>
-                  <a:pt x="15531" y="4909"/>
-                  <a:pt x="15531" y="4909"/>
-                  <a:pt x="15531" y="4909"/>
-                </a:cubicBezTo>
-                <a:cubicBezTo>
-                  <a:pt x="18744" y="4909"/>
-                  <a:pt x="18744" y="4909"/>
-                  <a:pt x="18744" y="4909"/>
-                </a:cubicBezTo>
-                <a:cubicBezTo>
-                  <a:pt x="21600" y="11782"/>
-                  <a:pt x="21600" y="11782"/>
-                  <a:pt x="21600" y="11782"/>
-                </a:cubicBezTo>
-                <a:cubicBezTo>
-                  <a:pt x="21600" y="21600"/>
-                  <a:pt x="21600" y="21600"/>
-                  <a:pt x="21600" y="21600"/>
-                </a:cubicBezTo>
-                <a:cubicBezTo>
-                  <a:pt x="0" y="21600"/>
-                  <a:pt x="0" y="21600"/>
-                  <a:pt x="0" y="21600"/>
-                </a:cubicBezTo>
-                <a:lnTo>
-                  <a:pt x="0" y="11782"/>
-                </a:lnTo>
-                <a:close/>
-                <a:moveTo>
-                  <a:pt x="0" y="11782"/>
-                </a:moveTo>
-                <a:cubicBezTo>
-                  <a:pt x="0" y="11782"/>
-                  <a:pt x="0" y="11782"/>
-                  <a:pt x="0" y="11782"/>
-                </a:cubicBezTo>
-              </a:path>
-            </a:pathLst>
-          </a:custGeom>
-          <a:solidFill>
-            <a:srgbClr val="404040"/>
-          </a:solidFill>
-          <a:ln w="12700">
-            <a:miter lim="400000"/>
-          </a:ln>
-        </p:spPr>
-        <p:txBody>
-          <a:bodyPr lIns="121919" tIns="121919" rIns="121919" bIns="121919"/>
-          <a:lstStyle/>
-          <a:p>
-            <a:endParaRPr/>
-          </a:p>
-        </p:txBody>
-      </p:sp>
-      <p:sp>
-        <p:nvSpPr>
-          <p:cNvPr id="65" name="Shape">
-            <a:extLst>
-              <a:ext uri="{FF2B5EF4-FFF2-40B4-BE49-F238E27FC236}">
-                <a16:creationId xmlns:a16="http://schemas.microsoft.com/office/drawing/2014/main" id="{42527BC8-1BFD-FEBB-D5C3-E9B5CBB94055}"/>
-              </a:ext>
-            </a:extLst>
-          </p:cNvPr>
-          <p:cNvSpPr/>
-          <p:nvPr/>
-        </p:nvSpPr>
-        <p:spPr>
-          <a:xfrm>
-            <a:off x="15026924" y="3340113"/>
-            <a:ext cx="1151345" cy="1042809"/>
-          </a:xfrm>
-          <a:custGeom>
-            <a:avLst/>
-            <a:gdLst/>
-            <a:ahLst/>
-            <a:cxnLst>
-              <a:cxn ang="0">
-                <a:pos x="wd2" y="hd2"/>
-              </a:cxn>
-              <a:cxn ang="5400000">
-                <a:pos x="wd2" y="hd2"/>
-              </a:cxn>
-              <a:cxn ang="10800000">
-                <a:pos x="wd2" y="hd2"/>
-              </a:cxn>
-              <a:cxn ang="16200000">
-                <a:pos x="wd2" y="hd2"/>
-              </a:cxn>
-            </a:cxnLst>
-            <a:rect l="0" t="0" r="r" b="b"/>
-            <a:pathLst>
-              <a:path w="21600" h="21600" extrusionOk="0">
-                <a:moveTo>
-                  <a:pt x="6565" y="17427"/>
-                </a:moveTo>
-                <a:cubicBezTo>
-                  <a:pt x="7624" y="17427"/>
-                  <a:pt x="8682" y="16200"/>
-                  <a:pt x="8682" y="14973"/>
-                </a:cubicBezTo>
-                <a:cubicBezTo>
-                  <a:pt x="8682" y="14236"/>
-                  <a:pt x="8471" y="13745"/>
-                  <a:pt x="8259" y="13255"/>
-                </a:cubicBezTo>
-                <a:cubicBezTo>
-                  <a:pt x="12071" y="7118"/>
-                  <a:pt x="12071" y="7118"/>
-                  <a:pt x="12071" y="7118"/>
-                </a:cubicBezTo>
-                <a:cubicBezTo>
-                  <a:pt x="12282" y="7364"/>
-                  <a:pt x="12706" y="7364"/>
-                  <a:pt x="12918" y="7364"/>
-                </a:cubicBezTo>
-                <a:cubicBezTo>
-                  <a:pt x="13553" y="7364"/>
-                  <a:pt x="13976" y="7118"/>
-                  <a:pt x="14400" y="6873"/>
-                </a:cubicBezTo>
-                <a:cubicBezTo>
-                  <a:pt x="17365" y="9573"/>
-                  <a:pt x="17365" y="9573"/>
-                  <a:pt x="17365" y="9573"/>
-                </a:cubicBezTo>
-                <a:cubicBezTo>
-                  <a:pt x="17365" y="9818"/>
-                  <a:pt x="17153" y="10309"/>
-                  <a:pt x="17153" y="10555"/>
-                </a:cubicBezTo>
-                <a:cubicBezTo>
-                  <a:pt x="17153" y="12027"/>
-                  <a:pt x="18212" y="13009"/>
-                  <a:pt x="19271" y="13009"/>
-                </a:cubicBezTo>
-                <a:cubicBezTo>
-                  <a:pt x="20541" y="13009"/>
-                  <a:pt x="21600" y="12027"/>
-                  <a:pt x="21600" y="10555"/>
-                </a:cubicBezTo>
-                <a:cubicBezTo>
-                  <a:pt x="21600" y="9082"/>
-                  <a:pt x="20541" y="8100"/>
-                  <a:pt x="19271" y="8100"/>
-                </a:cubicBezTo>
-                <a:cubicBezTo>
-                  <a:pt x="18847" y="8100"/>
-                  <a:pt x="18424" y="8345"/>
-                  <a:pt x="18000" y="8591"/>
-                </a:cubicBezTo>
-                <a:cubicBezTo>
-                  <a:pt x="14824" y="5891"/>
-                  <a:pt x="14824" y="5891"/>
-                  <a:pt x="14824" y="5891"/>
-                </a:cubicBezTo>
-                <a:cubicBezTo>
-                  <a:pt x="15035" y="5645"/>
-                  <a:pt x="15035" y="5155"/>
-                  <a:pt x="15035" y="4909"/>
-                </a:cubicBezTo>
-                <a:cubicBezTo>
-                  <a:pt x="15035" y="3436"/>
-                  <a:pt x="14188" y="2455"/>
-                  <a:pt x="12918" y="2455"/>
-                </a:cubicBezTo>
-                <a:cubicBezTo>
-                  <a:pt x="11859" y="2455"/>
-                  <a:pt x="10800" y="3436"/>
-                  <a:pt x="10800" y="4909"/>
-                </a:cubicBezTo>
-                <a:cubicBezTo>
-                  <a:pt x="10800" y="5400"/>
-                  <a:pt x="11012" y="6136"/>
-                  <a:pt x="11224" y="6382"/>
-                </a:cubicBezTo>
-                <a:cubicBezTo>
-                  <a:pt x="7412" y="12518"/>
-                  <a:pt x="7412" y="12518"/>
-                  <a:pt x="7412" y="12518"/>
-                </a:cubicBezTo>
-                <a:cubicBezTo>
-                  <a:pt x="7200" y="12518"/>
-                  <a:pt x="6776" y="12518"/>
-                  <a:pt x="6565" y="12518"/>
-                </a:cubicBezTo>
-                <a:cubicBezTo>
-                  <a:pt x="5294" y="12518"/>
-                  <a:pt x="4447" y="13500"/>
-                  <a:pt x="4447" y="14973"/>
-                </a:cubicBezTo>
-                <a:cubicBezTo>
-                  <a:pt x="4447" y="16200"/>
-                  <a:pt x="5294" y="17427"/>
-                  <a:pt x="6565" y="17427"/>
-                </a:cubicBezTo>
-                <a:close/>
-                <a:moveTo>
-                  <a:pt x="20541" y="10555"/>
-                </a:moveTo>
-                <a:cubicBezTo>
-                  <a:pt x="20541" y="11291"/>
-                  <a:pt x="19906" y="12027"/>
-                  <a:pt x="19271" y="12027"/>
-                </a:cubicBezTo>
-                <a:cubicBezTo>
-                  <a:pt x="18635" y="12027"/>
-                  <a:pt x="18212" y="11291"/>
-                  <a:pt x="18212" y="10555"/>
-                </a:cubicBezTo>
-                <a:cubicBezTo>
-                  <a:pt x="18212" y="9818"/>
-                  <a:pt x="18635" y="9327"/>
-                  <a:pt x="19271" y="9327"/>
-                </a:cubicBezTo>
-                <a:cubicBezTo>
-                  <a:pt x="19906" y="9327"/>
-                  <a:pt x="20541" y="9818"/>
-                  <a:pt x="20541" y="10555"/>
-                </a:cubicBezTo>
-                <a:close/>
-                <a:moveTo>
-                  <a:pt x="12918" y="3682"/>
-                </a:moveTo>
-                <a:cubicBezTo>
-                  <a:pt x="13553" y="3682"/>
-                  <a:pt x="14188" y="4173"/>
-                  <a:pt x="14188" y="4909"/>
-                </a:cubicBezTo>
-                <a:cubicBezTo>
-                  <a:pt x="14188" y="5645"/>
-                  <a:pt x="13553" y="6382"/>
-                  <a:pt x="12918" y="6382"/>
-                </a:cubicBezTo>
-                <a:cubicBezTo>
-                  <a:pt x="12282" y="6382"/>
-                  <a:pt x="11859" y="5645"/>
-                  <a:pt x="11859" y="4909"/>
-                </a:cubicBezTo>
-                <a:cubicBezTo>
-                  <a:pt x="11859" y="4173"/>
-                  <a:pt x="12282" y="3682"/>
-                  <a:pt x="12918" y="3682"/>
-                </a:cubicBezTo>
-                <a:close/>
-                <a:moveTo>
-                  <a:pt x="6565" y="13500"/>
-                </a:moveTo>
-                <a:cubicBezTo>
-                  <a:pt x="7200" y="13500"/>
-                  <a:pt x="7624" y="14236"/>
-                  <a:pt x="7624" y="14973"/>
-                </a:cubicBezTo>
-                <a:cubicBezTo>
-                  <a:pt x="7624" y="15709"/>
-                  <a:pt x="7200" y="16200"/>
-                  <a:pt x="6565" y="16200"/>
-                </a:cubicBezTo>
-                <a:cubicBezTo>
-                  <a:pt x="5929" y="16200"/>
-                  <a:pt x="5294" y="15709"/>
-                  <a:pt x="5294" y="14973"/>
-                </a:cubicBezTo>
-                <a:cubicBezTo>
-                  <a:pt x="5294" y="14236"/>
-                  <a:pt x="5929" y="13500"/>
-                  <a:pt x="6565" y="13500"/>
-                </a:cubicBezTo>
-                <a:close/>
-                <a:moveTo>
-                  <a:pt x="21600" y="21109"/>
-                </a:moveTo>
-                <a:cubicBezTo>
-                  <a:pt x="21600" y="21355"/>
-                  <a:pt x="21388" y="21600"/>
-                  <a:pt x="21176" y="21600"/>
-                </a:cubicBezTo>
-                <a:cubicBezTo>
-                  <a:pt x="2965" y="21600"/>
-                  <a:pt x="2965" y="21600"/>
-                  <a:pt x="2965" y="21600"/>
-                </a:cubicBezTo>
-                <a:cubicBezTo>
-                  <a:pt x="2753" y="21600"/>
-                  <a:pt x="2329" y="21600"/>
-                  <a:pt x="2118" y="21109"/>
-                </a:cubicBezTo>
-                <a:cubicBezTo>
-                  <a:pt x="1694" y="20864"/>
-                  <a:pt x="1482" y="20373"/>
-                  <a:pt x="1482" y="19882"/>
-                </a:cubicBezTo>
-                <a:cubicBezTo>
-                  <a:pt x="1482" y="18900"/>
-                  <a:pt x="1482" y="18900"/>
-                  <a:pt x="1482" y="18900"/>
-                </a:cubicBezTo>
-                <a:cubicBezTo>
-                  <a:pt x="635" y="18900"/>
-                  <a:pt x="635" y="18900"/>
-                  <a:pt x="635" y="18900"/>
-                </a:cubicBezTo>
-                <a:cubicBezTo>
-                  <a:pt x="212" y="18900"/>
-                  <a:pt x="0" y="18655"/>
-                  <a:pt x="0" y="18409"/>
-                </a:cubicBezTo>
-                <a:cubicBezTo>
-                  <a:pt x="0" y="18164"/>
-                  <a:pt x="212" y="17918"/>
-                  <a:pt x="635" y="17918"/>
-                </a:cubicBezTo>
-                <a:cubicBezTo>
-                  <a:pt x="1482" y="17918"/>
-                  <a:pt x="1482" y="17918"/>
-                  <a:pt x="1482" y="17918"/>
-                </a:cubicBezTo>
-                <a:cubicBezTo>
-                  <a:pt x="1482" y="15464"/>
-                  <a:pt x="1482" y="15464"/>
-                  <a:pt x="1482" y="15464"/>
-                </a:cubicBezTo>
-                <a:cubicBezTo>
-                  <a:pt x="635" y="15464"/>
-                  <a:pt x="635" y="15464"/>
-                  <a:pt x="635" y="15464"/>
-                </a:cubicBezTo>
-                <a:cubicBezTo>
-                  <a:pt x="212" y="15464"/>
-                  <a:pt x="0" y="15218"/>
-                  <a:pt x="0" y="14727"/>
-                </a:cubicBezTo>
-                <a:cubicBezTo>
-                  <a:pt x="0" y="14482"/>
-                  <a:pt x="212" y="14236"/>
-                  <a:pt x="635" y="14236"/>
-                </a:cubicBezTo>
-                <a:cubicBezTo>
-                  <a:pt x="1482" y="14236"/>
-                  <a:pt x="1482" y="14236"/>
-                  <a:pt x="1482" y="14236"/>
-                </a:cubicBezTo>
-                <a:cubicBezTo>
-                  <a:pt x="1482" y="11782"/>
-                  <a:pt x="1482" y="11782"/>
-                  <a:pt x="1482" y="11782"/>
-                </a:cubicBezTo>
-                <a:cubicBezTo>
-                  <a:pt x="635" y="11782"/>
-                  <a:pt x="635" y="11782"/>
-                  <a:pt x="635" y="11782"/>
-                </a:cubicBezTo>
-                <a:cubicBezTo>
-                  <a:pt x="212" y="11782"/>
-                  <a:pt x="0" y="11536"/>
-                  <a:pt x="0" y="11291"/>
-                </a:cubicBezTo>
-                <a:cubicBezTo>
-                  <a:pt x="0" y="11045"/>
-                  <a:pt x="212" y="10800"/>
-                  <a:pt x="635" y="10800"/>
-                </a:cubicBezTo>
-                <a:cubicBezTo>
-                  <a:pt x="1482" y="10800"/>
-                  <a:pt x="1482" y="10800"/>
-                  <a:pt x="1482" y="10800"/>
-                </a:cubicBezTo>
-                <a:cubicBezTo>
-                  <a:pt x="1482" y="8345"/>
-                  <a:pt x="1482" y="8345"/>
-                  <a:pt x="1482" y="8345"/>
-                </a:cubicBezTo>
-                <a:cubicBezTo>
-                  <a:pt x="635" y="8345"/>
-                  <a:pt x="635" y="8345"/>
-                  <a:pt x="635" y="8345"/>
-                </a:cubicBezTo>
-                <a:cubicBezTo>
-                  <a:pt x="212" y="8345"/>
-                  <a:pt x="0" y="8100"/>
-                  <a:pt x="0" y="7855"/>
-                </a:cubicBezTo>
-                <a:cubicBezTo>
-                  <a:pt x="0" y="7364"/>
-                  <a:pt x="212" y="7118"/>
-                  <a:pt x="635" y="7118"/>
-                </a:cubicBezTo>
-                <a:cubicBezTo>
-                  <a:pt x="1482" y="7118"/>
-                  <a:pt x="1482" y="7118"/>
-                  <a:pt x="1482" y="7118"/>
-                </a:cubicBezTo>
-                <a:cubicBezTo>
-                  <a:pt x="1482" y="4664"/>
-                  <a:pt x="1482" y="4664"/>
-                  <a:pt x="1482" y="4664"/>
-                </a:cubicBezTo>
-                <a:cubicBezTo>
-                  <a:pt x="635" y="4664"/>
-                  <a:pt x="635" y="4664"/>
-                  <a:pt x="635" y="4664"/>
-                </a:cubicBezTo>
-                <a:cubicBezTo>
-                  <a:pt x="212" y="4664"/>
-                  <a:pt x="0" y="4418"/>
-                  <a:pt x="0" y="4173"/>
-                </a:cubicBezTo>
-                <a:cubicBezTo>
-                  <a:pt x="0" y="3927"/>
-                  <a:pt x="212" y="3682"/>
-                  <a:pt x="635" y="3682"/>
-                </a:cubicBezTo>
-                <a:cubicBezTo>
-                  <a:pt x="1482" y="3682"/>
-                  <a:pt x="1482" y="3682"/>
-                  <a:pt x="1482" y="3682"/>
-                </a:cubicBezTo>
-                <a:cubicBezTo>
-                  <a:pt x="1482" y="982"/>
-                  <a:pt x="1482" y="982"/>
-                  <a:pt x="1482" y="982"/>
-                </a:cubicBezTo>
-                <a:cubicBezTo>
-                  <a:pt x="635" y="982"/>
-                  <a:pt x="635" y="982"/>
-                  <a:pt x="635" y="982"/>
-                </a:cubicBezTo>
-                <a:cubicBezTo>
-                  <a:pt x="212" y="982"/>
-                  <a:pt x="0" y="736"/>
-                  <a:pt x="0" y="491"/>
-                </a:cubicBezTo>
-                <a:cubicBezTo>
-                  <a:pt x="0" y="245"/>
-                  <a:pt x="212" y="0"/>
-                  <a:pt x="635" y="0"/>
-                </a:cubicBezTo>
-                <a:cubicBezTo>
-                  <a:pt x="2118" y="0"/>
-                  <a:pt x="2118" y="0"/>
-                  <a:pt x="2118" y="0"/>
-                </a:cubicBezTo>
-                <a:cubicBezTo>
-                  <a:pt x="2329" y="0"/>
-                  <a:pt x="2541" y="245"/>
-                  <a:pt x="2541" y="491"/>
-                </a:cubicBezTo>
-                <a:cubicBezTo>
-                  <a:pt x="2541" y="19882"/>
-                  <a:pt x="2541" y="19882"/>
-                  <a:pt x="2541" y="19882"/>
-                </a:cubicBezTo>
-                <a:cubicBezTo>
-                  <a:pt x="2541" y="20127"/>
-                  <a:pt x="2541" y="20373"/>
-                  <a:pt x="2753" y="20373"/>
-                </a:cubicBezTo>
-                <a:cubicBezTo>
-                  <a:pt x="2753" y="20618"/>
-                  <a:pt x="2965" y="20618"/>
-                  <a:pt x="2965" y="20618"/>
-                </a:cubicBezTo>
-                <a:cubicBezTo>
-                  <a:pt x="21176" y="20618"/>
-                  <a:pt x="21176" y="20618"/>
-                  <a:pt x="21176" y="20618"/>
-                </a:cubicBezTo>
-                <a:cubicBezTo>
-                  <a:pt x="21388" y="20618"/>
-                  <a:pt x="21600" y="20864"/>
-                  <a:pt x="21600" y="21109"/>
-                </a:cubicBezTo>
-                <a:close/>
-                <a:moveTo>
-                  <a:pt x="21600" y="21109"/>
-                </a:moveTo>
-                <a:cubicBezTo>
-                  <a:pt x="21600" y="21109"/>
-                  <a:pt x="21600" y="21109"/>
-                  <a:pt x="21600" y="21109"/>
-                </a:cubicBezTo>
-              </a:path>
-            </a:pathLst>
-          </a:custGeom>
-          <a:solidFill>
-            <a:srgbClr val="404040"/>
-          </a:solidFill>
-          <a:ln w="12700">
-            <a:miter lim="400000"/>
-          </a:ln>
-        </p:spPr>
-        <p:txBody>
-          <a:bodyPr lIns="121919" tIns="121919" rIns="121919" bIns="121919"/>
-          <a:lstStyle/>
-          <a:p>
-            <a:endParaRPr/>
-          </a:p>
-        </p:txBody>
-      </p:sp>
-      <p:sp>
-        <p:nvSpPr>
-          <p:cNvPr id="66" name="Shape">
-            <a:extLst>
-              <a:ext uri="{FF2B5EF4-FFF2-40B4-BE49-F238E27FC236}">
-                <a16:creationId xmlns:a16="http://schemas.microsoft.com/office/drawing/2014/main" id="{DC73BB0C-5FB7-AC28-3183-0A8B15B64A2B}"/>
-              </a:ext>
-            </a:extLst>
-          </p:cNvPr>
-          <p:cNvSpPr>
-            <a:spLocks noChangeAspect="1"/>
-          </p:cNvSpPr>
-          <p:nvPr/>
-        </p:nvSpPr>
-        <p:spPr>
-          <a:xfrm>
-            <a:off x="10706293" y="3261300"/>
-            <a:ext cx="1257107" cy="1044000"/>
-          </a:xfrm>
-          <a:custGeom>
-            <a:avLst/>
-            <a:gdLst/>
-            <a:ahLst/>
-            <a:cxnLst>
-              <a:cxn ang="0">
-                <a:pos x="wd2" y="hd2"/>
-              </a:cxn>
-              <a:cxn ang="5400000">
-                <a:pos x="wd2" y="hd2"/>
-              </a:cxn>
-              <a:cxn ang="10800000">
-                <a:pos x="wd2" y="hd2"/>
-              </a:cxn>
-              <a:cxn ang="16200000">
-                <a:pos x="wd2" y="hd2"/>
-              </a:cxn>
-            </a:cxnLst>
-            <a:rect l="0" t="0" r="r" b="b"/>
-            <a:pathLst>
-              <a:path w="21600" h="21600" extrusionOk="0">
-                <a:moveTo>
-                  <a:pt x="21270" y="19224"/>
-                </a:moveTo>
-                <a:cubicBezTo>
-                  <a:pt x="20116" y="19224"/>
-                  <a:pt x="20116" y="19224"/>
-                  <a:pt x="20116" y="19224"/>
-                </a:cubicBezTo>
-                <a:cubicBezTo>
-                  <a:pt x="20116" y="5400"/>
-                  <a:pt x="20116" y="5400"/>
-                  <a:pt x="20116" y="5400"/>
-                </a:cubicBezTo>
-                <a:cubicBezTo>
-                  <a:pt x="20116" y="4752"/>
-                  <a:pt x="19621" y="4320"/>
-                  <a:pt x="19292" y="4320"/>
-                </a:cubicBezTo>
-                <a:cubicBezTo>
-                  <a:pt x="18302" y="4320"/>
-                  <a:pt x="18302" y="4320"/>
-                  <a:pt x="18302" y="4320"/>
-                </a:cubicBezTo>
-                <a:cubicBezTo>
-                  <a:pt x="17808" y="6048"/>
-                  <a:pt x="17808" y="6048"/>
-                  <a:pt x="17808" y="6048"/>
-                </a:cubicBezTo>
-                <a:cubicBezTo>
-                  <a:pt x="18632" y="6048"/>
-                  <a:pt x="18632" y="6048"/>
-                  <a:pt x="18632" y="6048"/>
-                </a:cubicBezTo>
-                <a:cubicBezTo>
-                  <a:pt x="18632" y="18360"/>
-                  <a:pt x="18632" y="18360"/>
-                  <a:pt x="18632" y="18360"/>
-                </a:cubicBezTo>
-                <a:cubicBezTo>
-                  <a:pt x="2968" y="18360"/>
-                  <a:pt x="2968" y="18360"/>
-                  <a:pt x="2968" y="18360"/>
-                </a:cubicBezTo>
-                <a:cubicBezTo>
-                  <a:pt x="2968" y="6048"/>
-                  <a:pt x="2968" y="6048"/>
-                  <a:pt x="2968" y="6048"/>
-                </a:cubicBezTo>
-                <a:cubicBezTo>
-                  <a:pt x="5111" y="6048"/>
-                  <a:pt x="5111" y="6048"/>
-                  <a:pt x="5111" y="6048"/>
-                </a:cubicBezTo>
-                <a:cubicBezTo>
-                  <a:pt x="6760" y="4320"/>
-                  <a:pt x="6760" y="4320"/>
-                  <a:pt x="6760" y="4320"/>
-                </a:cubicBezTo>
-                <a:cubicBezTo>
-                  <a:pt x="2473" y="4320"/>
-                  <a:pt x="2473" y="4320"/>
-                  <a:pt x="2473" y="4320"/>
-                </a:cubicBezTo>
-                <a:cubicBezTo>
-                  <a:pt x="1979" y="4320"/>
-                  <a:pt x="1649" y="4752"/>
-                  <a:pt x="1649" y="5400"/>
-                </a:cubicBezTo>
-                <a:cubicBezTo>
-                  <a:pt x="1649" y="19224"/>
-                  <a:pt x="1649" y="19224"/>
-                  <a:pt x="1649" y="19224"/>
-                </a:cubicBezTo>
-                <a:cubicBezTo>
-                  <a:pt x="495" y="19224"/>
-                  <a:pt x="495" y="19224"/>
-                  <a:pt x="495" y="19224"/>
-                </a:cubicBezTo>
-                <a:cubicBezTo>
-                  <a:pt x="165" y="19224"/>
-                  <a:pt x="0" y="19440"/>
-                  <a:pt x="0" y="19656"/>
-                </a:cubicBezTo>
-                <a:cubicBezTo>
-                  <a:pt x="0" y="20736"/>
-                  <a:pt x="824" y="21600"/>
-                  <a:pt x="1649" y="21600"/>
-                </a:cubicBezTo>
-                <a:cubicBezTo>
-                  <a:pt x="14510" y="21600"/>
-                  <a:pt x="14510" y="21600"/>
-                  <a:pt x="14510" y="21600"/>
-                </a:cubicBezTo>
-                <a:cubicBezTo>
-                  <a:pt x="14510" y="20736"/>
-                  <a:pt x="14510" y="20736"/>
-                  <a:pt x="14510" y="20736"/>
-                </a:cubicBezTo>
-                <a:cubicBezTo>
-                  <a:pt x="14510" y="20520"/>
-                  <a:pt x="14675" y="20304"/>
-                  <a:pt x="15005" y="20304"/>
-                </a:cubicBezTo>
-                <a:cubicBezTo>
-                  <a:pt x="15169" y="20304"/>
-                  <a:pt x="15499" y="20520"/>
-                  <a:pt x="15499" y="20736"/>
-                </a:cubicBezTo>
-                <a:cubicBezTo>
-                  <a:pt x="15499" y="21600"/>
-                  <a:pt x="15499" y="21600"/>
-                  <a:pt x="15499" y="21600"/>
-                </a:cubicBezTo>
-                <a:cubicBezTo>
-                  <a:pt x="16159" y="21600"/>
-                  <a:pt x="16159" y="21600"/>
-                  <a:pt x="16159" y="21600"/>
-                </a:cubicBezTo>
-                <a:cubicBezTo>
-                  <a:pt x="16159" y="20736"/>
-                  <a:pt x="16159" y="20736"/>
-                  <a:pt x="16159" y="20736"/>
-                </a:cubicBezTo>
-                <a:cubicBezTo>
-                  <a:pt x="16159" y="20520"/>
-                  <a:pt x="16324" y="20304"/>
-                  <a:pt x="16653" y="20304"/>
-                </a:cubicBezTo>
-                <a:cubicBezTo>
-                  <a:pt x="16818" y="20304"/>
-                  <a:pt x="16983" y="20520"/>
-                  <a:pt x="16983" y="20736"/>
-                </a:cubicBezTo>
-                <a:cubicBezTo>
-                  <a:pt x="16983" y="21600"/>
-                  <a:pt x="16983" y="21600"/>
-                  <a:pt x="16983" y="21600"/>
-                </a:cubicBezTo>
-                <a:cubicBezTo>
-                  <a:pt x="19951" y="21600"/>
-                  <a:pt x="19951" y="21600"/>
-                  <a:pt x="19951" y="21600"/>
-                </a:cubicBezTo>
-                <a:cubicBezTo>
-                  <a:pt x="20776" y="21600"/>
-                  <a:pt x="21600" y="20736"/>
-                  <a:pt x="21600" y="19656"/>
-                </a:cubicBezTo>
-                <a:cubicBezTo>
-                  <a:pt x="21600" y="19440"/>
-                  <a:pt x="21435" y="19224"/>
-                  <a:pt x="21270" y="19224"/>
-                </a:cubicBezTo>
-                <a:close/>
-                <a:moveTo>
-                  <a:pt x="5111" y="8424"/>
-                </a:moveTo>
-                <a:cubicBezTo>
-                  <a:pt x="7915" y="5832"/>
-                  <a:pt x="7915" y="5832"/>
-                  <a:pt x="7915" y="5832"/>
-                </a:cubicBezTo>
-                <a:cubicBezTo>
-                  <a:pt x="9728" y="8856"/>
-                  <a:pt x="9728" y="8856"/>
-                  <a:pt x="9728" y="8856"/>
-                </a:cubicBezTo>
-                <a:cubicBezTo>
-                  <a:pt x="10058" y="9288"/>
-                  <a:pt x="10058" y="9288"/>
-                  <a:pt x="10058" y="9288"/>
-                </a:cubicBezTo>
-                <a:cubicBezTo>
-                  <a:pt x="10388" y="8856"/>
-                  <a:pt x="10388" y="8856"/>
-                  <a:pt x="10388" y="8856"/>
-                </a:cubicBezTo>
-                <a:cubicBezTo>
-                  <a:pt x="15499" y="4320"/>
-                  <a:pt x="15499" y="4320"/>
-                  <a:pt x="15499" y="4320"/>
-                </a:cubicBezTo>
-                <a:cubicBezTo>
-                  <a:pt x="16324" y="5616"/>
-                  <a:pt x="16324" y="5616"/>
-                  <a:pt x="16324" y="5616"/>
-                </a:cubicBezTo>
-                <a:cubicBezTo>
-                  <a:pt x="16489" y="5616"/>
-                  <a:pt x="16489" y="5832"/>
-                  <a:pt x="16489" y="5832"/>
-                </a:cubicBezTo>
-                <a:cubicBezTo>
-                  <a:pt x="16489" y="5832"/>
-                  <a:pt x="16489" y="5832"/>
-                  <a:pt x="16653" y="5616"/>
-                </a:cubicBezTo>
-                <a:cubicBezTo>
-                  <a:pt x="16653" y="5616"/>
-                  <a:pt x="16653" y="5616"/>
-                  <a:pt x="16653" y="5616"/>
-                </a:cubicBezTo>
-                <a:cubicBezTo>
-                  <a:pt x="18302" y="216"/>
-                  <a:pt x="18302" y="216"/>
-                  <a:pt x="18302" y="216"/>
-                </a:cubicBezTo>
-                <a:cubicBezTo>
-                  <a:pt x="18467" y="216"/>
-                  <a:pt x="18467" y="216"/>
-                  <a:pt x="18302" y="0"/>
-                </a:cubicBezTo>
-                <a:cubicBezTo>
-                  <a:pt x="18302" y="0"/>
-                  <a:pt x="18302" y="0"/>
-                  <a:pt x="18137" y="0"/>
-                </a:cubicBezTo>
-                <a:cubicBezTo>
-                  <a:pt x="18137" y="0"/>
-                  <a:pt x="18137" y="0"/>
-                  <a:pt x="18137" y="0"/>
-                </a:cubicBezTo>
-                <a:cubicBezTo>
-                  <a:pt x="13850" y="1080"/>
-                  <a:pt x="13850" y="1080"/>
-                  <a:pt x="13850" y="1080"/>
-                </a:cubicBezTo>
-                <a:cubicBezTo>
-                  <a:pt x="13850" y="1080"/>
-                  <a:pt x="13850" y="1080"/>
-                  <a:pt x="13685" y="1296"/>
-                </a:cubicBezTo>
-                <a:cubicBezTo>
-                  <a:pt x="13685" y="1296"/>
-                  <a:pt x="13685" y="1512"/>
-                  <a:pt x="13850" y="1512"/>
-                </a:cubicBezTo>
-                <a:cubicBezTo>
-                  <a:pt x="14510" y="2808"/>
-                  <a:pt x="14510" y="2808"/>
-                  <a:pt x="14510" y="2808"/>
-                </a:cubicBezTo>
-                <a:cubicBezTo>
-                  <a:pt x="10058" y="7776"/>
-                  <a:pt x="10058" y="7776"/>
-                  <a:pt x="10058" y="7776"/>
-                </a:cubicBezTo>
-                <a:cubicBezTo>
-                  <a:pt x="8079" y="5184"/>
-                  <a:pt x="8079" y="5184"/>
-                  <a:pt x="8079" y="5184"/>
-                </a:cubicBezTo>
-                <a:cubicBezTo>
-                  <a:pt x="7915" y="4968"/>
-                  <a:pt x="7915" y="4968"/>
-                  <a:pt x="7915" y="4968"/>
-                </a:cubicBezTo>
-                <a:cubicBezTo>
-                  <a:pt x="7750" y="4968"/>
-                  <a:pt x="7750" y="4968"/>
-                  <a:pt x="7750" y="4968"/>
-                </a:cubicBezTo>
-                <a:cubicBezTo>
-                  <a:pt x="4947" y="7992"/>
-                  <a:pt x="4947" y="7992"/>
-                  <a:pt x="4947" y="7992"/>
-                </a:cubicBezTo>
-                <a:cubicBezTo>
-                  <a:pt x="4947" y="8208"/>
-                  <a:pt x="5111" y="8208"/>
-                  <a:pt x="5111" y="8424"/>
-                </a:cubicBezTo>
-                <a:close/>
-                <a:moveTo>
-                  <a:pt x="11212" y="14688"/>
-                </a:moveTo>
-                <a:cubicBezTo>
-                  <a:pt x="11212" y="16632"/>
-                  <a:pt x="11212" y="16632"/>
-                  <a:pt x="11212" y="16632"/>
-                </a:cubicBezTo>
-                <a:cubicBezTo>
-                  <a:pt x="11212" y="16848"/>
-                  <a:pt x="11377" y="17064"/>
-                  <a:pt x="11707" y="17064"/>
-                </a:cubicBezTo>
-                <a:cubicBezTo>
-                  <a:pt x="11872" y="17064"/>
-                  <a:pt x="12037" y="16848"/>
-                  <a:pt x="12037" y="16632"/>
-                </a:cubicBezTo>
-                <a:cubicBezTo>
-                  <a:pt x="12037" y="14688"/>
-                  <a:pt x="12037" y="14688"/>
-                  <a:pt x="12037" y="14688"/>
-                </a:cubicBezTo>
-                <a:cubicBezTo>
-                  <a:pt x="12037" y="14256"/>
-                  <a:pt x="11872" y="14040"/>
-                  <a:pt x="11707" y="14040"/>
-                </a:cubicBezTo>
-                <a:cubicBezTo>
-                  <a:pt x="11377" y="14040"/>
-                  <a:pt x="11212" y="14256"/>
-                  <a:pt x="11212" y="14688"/>
-                </a:cubicBezTo>
-                <a:close/>
-                <a:moveTo>
-                  <a:pt x="10058" y="11664"/>
-                </a:moveTo>
-                <a:cubicBezTo>
-                  <a:pt x="9728" y="11664"/>
-                  <a:pt x="9563" y="11880"/>
-                  <a:pt x="9563" y="12312"/>
-                </a:cubicBezTo>
-                <a:cubicBezTo>
-                  <a:pt x="9563" y="16632"/>
-                  <a:pt x="9563" y="16632"/>
-                  <a:pt x="9563" y="16632"/>
-                </a:cubicBezTo>
-                <a:cubicBezTo>
-                  <a:pt x="9563" y="16848"/>
-                  <a:pt x="9728" y="17064"/>
-                  <a:pt x="10058" y="17064"/>
-                </a:cubicBezTo>
-                <a:cubicBezTo>
-                  <a:pt x="10223" y="17064"/>
-                  <a:pt x="10388" y="16848"/>
-                  <a:pt x="10388" y="16632"/>
-                </a:cubicBezTo>
-                <a:cubicBezTo>
-                  <a:pt x="10388" y="12312"/>
-                  <a:pt x="10388" y="12312"/>
-                  <a:pt x="10388" y="12312"/>
-                </a:cubicBezTo>
-                <a:cubicBezTo>
-                  <a:pt x="10388" y="11880"/>
-                  <a:pt x="10223" y="11664"/>
-                  <a:pt x="10058" y="11664"/>
-                </a:cubicBezTo>
-                <a:close/>
-                <a:moveTo>
-                  <a:pt x="7915" y="14688"/>
-                </a:moveTo>
-                <a:cubicBezTo>
-                  <a:pt x="7915" y="16632"/>
-                  <a:pt x="7915" y="16632"/>
-                  <a:pt x="7915" y="16632"/>
-                </a:cubicBezTo>
-                <a:cubicBezTo>
-                  <a:pt x="7915" y="16848"/>
-                  <a:pt x="8079" y="17064"/>
-                  <a:pt x="8409" y="17064"/>
-                </a:cubicBezTo>
-                <a:cubicBezTo>
-                  <a:pt x="8574" y="17064"/>
-                  <a:pt x="8739" y="16848"/>
-                  <a:pt x="8739" y="16632"/>
-                </a:cubicBezTo>
-                <a:cubicBezTo>
-                  <a:pt x="8739" y="14688"/>
-                  <a:pt x="8739" y="14688"/>
-                  <a:pt x="8739" y="14688"/>
-                </a:cubicBezTo>
-                <a:cubicBezTo>
-                  <a:pt x="8739" y="14256"/>
-                  <a:pt x="8574" y="14040"/>
-                  <a:pt x="8409" y="14040"/>
-                </a:cubicBezTo>
-                <a:cubicBezTo>
-                  <a:pt x="8079" y="14040"/>
-                  <a:pt x="7915" y="14256"/>
-                  <a:pt x="7915" y="14688"/>
-                </a:cubicBezTo>
-                <a:close/>
-                <a:moveTo>
-                  <a:pt x="6266" y="12312"/>
-                </a:moveTo>
-                <a:cubicBezTo>
-                  <a:pt x="6266" y="16632"/>
-                  <a:pt x="6266" y="16632"/>
-                  <a:pt x="6266" y="16632"/>
-                </a:cubicBezTo>
-                <a:cubicBezTo>
-                  <a:pt x="6266" y="16848"/>
-                  <a:pt x="6431" y="17064"/>
-                  <a:pt x="6760" y="17064"/>
-                </a:cubicBezTo>
-                <a:cubicBezTo>
-                  <a:pt x="6925" y="17064"/>
-                  <a:pt x="7090" y="16848"/>
-                  <a:pt x="7090" y="16632"/>
-                </a:cubicBezTo>
-                <a:cubicBezTo>
-                  <a:pt x="7090" y="12312"/>
-                  <a:pt x="7090" y="12312"/>
-                  <a:pt x="7090" y="12312"/>
-                </a:cubicBezTo>
-                <a:cubicBezTo>
-                  <a:pt x="7090" y="11880"/>
-                  <a:pt x="6925" y="11664"/>
-                  <a:pt x="6760" y="11664"/>
-                </a:cubicBezTo>
-                <a:cubicBezTo>
-                  <a:pt x="6431" y="11664"/>
-                  <a:pt x="6266" y="11880"/>
-                  <a:pt x="6266" y="12312"/>
-                </a:cubicBezTo>
-                <a:close/>
-                <a:moveTo>
-                  <a:pt x="4947" y="10152"/>
-                </a:moveTo>
-                <a:cubicBezTo>
-                  <a:pt x="4947" y="10152"/>
-                  <a:pt x="4947" y="10368"/>
-                  <a:pt x="4782" y="10368"/>
-                </a:cubicBezTo>
-                <a:cubicBezTo>
-                  <a:pt x="4782" y="10368"/>
-                  <a:pt x="4617" y="10584"/>
-                  <a:pt x="4617" y="10800"/>
-                </a:cubicBezTo>
-                <a:cubicBezTo>
-                  <a:pt x="4617" y="16632"/>
-                  <a:pt x="4617" y="16632"/>
-                  <a:pt x="4617" y="16632"/>
-                </a:cubicBezTo>
-                <a:cubicBezTo>
-                  <a:pt x="4617" y="16848"/>
-                  <a:pt x="4782" y="17064"/>
-                  <a:pt x="5111" y="17064"/>
-                </a:cubicBezTo>
-                <a:cubicBezTo>
-                  <a:pt x="5276" y="17064"/>
-                  <a:pt x="5606" y="16848"/>
-                  <a:pt x="5606" y="16632"/>
-                </a:cubicBezTo>
-                <a:cubicBezTo>
-                  <a:pt x="5606" y="10800"/>
-                  <a:pt x="5606" y="10800"/>
-                  <a:pt x="5606" y="10800"/>
-                </a:cubicBezTo>
-                <a:cubicBezTo>
-                  <a:pt x="5606" y="10584"/>
-                  <a:pt x="5276" y="10152"/>
-                  <a:pt x="5111" y="10152"/>
-                </a:cubicBezTo>
-                <a:cubicBezTo>
-                  <a:pt x="5111" y="10152"/>
-                  <a:pt x="4947" y="10152"/>
-                  <a:pt x="4947" y="10152"/>
-                </a:cubicBezTo>
-                <a:close/>
-                <a:moveTo>
-                  <a:pt x="17148" y="13176"/>
-                </a:moveTo>
-                <a:cubicBezTo>
-                  <a:pt x="15169" y="13176"/>
-                  <a:pt x="15169" y="13176"/>
-                  <a:pt x="15169" y="13176"/>
-                </a:cubicBezTo>
-                <a:cubicBezTo>
-                  <a:pt x="15005" y="13176"/>
-                  <a:pt x="14840" y="13392"/>
-                  <a:pt x="14840" y="13608"/>
-                </a:cubicBezTo>
-                <a:cubicBezTo>
-                  <a:pt x="14840" y="14040"/>
-                  <a:pt x="15005" y="14256"/>
-                  <a:pt x="15169" y="14256"/>
-                </a:cubicBezTo>
-                <a:cubicBezTo>
-                  <a:pt x="17148" y="14256"/>
-                  <a:pt x="17148" y="14256"/>
-                  <a:pt x="17148" y="14256"/>
-                </a:cubicBezTo>
-                <a:cubicBezTo>
-                  <a:pt x="17478" y="14256"/>
-                  <a:pt x="17643" y="14040"/>
-                  <a:pt x="17643" y="13608"/>
-                </a:cubicBezTo>
-                <a:cubicBezTo>
-                  <a:pt x="17643" y="13392"/>
-                  <a:pt x="17478" y="13176"/>
-                  <a:pt x="17148" y="13176"/>
-                </a:cubicBezTo>
-                <a:close/>
-                <a:moveTo>
-                  <a:pt x="17148" y="15552"/>
-                </a:moveTo>
-                <a:cubicBezTo>
-                  <a:pt x="15169" y="15552"/>
-                  <a:pt x="15169" y="15552"/>
-                  <a:pt x="15169" y="15552"/>
-                </a:cubicBezTo>
-                <a:cubicBezTo>
-                  <a:pt x="15005" y="15552"/>
-                  <a:pt x="14840" y="15768"/>
-                  <a:pt x="14840" y="16200"/>
-                </a:cubicBezTo>
-                <a:cubicBezTo>
-                  <a:pt x="14840" y="16416"/>
-                  <a:pt x="15005" y="16848"/>
-                  <a:pt x="15169" y="16848"/>
-                </a:cubicBezTo>
-                <a:cubicBezTo>
-                  <a:pt x="17148" y="16848"/>
-                  <a:pt x="17148" y="16848"/>
-                  <a:pt x="17148" y="16848"/>
-                </a:cubicBezTo>
-                <a:cubicBezTo>
-                  <a:pt x="17478" y="16848"/>
-                  <a:pt x="17643" y="16416"/>
-                  <a:pt x="17643" y="16200"/>
-                </a:cubicBezTo>
-                <a:cubicBezTo>
-                  <a:pt x="17643" y="15768"/>
-                  <a:pt x="17478" y="15552"/>
-                  <a:pt x="17148" y="15552"/>
-                </a:cubicBezTo>
-                <a:close/>
-              </a:path>
-            </a:pathLst>
-          </a:custGeom>
-          <a:solidFill>
-            <a:srgbClr val="404040"/>
-          </a:solidFill>
-          <a:ln w="12700">
-            <a:miter lim="400000"/>
-          </a:ln>
-        </p:spPr>
-        <p:txBody>
-          <a:bodyPr lIns="121919" tIns="121919" rIns="121919" bIns="121919"/>
-          <a:lstStyle/>
-          <a:p>
-            <a:endParaRPr/>
-          </a:p>
-        </p:txBody>
-      </p:sp>
-      <p:sp>
-        <p:nvSpPr>
-          <p:cNvPr id="4" name="Rectangle 33">
-            <a:extLst>
-              <a:ext uri="{FF2B5EF4-FFF2-40B4-BE49-F238E27FC236}">
-                <a16:creationId xmlns:a16="http://schemas.microsoft.com/office/drawing/2014/main" id="{40C08CA7-8525-32DA-B7FF-92DFF6D5D331}"/>
-              </a:ext>
-            </a:extLst>
-          </p:cNvPr>
-          <p:cNvSpPr txBox="1"/>
-          <p:nvPr/>
-        </p:nvSpPr>
-        <p:spPr>
-          <a:xfrm>
-            <a:off x="13798788" y="5372100"/>
-            <a:ext cx="3422412" cy="369332"/>
-          </a:xfrm>
-          <a:prstGeom prst="rect">
-            <a:avLst/>
-          </a:prstGeom>
-          <a:ln w="12700">
-            <a:miter lim="400000"/>
-          </a:ln>
-          <a:extLst>
-            <a:ext uri="{C572A759-6A51-4108-AA02-DFA0A04FC94B}">
-              <ma14:wrappingTextBoxFlag xmlns:ma14="http://schemas.microsoft.com/office/mac/drawingml/2011/main" xmlns:a14="http://schemas.microsoft.com/office/drawing/2010/main" xmlns:m="http://schemas.openxmlformats.org/officeDocument/2006/math" xmlns="" val="1"/>
-            </a:ext>
-          </a:extLst>
-        </p:spPr>
-        <p:txBody>
-          <a:bodyPr wrap="none" lIns="0" tIns="0" rIns="0" bIns="0">
-            <a:spAutoFit/>
-          </a:bodyPr>
-          <a:lstStyle>
-            <a:lvl1pPr>
-              <a:defRPr sz="3400">
-                <a:solidFill>
-                  <a:srgbClr val="FFFFFF"/>
-                </a:solidFill>
-                <a:latin typeface="Montserrat Bold"/>
-                <a:ea typeface="Montserrat Bold"/>
-                <a:cs typeface="Montserrat Bold"/>
-                <a:sym typeface="Montserrat Bold"/>
-              </a:defRPr>
-            </a:lvl1pPr>
-          </a:lstStyle>
-          <a:p>
-            <a:r>
-              <a:rPr lang="en-US" sz="2400" dirty="0"/>
-              <a:t>MODEL EVALUATION</a:t>
-            </a:r>
-            <a:endParaRPr sz="2400" dirty="0"/>
-          </a:p>
-        </p:txBody>
-      </p:sp>
-      <p:sp>
-        <p:nvSpPr>
-          <p:cNvPr id="5" name="Rectangle 33">
-            <a:extLst>
-              <a:ext uri="{FF2B5EF4-FFF2-40B4-BE49-F238E27FC236}">
-                <a16:creationId xmlns:a16="http://schemas.microsoft.com/office/drawing/2014/main" id="{2AA0B4B4-E5A0-19F8-345E-9185C88FC30B}"/>
-              </a:ext>
-            </a:extLst>
-          </p:cNvPr>
-          <p:cNvSpPr txBox="1"/>
-          <p:nvPr/>
-        </p:nvSpPr>
-        <p:spPr>
-          <a:xfrm>
-            <a:off x="10037150" y="5384461"/>
-            <a:ext cx="2609689" cy="369332"/>
-          </a:xfrm>
-          <a:prstGeom prst="rect">
-            <a:avLst/>
-          </a:prstGeom>
-          <a:ln w="12700">
-            <a:miter lim="400000"/>
-          </a:ln>
-          <a:extLst>
-            <a:ext uri="{C572A759-6A51-4108-AA02-DFA0A04FC94B}">
-              <ma14:wrappingTextBoxFlag xmlns:ma14="http://schemas.microsoft.com/office/mac/drawingml/2011/main" xmlns:a14="http://schemas.microsoft.com/office/drawing/2010/main" xmlns:m="http://schemas.openxmlformats.org/officeDocument/2006/math" xmlns="" val="1"/>
-            </a:ext>
-          </a:extLst>
-        </p:spPr>
-        <p:txBody>
-          <a:bodyPr wrap="none" lIns="0" tIns="0" rIns="0" bIns="0">
-            <a:spAutoFit/>
-          </a:bodyPr>
-          <a:lstStyle>
-            <a:lvl1pPr>
-              <a:defRPr sz="3400">
-                <a:solidFill>
-                  <a:srgbClr val="FFFFFF"/>
-                </a:solidFill>
-                <a:latin typeface="Montserrat Bold"/>
-                <a:ea typeface="Montserrat Bold"/>
-                <a:cs typeface="Montserrat Bold"/>
-                <a:sym typeface="Montserrat Bold"/>
-              </a:defRPr>
-            </a:lvl1pPr>
-          </a:lstStyle>
-          <a:p>
-            <a:r>
-              <a:rPr lang="en-US" sz="2400" dirty="0"/>
-              <a:t>DATA ANALYSIS</a:t>
-            </a:r>
-            <a:endParaRPr sz="2400" dirty="0"/>
-          </a:p>
-        </p:txBody>
-      </p:sp>
-      <p:pic>
-        <p:nvPicPr>
-          <p:cNvPr id="25" name="Picture 24" descr="A blue and black logo&#10;&#10;Description automatically generated">
-            <a:extLst>
-              <a:ext uri="{FF2B5EF4-FFF2-40B4-BE49-F238E27FC236}">
-                <a16:creationId xmlns:a16="http://schemas.microsoft.com/office/drawing/2014/main" id="{7D5496C6-6552-E96D-83E6-C686EE880E85}"/>
-              </a:ext>
-            </a:extLst>
-          </p:cNvPr>
-          <p:cNvPicPr>
-            <a:picLocks noChangeAspect="1"/>
-          </p:cNvPicPr>
-          <p:nvPr/>
-        </p:nvPicPr>
-        <p:blipFill>
-          <a:blip r:embed="rId5">
-            <a:extLst>
-              <a:ext uri="{BEBA8EAE-BF5A-486C-A8C5-ECC9F3942E4B}">
-                <a14:imgProps xmlns:a14="http://schemas.microsoft.com/office/drawing/2010/main">
-                  <a14:imgLayer r:embed="rId6">
-                    <a14:imgEffect>
-                      <a14:colorTemperature colorTemp="4700"/>
-                    </a14:imgEffect>
-                    <a14:imgEffect>
-                      <a14:saturation sat="64000"/>
-                    </a14:imgEffect>
-                  </a14:imgLayer>
-                </a14:imgProps>
-              </a:ext>
-              <a:ext uri="{28A0092B-C50C-407E-A947-70E740481C1C}">
-                <a14:useLocalDpi xmlns:a14="http://schemas.microsoft.com/office/drawing/2010/main" val="0"/>
-              </a:ext>
-            </a:extLst>
-          </a:blip>
-          <a:stretch>
-            <a:fillRect/>
-          </a:stretch>
-        </p:blipFill>
-        <p:spPr>
-          <a:xfrm>
-            <a:off x="17373600" y="9246781"/>
-            <a:ext cx="762000" cy="925919"/>
-          </a:xfrm>
-          <a:prstGeom prst="rect">
-            <a:avLst/>
-          </a:prstGeom>
-        </p:spPr>
-      </p:pic>
-    </p:spTree>
-    <p:extLst>
-      <p:ext uri="{BB962C8B-B14F-4D97-AF65-F5344CB8AC3E}">
-        <p14:creationId xmlns:p14="http://schemas.microsoft.com/office/powerpoint/2010/main" val="2955760931"/>
-      </p:ext>
-    </p:extLst>
-  </p:cSld>
-  <p:clrMapOvr>
-    <a:masterClrMapping/>
-  </p:clrMapOvr>
-</p:sld>
-</file>
-
-<file path=ppt/slides/slide17.xml><?xml version="1.0" encoding="utf-8"?>
-<p:sld xmlns:a="http://schemas.openxmlformats.org/drawingml/2006/main" xmlns:r="http://schemas.openxmlformats.org/officeDocument/2006/relationships" xmlns:p="http://schemas.openxmlformats.org/presentationml/2006/main">
-  <p:cSld>
-    <p:spTree>
-      <p:nvGrpSpPr>
-        <p:cNvPr id="1" name=""/>
-        <p:cNvGrpSpPr/>
-        <p:nvPr/>
-      </p:nvGrpSpPr>
-      <p:grpSpPr>
-        <a:xfrm>
-          <a:off x="0" y="0"/>
-          <a:ext cx="0" cy="0"/>
-          <a:chOff x="0" y="0"/>
-          <a:chExt cx="0" cy="0"/>
-        </a:xfrm>
-      </p:grpSpPr>
-      <p:sp>
-        <p:nvSpPr>
-          <p:cNvPr id="2" name="TextBox 1">
-            <a:extLst>
-              <a:ext uri="{FF2B5EF4-FFF2-40B4-BE49-F238E27FC236}">
-                <a16:creationId xmlns:a16="http://schemas.microsoft.com/office/drawing/2014/main" id="{F5FC4DD1-F21C-4C38-9C4F-5F86D04CF90F}"/>
-              </a:ext>
-            </a:extLst>
-          </p:cNvPr>
-          <p:cNvSpPr txBox="1"/>
-          <p:nvPr/>
-        </p:nvSpPr>
-        <p:spPr>
-          <a:xfrm>
-            <a:off x="2296886" y="3453002"/>
-            <a:ext cx="14782800" cy="2604752"/>
-          </a:xfrm>
-          <a:prstGeom prst="rect">
-            <a:avLst/>
-          </a:prstGeom>
-          <a:noFill/>
-        </p:spPr>
-        <p:txBody>
-          <a:bodyPr wrap="square" lIns="91440" tIns="45720" rIns="91440" bIns="45720" rtlCol="0" anchor="t">
-            <a:spAutoFit/>
-          </a:bodyPr>
-          <a:lstStyle/>
-          <a:p>
-            <a:pPr marL="457200" indent="-457200">
-              <a:lnSpc>
-                <a:spcPct val="150000"/>
-              </a:lnSpc>
-              <a:buFont typeface="Arial" panose="020B0604020202020204" pitchFamily="34" charset="0"/>
-              <a:buChar char="•"/>
-            </a:pPr>
-            <a:r>
-              <a:rPr lang="en-US" sz="2800" dirty="0">
-                <a:latin typeface="Montserrat" panose="00000500000000000000" pitchFamily="2" charset="0"/>
-              </a:rPr>
-              <a:t>What is your main take away from today? </a:t>
-            </a:r>
-          </a:p>
-          <a:p>
-            <a:pPr marL="457200" indent="-457200">
-              <a:lnSpc>
-                <a:spcPct val="150000"/>
-              </a:lnSpc>
-              <a:buFont typeface="Arial" panose="020B0604020202020204" pitchFamily="34" charset="0"/>
-              <a:buChar char="•"/>
-            </a:pPr>
-            <a:r>
-              <a:rPr lang="en-US" sz="2800" dirty="0">
-                <a:latin typeface="Montserrat" panose="00000500000000000000" pitchFamily="2" charset="0"/>
-              </a:rPr>
-              <a:t>How does it change your perspective on Data Science? </a:t>
-            </a:r>
-          </a:p>
-          <a:p>
-            <a:pPr marL="457200" indent="-457200">
-              <a:lnSpc>
-                <a:spcPct val="150000"/>
-              </a:lnSpc>
-              <a:buFont typeface="Arial" panose="020B0604020202020204" pitchFamily="34" charset="0"/>
-              <a:buChar char="•"/>
-            </a:pPr>
-            <a:r>
-              <a:rPr lang="en-US" sz="2800" dirty="0">
-                <a:latin typeface="Montserrat"/>
-              </a:rPr>
-              <a:t>How do you think your future relationship to Data Science will be?</a:t>
-            </a:r>
-          </a:p>
-          <a:p>
-            <a:pPr marL="457200" indent="-457200">
-              <a:lnSpc>
-                <a:spcPct val="150000"/>
-              </a:lnSpc>
-              <a:buFont typeface="Arial" panose="020B0604020202020204" pitchFamily="34" charset="0"/>
-              <a:buChar char="•"/>
-            </a:pPr>
-            <a:r>
-              <a:rPr lang="en-US" sz="2800" dirty="0">
-                <a:latin typeface="Montserrat"/>
-              </a:rPr>
-              <a:t>In what ways can you incorporate Data Science thinking into your teaching?</a:t>
-            </a:r>
-          </a:p>
-        </p:txBody>
-      </p:sp>
-      <p:pic>
-        <p:nvPicPr>
-          <p:cNvPr id="30" name="Graphic 29" descr="Sailboat with solid fill">
-            <a:extLst>
-              <a:ext uri="{FF2B5EF4-FFF2-40B4-BE49-F238E27FC236}">
-                <a16:creationId xmlns:a16="http://schemas.microsoft.com/office/drawing/2014/main" id="{C0233A64-9664-B7CC-9133-500D9D9AEA4B}"/>
-              </a:ext>
-            </a:extLst>
-          </p:cNvPr>
-          <p:cNvPicPr>
-            <a:picLocks noChangeAspect="1"/>
-          </p:cNvPicPr>
-          <p:nvPr/>
-        </p:nvPicPr>
-        <p:blipFill>
-          <a:blip r:embed="rId3">
-            <a:extLst>
-              <a:ext uri="{28A0092B-C50C-407E-A947-70E740481C1C}">
-                <a14:useLocalDpi xmlns:a14="http://schemas.microsoft.com/office/drawing/2010/main" val="0"/>
-              </a:ext>
-              <a:ext uri="{96DAC541-7B7A-43D3-8B79-37D633B846F1}">
-                <asvg:svgBlip xmlns:asvg="http://schemas.microsoft.com/office/drawing/2016/SVG/main" r:embed="rId4"/>
-              </a:ext>
-            </a:extLst>
-          </a:blip>
-          <a:stretch>
-            <a:fillRect/>
-          </a:stretch>
-        </p:blipFill>
-        <p:spPr>
-          <a:xfrm>
-            <a:off x="7086600" y="6525987"/>
-            <a:ext cx="3733800" cy="3733800"/>
-          </a:xfrm>
-          <a:prstGeom prst="rect">
-            <a:avLst/>
-          </a:prstGeom>
-        </p:spPr>
-      </p:pic>
-      <p:pic>
-        <p:nvPicPr>
-          <p:cNvPr id="31" name="Graphic 30" descr="Boardroom with solid fill">
-            <a:extLst>
-              <a:ext uri="{FF2B5EF4-FFF2-40B4-BE49-F238E27FC236}">
-                <a16:creationId xmlns:a16="http://schemas.microsoft.com/office/drawing/2014/main" id="{ACE91EEA-88E6-655D-4F93-0004ABA7BC54}"/>
-              </a:ext>
-            </a:extLst>
-          </p:cNvPr>
-          <p:cNvPicPr>
-            <a:picLocks noChangeAspect="1"/>
-          </p:cNvPicPr>
-          <p:nvPr/>
-        </p:nvPicPr>
-        <p:blipFill>
-          <a:blip r:embed="rId5">
-            <a:extLst>
-              <a:ext uri="{28A0092B-C50C-407E-A947-70E740481C1C}">
-                <a14:useLocalDpi xmlns:a14="http://schemas.microsoft.com/office/drawing/2010/main" val="0"/>
-              </a:ext>
-              <a:ext uri="{96DAC541-7B7A-43D3-8B79-37D633B846F1}">
-                <asvg:svgBlip xmlns:asvg="http://schemas.microsoft.com/office/drawing/2016/SVG/main" r:embed="rId6"/>
-              </a:ext>
-            </a:extLst>
-          </a:blip>
-          <a:stretch>
-            <a:fillRect/>
-          </a:stretch>
-        </p:blipFill>
-        <p:spPr>
-          <a:xfrm>
-            <a:off x="8218555" y="8017033"/>
-            <a:ext cx="1328512" cy="1328512"/>
-          </a:xfrm>
-          <a:prstGeom prst="rect">
-            <a:avLst/>
-          </a:prstGeom>
-        </p:spPr>
-      </p:pic>
-      <p:grpSp>
-        <p:nvGrpSpPr>
-          <p:cNvPr id="32" name="Group 31">
-            <a:extLst>
-              <a:ext uri="{FF2B5EF4-FFF2-40B4-BE49-F238E27FC236}">
-                <a16:creationId xmlns:a16="http://schemas.microsoft.com/office/drawing/2014/main" id="{942267E1-D4DE-FC07-EEB4-FED0D6815D6F}"/>
-              </a:ext>
-            </a:extLst>
-          </p:cNvPr>
-          <p:cNvGrpSpPr/>
-          <p:nvPr/>
-        </p:nvGrpSpPr>
-        <p:grpSpPr>
-          <a:xfrm>
-            <a:off x="-152400" y="8953500"/>
-            <a:ext cx="17373600" cy="1524000"/>
-            <a:chOff x="-152400" y="8953500"/>
-            <a:chExt cx="17373600" cy="1524000"/>
-          </a:xfrm>
-        </p:grpSpPr>
-        <p:grpSp>
-          <p:nvGrpSpPr>
-            <p:cNvPr id="34" name="Group 33">
-              <a:extLst>
-                <a:ext uri="{FF2B5EF4-FFF2-40B4-BE49-F238E27FC236}">
-                  <a16:creationId xmlns:a16="http://schemas.microsoft.com/office/drawing/2014/main" id="{C99739D1-7191-7959-8563-923D91696B88}"/>
-                </a:ext>
-              </a:extLst>
-            </p:cNvPr>
-            <p:cNvGrpSpPr/>
-            <p:nvPr/>
-          </p:nvGrpSpPr>
-          <p:grpSpPr>
-            <a:xfrm>
-              <a:off x="-152400" y="8953500"/>
-              <a:ext cx="3962400" cy="1524000"/>
-              <a:chOff x="-152400" y="8953500"/>
-              <a:chExt cx="3962400" cy="1524000"/>
-            </a:xfrm>
-          </p:grpSpPr>
-          <p:pic>
-            <p:nvPicPr>
-              <p:cNvPr id="50" name="Graphic 49" descr="Wave with solid fill">
-                <a:extLst>
-                  <a:ext uri="{FF2B5EF4-FFF2-40B4-BE49-F238E27FC236}">
-                    <a16:creationId xmlns:a16="http://schemas.microsoft.com/office/drawing/2014/main" id="{34B70958-232E-F21B-D0C5-3F773192EA01}"/>
-                  </a:ext>
-                </a:extLst>
-              </p:cNvPr>
-              <p:cNvPicPr>
-                <a:picLocks noChangeAspect="1"/>
-              </p:cNvPicPr>
-              <p:nvPr/>
-            </p:nvPicPr>
-            <p:blipFill>
-              <a:blip r:embed="rId7">
-                <a:extLst>
-                  <a:ext uri="{28A0092B-C50C-407E-A947-70E740481C1C}">
-                    <a14:useLocalDpi xmlns:a14="http://schemas.microsoft.com/office/drawing/2010/main" val="0"/>
-                  </a:ext>
-                  <a:ext uri="{96DAC541-7B7A-43D3-8B79-37D633B846F1}">
-                    <asvg:svgBlip xmlns:asvg="http://schemas.microsoft.com/office/drawing/2016/SVG/main" r:embed="rId8"/>
-                  </a:ext>
-                </a:extLst>
-              </a:blip>
-              <a:stretch>
-                <a:fillRect/>
-              </a:stretch>
-            </p:blipFill>
-            <p:spPr>
-              <a:xfrm>
-                <a:off x="-152400" y="8953500"/>
-                <a:ext cx="1524000" cy="1524000"/>
-              </a:xfrm>
-              <a:prstGeom prst="rect">
-                <a:avLst/>
-              </a:prstGeom>
-            </p:spPr>
-          </p:pic>
-          <p:pic>
-            <p:nvPicPr>
-              <p:cNvPr id="51" name="Graphic 50" descr="Wave with solid fill">
-                <a:extLst>
-                  <a:ext uri="{FF2B5EF4-FFF2-40B4-BE49-F238E27FC236}">
-                    <a16:creationId xmlns:a16="http://schemas.microsoft.com/office/drawing/2014/main" id="{B074E469-2A30-7C89-BA47-295319D87B13}"/>
-                  </a:ext>
-                </a:extLst>
-              </p:cNvPr>
-              <p:cNvPicPr>
-                <a:picLocks noChangeAspect="1"/>
-              </p:cNvPicPr>
-              <p:nvPr/>
-            </p:nvPicPr>
-            <p:blipFill>
-              <a:blip r:embed="rId7">
-                <a:extLst>
-                  <a:ext uri="{28A0092B-C50C-407E-A947-70E740481C1C}">
-                    <a14:useLocalDpi xmlns:a14="http://schemas.microsoft.com/office/drawing/2010/main" val="0"/>
-                  </a:ext>
-                  <a:ext uri="{96DAC541-7B7A-43D3-8B79-37D633B846F1}">
-                    <asvg:svgBlip xmlns:asvg="http://schemas.microsoft.com/office/drawing/2016/SVG/main" r:embed="rId8"/>
-                  </a:ext>
-                </a:extLst>
-              </a:blip>
-              <a:stretch>
-                <a:fillRect/>
-              </a:stretch>
-            </p:blipFill>
-            <p:spPr>
-              <a:xfrm>
-                <a:off x="1066800" y="8953500"/>
-                <a:ext cx="1524000" cy="1524000"/>
-              </a:xfrm>
-              <a:prstGeom prst="rect">
-                <a:avLst/>
-              </a:prstGeom>
-            </p:spPr>
-          </p:pic>
-          <p:pic>
-            <p:nvPicPr>
-              <p:cNvPr id="52" name="Graphic 51" descr="Wave with solid fill">
-                <a:extLst>
-                  <a:ext uri="{FF2B5EF4-FFF2-40B4-BE49-F238E27FC236}">
-                    <a16:creationId xmlns:a16="http://schemas.microsoft.com/office/drawing/2014/main" id="{955D916D-FCE8-1F54-1F3C-600318EF99BD}"/>
-                  </a:ext>
-                </a:extLst>
-              </p:cNvPr>
-              <p:cNvPicPr>
-                <a:picLocks noChangeAspect="1"/>
-              </p:cNvPicPr>
-              <p:nvPr/>
-            </p:nvPicPr>
-            <p:blipFill>
-              <a:blip r:embed="rId7">
-                <a:extLst>
-                  <a:ext uri="{28A0092B-C50C-407E-A947-70E740481C1C}">
-                    <a14:useLocalDpi xmlns:a14="http://schemas.microsoft.com/office/drawing/2010/main" val="0"/>
-                  </a:ext>
-                  <a:ext uri="{96DAC541-7B7A-43D3-8B79-37D633B846F1}">
-                    <asvg:svgBlip xmlns:asvg="http://schemas.microsoft.com/office/drawing/2016/SVG/main" r:embed="rId8"/>
-                  </a:ext>
-                </a:extLst>
-              </a:blip>
-              <a:stretch>
-                <a:fillRect/>
-              </a:stretch>
-            </p:blipFill>
-            <p:spPr>
-              <a:xfrm>
-                <a:off x="2286000" y="8953500"/>
-                <a:ext cx="1524000" cy="1524000"/>
-              </a:xfrm>
-              <a:prstGeom prst="rect">
-                <a:avLst/>
-              </a:prstGeom>
-            </p:spPr>
-          </p:pic>
-        </p:grpSp>
-        <p:grpSp>
-          <p:nvGrpSpPr>
-            <p:cNvPr id="35" name="Group 34">
-              <a:extLst>
-                <a:ext uri="{FF2B5EF4-FFF2-40B4-BE49-F238E27FC236}">
-                  <a16:creationId xmlns:a16="http://schemas.microsoft.com/office/drawing/2014/main" id="{4FFC49F1-96E0-E577-2CBE-714873D9783B}"/>
-                </a:ext>
-              </a:extLst>
-            </p:cNvPr>
-            <p:cNvGrpSpPr/>
-            <p:nvPr/>
-          </p:nvGrpSpPr>
-          <p:grpSpPr>
-            <a:xfrm>
-              <a:off x="3505200" y="8953500"/>
-              <a:ext cx="3962400" cy="1524000"/>
-              <a:chOff x="-152400" y="8953500"/>
-              <a:chExt cx="3962400" cy="1524000"/>
-            </a:xfrm>
-          </p:grpSpPr>
-          <p:pic>
-            <p:nvPicPr>
-              <p:cNvPr id="47" name="Graphic 46" descr="Wave with solid fill">
-                <a:extLst>
-                  <a:ext uri="{FF2B5EF4-FFF2-40B4-BE49-F238E27FC236}">
-                    <a16:creationId xmlns:a16="http://schemas.microsoft.com/office/drawing/2014/main" id="{D4992FAA-313D-9C1A-F009-6C8A214CF1C6}"/>
-                  </a:ext>
-                </a:extLst>
-              </p:cNvPr>
-              <p:cNvPicPr>
-                <a:picLocks noChangeAspect="1"/>
-              </p:cNvPicPr>
-              <p:nvPr/>
-            </p:nvPicPr>
-            <p:blipFill>
-              <a:blip r:embed="rId7">
-                <a:extLst>
-                  <a:ext uri="{28A0092B-C50C-407E-A947-70E740481C1C}">
-                    <a14:useLocalDpi xmlns:a14="http://schemas.microsoft.com/office/drawing/2010/main" val="0"/>
-                  </a:ext>
-                  <a:ext uri="{96DAC541-7B7A-43D3-8B79-37D633B846F1}">
-                    <asvg:svgBlip xmlns:asvg="http://schemas.microsoft.com/office/drawing/2016/SVG/main" r:embed="rId8"/>
-                  </a:ext>
-                </a:extLst>
-              </a:blip>
-              <a:stretch>
-                <a:fillRect/>
-              </a:stretch>
-            </p:blipFill>
-            <p:spPr>
-              <a:xfrm>
-                <a:off x="-152400" y="8953500"/>
-                <a:ext cx="1524000" cy="1524000"/>
-              </a:xfrm>
-              <a:prstGeom prst="rect">
-                <a:avLst/>
-              </a:prstGeom>
-            </p:spPr>
-          </p:pic>
-          <p:pic>
-            <p:nvPicPr>
-              <p:cNvPr id="48" name="Graphic 47" descr="Wave with solid fill">
-                <a:extLst>
-                  <a:ext uri="{FF2B5EF4-FFF2-40B4-BE49-F238E27FC236}">
-                    <a16:creationId xmlns:a16="http://schemas.microsoft.com/office/drawing/2014/main" id="{66B2D228-4F91-3684-B2A7-B3EF60E79EB2}"/>
-                  </a:ext>
-                </a:extLst>
-              </p:cNvPr>
-              <p:cNvPicPr>
-                <a:picLocks noChangeAspect="1"/>
-              </p:cNvPicPr>
-              <p:nvPr/>
-            </p:nvPicPr>
-            <p:blipFill>
-              <a:blip r:embed="rId7">
-                <a:extLst>
-                  <a:ext uri="{28A0092B-C50C-407E-A947-70E740481C1C}">
-                    <a14:useLocalDpi xmlns:a14="http://schemas.microsoft.com/office/drawing/2010/main" val="0"/>
-                  </a:ext>
-                  <a:ext uri="{96DAC541-7B7A-43D3-8B79-37D633B846F1}">
-                    <asvg:svgBlip xmlns:asvg="http://schemas.microsoft.com/office/drawing/2016/SVG/main" r:embed="rId8"/>
-                  </a:ext>
-                </a:extLst>
-              </a:blip>
-              <a:stretch>
-                <a:fillRect/>
-              </a:stretch>
-            </p:blipFill>
-            <p:spPr>
-              <a:xfrm>
-                <a:off x="1066800" y="8953500"/>
-                <a:ext cx="1524000" cy="1524000"/>
-              </a:xfrm>
-              <a:prstGeom prst="rect">
-                <a:avLst/>
-              </a:prstGeom>
-            </p:spPr>
-          </p:pic>
-          <p:pic>
-            <p:nvPicPr>
-              <p:cNvPr id="49" name="Graphic 48" descr="Wave with solid fill">
-                <a:extLst>
-                  <a:ext uri="{FF2B5EF4-FFF2-40B4-BE49-F238E27FC236}">
-                    <a16:creationId xmlns:a16="http://schemas.microsoft.com/office/drawing/2014/main" id="{19F21467-3278-7B11-1D9F-DE9F66A6083B}"/>
-                  </a:ext>
-                </a:extLst>
-              </p:cNvPr>
-              <p:cNvPicPr>
-                <a:picLocks noChangeAspect="1"/>
-              </p:cNvPicPr>
-              <p:nvPr/>
-            </p:nvPicPr>
-            <p:blipFill>
-              <a:blip r:embed="rId7">
-                <a:extLst>
-                  <a:ext uri="{28A0092B-C50C-407E-A947-70E740481C1C}">
-                    <a14:useLocalDpi xmlns:a14="http://schemas.microsoft.com/office/drawing/2010/main" val="0"/>
-                  </a:ext>
-                  <a:ext uri="{96DAC541-7B7A-43D3-8B79-37D633B846F1}">
-                    <asvg:svgBlip xmlns:asvg="http://schemas.microsoft.com/office/drawing/2016/SVG/main" r:embed="rId8"/>
-                  </a:ext>
-                </a:extLst>
-              </a:blip>
-              <a:stretch>
-                <a:fillRect/>
-              </a:stretch>
-            </p:blipFill>
-            <p:spPr>
-              <a:xfrm>
-                <a:off x="2286000" y="8953500"/>
-                <a:ext cx="1524000" cy="1524000"/>
-              </a:xfrm>
-              <a:prstGeom prst="rect">
-                <a:avLst/>
-              </a:prstGeom>
-            </p:spPr>
-          </p:pic>
-        </p:grpSp>
-        <p:grpSp>
-          <p:nvGrpSpPr>
-            <p:cNvPr id="36" name="Group 35">
-              <a:extLst>
-                <a:ext uri="{FF2B5EF4-FFF2-40B4-BE49-F238E27FC236}">
-                  <a16:creationId xmlns:a16="http://schemas.microsoft.com/office/drawing/2014/main" id="{136ACD46-96C8-2065-5AAE-FE792E292DA7}"/>
-                </a:ext>
-              </a:extLst>
-            </p:cNvPr>
-            <p:cNvGrpSpPr/>
-            <p:nvPr/>
-          </p:nvGrpSpPr>
-          <p:grpSpPr>
-            <a:xfrm>
-              <a:off x="7162800" y="8953500"/>
-              <a:ext cx="3962400" cy="1524000"/>
-              <a:chOff x="-152400" y="8953500"/>
-              <a:chExt cx="3962400" cy="1524000"/>
-            </a:xfrm>
-          </p:grpSpPr>
-          <p:pic>
-            <p:nvPicPr>
-              <p:cNvPr id="44" name="Graphic 43" descr="Wave with solid fill">
-                <a:extLst>
-                  <a:ext uri="{FF2B5EF4-FFF2-40B4-BE49-F238E27FC236}">
-                    <a16:creationId xmlns:a16="http://schemas.microsoft.com/office/drawing/2014/main" id="{86BB65A0-FA37-4598-ECBF-DC159A8A50B1}"/>
-                  </a:ext>
-                </a:extLst>
-              </p:cNvPr>
-              <p:cNvPicPr>
-                <a:picLocks noChangeAspect="1"/>
-              </p:cNvPicPr>
-              <p:nvPr/>
-            </p:nvPicPr>
-            <p:blipFill>
-              <a:blip r:embed="rId7">
-                <a:extLst>
-                  <a:ext uri="{28A0092B-C50C-407E-A947-70E740481C1C}">
-                    <a14:useLocalDpi xmlns:a14="http://schemas.microsoft.com/office/drawing/2010/main" val="0"/>
-                  </a:ext>
-                  <a:ext uri="{96DAC541-7B7A-43D3-8B79-37D633B846F1}">
-                    <asvg:svgBlip xmlns:asvg="http://schemas.microsoft.com/office/drawing/2016/SVG/main" r:embed="rId8"/>
-                  </a:ext>
-                </a:extLst>
-              </a:blip>
-              <a:stretch>
-                <a:fillRect/>
-              </a:stretch>
-            </p:blipFill>
-            <p:spPr>
-              <a:xfrm>
-                <a:off x="-152400" y="8953500"/>
-                <a:ext cx="1524000" cy="1524000"/>
-              </a:xfrm>
-              <a:prstGeom prst="rect">
-                <a:avLst/>
-              </a:prstGeom>
-            </p:spPr>
-          </p:pic>
-          <p:pic>
-            <p:nvPicPr>
-              <p:cNvPr id="45" name="Graphic 44" descr="Wave with solid fill">
-                <a:extLst>
-                  <a:ext uri="{FF2B5EF4-FFF2-40B4-BE49-F238E27FC236}">
-                    <a16:creationId xmlns:a16="http://schemas.microsoft.com/office/drawing/2014/main" id="{D38099CF-CF4F-4BD8-F70F-E849B5386B30}"/>
-                  </a:ext>
-                </a:extLst>
-              </p:cNvPr>
-              <p:cNvPicPr>
-                <a:picLocks noChangeAspect="1"/>
-              </p:cNvPicPr>
-              <p:nvPr/>
-            </p:nvPicPr>
-            <p:blipFill>
-              <a:blip r:embed="rId7">
-                <a:extLst>
-                  <a:ext uri="{28A0092B-C50C-407E-A947-70E740481C1C}">
-                    <a14:useLocalDpi xmlns:a14="http://schemas.microsoft.com/office/drawing/2010/main" val="0"/>
-                  </a:ext>
-                  <a:ext uri="{96DAC541-7B7A-43D3-8B79-37D633B846F1}">
-                    <asvg:svgBlip xmlns:asvg="http://schemas.microsoft.com/office/drawing/2016/SVG/main" r:embed="rId8"/>
-                  </a:ext>
-                </a:extLst>
-              </a:blip>
-              <a:stretch>
-                <a:fillRect/>
-              </a:stretch>
-            </p:blipFill>
-            <p:spPr>
-              <a:xfrm>
-                <a:off x="1066800" y="8953500"/>
-                <a:ext cx="1524000" cy="1524000"/>
-              </a:xfrm>
-              <a:prstGeom prst="rect">
-                <a:avLst/>
-              </a:prstGeom>
-            </p:spPr>
-          </p:pic>
-          <p:pic>
-            <p:nvPicPr>
-              <p:cNvPr id="46" name="Graphic 45" descr="Wave with solid fill">
-                <a:extLst>
-                  <a:ext uri="{FF2B5EF4-FFF2-40B4-BE49-F238E27FC236}">
-                    <a16:creationId xmlns:a16="http://schemas.microsoft.com/office/drawing/2014/main" id="{315EBCEE-6C89-3511-E4C1-BECA6AC21B37}"/>
-                  </a:ext>
-                </a:extLst>
-              </p:cNvPr>
-              <p:cNvPicPr>
-                <a:picLocks noChangeAspect="1"/>
-              </p:cNvPicPr>
-              <p:nvPr/>
-            </p:nvPicPr>
-            <p:blipFill>
-              <a:blip r:embed="rId7">
-                <a:extLst>
-                  <a:ext uri="{28A0092B-C50C-407E-A947-70E740481C1C}">
-                    <a14:useLocalDpi xmlns:a14="http://schemas.microsoft.com/office/drawing/2010/main" val="0"/>
-                  </a:ext>
-                  <a:ext uri="{96DAC541-7B7A-43D3-8B79-37D633B846F1}">
-                    <asvg:svgBlip xmlns:asvg="http://schemas.microsoft.com/office/drawing/2016/SVG/main" r:embed="rId8"/>
-                  </a:ext>
-                </a:extLst>
-              </a:blip>
-              <a:stretch>
-                <a:fillRect/>
-              </a:stretch>
-            </p:blipFill>
-            <p:spPr>
-              <a:xfrm>
-                <a:off x="2286000" y="8953500"/>
-                <a:ext cx="1524000" cy="1524000"/>
-              </a:xfrm>
-              <a:prstGeom prst="rect">
-                <a:avLst/>
-              </a:prstGeom>
-            </p:spPr>
-          </p:pic>
-        </p:grpSp>
-        <p:grpSp>
-          <p:nvGrpSpPr>
-            <p:cNvPr id="37" name="Group 36">
-              <a:extLst>
-                <a:ext uri="{FF2B5EF4-FFF2-40B4-BE49-F238E27FC236}">
-                  <a16:creationId xmlns:a16="http://schemas.microsoft.com/office/drawing/2014/main" id="{A662A281-C6B8-9BFC-3C82-A8A2DE9A02AD}"/>
-                </a:ext>
-              </a:extLst>
-            </p:cNvPr>
-            <p:cNvGrpSpPr/>
-            <p:nvPr/>
-          </p:nvGrpSpPr>
-          <p:grpSpPr>
-            <a:xfrm>
-              <a:off x="10820400" y="8953500"/>
-              <a:ext cx="3962400" cy="1524000"/>
-              <a:chOff x="-152400" y="8953500"/>
-              <a:chExt cx="3962400" cy="1524000"/>
-            </a:xfrm>
-          </p:grpSpPr>
-          <p:pic>
-            <p:nvPicPr>
-              <p:cNvPr id="41" name="Graphic 40" descr="Wave with solid fill">
-                <a:extLst>
-                  <a:ext uri="{FF2B5EF4-FFF2-40B4-BE49-F238E27FC236}">
-                    <a16:creationId xmlns:a16="http://schemas.microsoft.com/office/drawing/2014/main" id="{EA9B46CA-6778-C43D-C621-3E3B98FEF82A}"/>
-                  </a:ext>
-                </a:extLst>
-              </p:cNvPr>
-              <p:cNvPicPr>
-                <a:picLocks noChangeAspect="1"/>
-              </p:cNvPicPr>
-              <p:nvPr/>
-            </p:nvPicPr>
-            <p:blipFill>
-              <a:blip r:embed="rId7">
-                <a:extLst>
-                  <a:ext uri="{28A0092B-C50C-407E-A947-70E740481C1C}">
-                    <a14:useLocalDpi xmlns:a14="http://schemas.microsoft.com/office/drawing/2010/main" val="0"/>
-                  </a:ext>
-                  <a:ext uri="{96DAC541-7B7A-43D3-8B79-37D633B846F1}">
-                    <asvg:svgBlip xmlns:asvg="http://schemas.microsoft.com/office/drawing/2016/SVG/main" r:embed="rId8"/>
-                  </a:ext>
-                </a:extLst>
-              </a:blip>
-              <a:stretch>
-                <a:fillRect/>
-              </a:stretch>
-            </p:blipFill>
-            <p:spPr>
-              <a:xfrm>
-                <a:off x="-152400" y="8953500"/>
-                <a:ext cx="1524000" cy="1524000"/>
-              </a:xfrm>
-              <a:prstGeom prst="rect">
-                <a:avLst/>
-              </a:prstGeom>
-            </p:spPr>
-          </p:pic>
-          <p:pic>
-            <p:nvPicPr>
-              <p:cNvPr id="42" name="Graphic 41" descr="Wave with solid fill">
-                <a:extLst>
-                  <a:ext uri="{FF2B5EF4-FFF2-40B4-BE49-F238E27FC236}">
-                    <a16:creationId xmlns:a16="http://schemas.microsoft.com/office/drawing/2014/main" id="{78C02828-DE72-9306-BE91-22E7583E3CFF}"/>
-                  </a:ext>
-                </a:extLst>
-              </p:cNvPr>
-              <p:cNvPicPr>
-                <a:picLocks noChangeAspect="1"/>
-              </p:cNvPicPr>
-              <p:nvPr/>
-            </p:nvPicPr>
-            <p:blipFill>
-              <a:blip r:embed="rId7">
-                <a:extLst>
-                  <a:ext uri="{28A0092B-C50C-407E-A947-70E740481C1C}">
-                    <a14:useLocalDpi xmlns:a14="http://schemas.microsoft.com/office/drawing/2010/main" val="0"/>
-                  </a:ext>
-                  <a:ext uri="{96DAC541-7B7A-43D3-8B79-37D633B846F1}">
-                    <asvg:svgBlip xmlns:asvg="http://schemas.microsoft.com/office/drawing/2016/SVG/main" r:embed="rId8"/>
-                  </a:ext>
-                </a:extLst>
-              </a:blip>
-              <a:stretch>
-                <a:fillRect/>
-              </a:stretch>
-            </p:blipFill>
-            <p:spPr>
-              <a:xfrm>
-                <a:off x="1066800" y="8953500"/>
-                <a:ext cx="1524000" cy="1524000"/>
-              </a:xfrm>
-              <a:prstGeom prst="rect">
-                <a:avLst/>
-              </a:prstGeom>
-            </p:spPr>
-          </p:pic>
-          <p:pic>
-            <p:nvPicPr>
-              <p:cNvPr id="43" name="Graphic 42" descr="Wave with solid fill">
-                <a:extLst>
-                  <a:ext uri="{FF2B5EF4-FFF2-40B4-BE49-F238E27FC236}">
-                    <a16:creationId xmlns:a16="http://schemas.microsoft.com/office/drawing/2014/main" id="{53B88607-AF09-5FD6-804A-93F7C87182CB}"/>
-                  </a:ext>
-                </a:extLst>
-              </p:cNvPr>
-              <p:cNvPicPr>
-                <a:picLocks noChangeAspect="1"/>
-              </p:cNvPicPr>
-              <p:nvPr/>
-            </p:nvPicPr>
-            <p:blipFill>
-              <a:blip r:embed="rId7">
-                <a:extLst>
-                  <a:ext uri="{28A0092B-C50C-407E-A947-70E740481C1C}">
-                    <a14:useLocalDpi xmlns:a14="http://schemas.microsoft.com/office/drawing/2010/main" val="0"/>
-                  </a:ext>
-                  <a:ext uri="{96DAC541-7B7A-43D3-8B79-37D633B846F1}">
-                    <asvg:svgBlip xmlns:asvg="http://schemas.microsoft.com/office/drawing/2016/SVG/main" r:embed="rId8"/>
-                  </a:ext>
-                </a:extLst>
-              </a:blip>
-              <a:stretch>
-                <a:fillRect/>
-              </a:stretch>
-            </p:blipFill>
-            <p:spPr>
-              <a:xfrm>
-                <a:off x="2286000" y="8953500"/>
-                <a:ext cx="1524000" cy="1524000"/>
-              </a:xfrm>
-              <a:prstGeom prst="rect">
-                <a:avLst/>
-              </a:prstGeom>
-            </p:spPr>
-          </p:pic>
-        </p:grpSp>
-        <p:grpSp>
-          <p:nvGrpSpPr>
-            <p:cNvPr id="38" name="Group 37">
-              <a:extLst>
-                <a:ext uri="{FF2B5EF4-FFF2-40B4-BE49-F238E27FC236}">
-                  <a16:creationId xmlns:a16="http://schemas.microsoft.com/office/drawing/2014/main" id="{C9B424CD-C2CA-C7CE-75F2-12544BDD249E}"/>
-                </a:ext>
-              </a:extLst>
-            </p:cNvPr>
-            <p:cNvGrpSpPr/>
-            <p:nvPr/>
-          </p:nvGrpSpPr>
-          <p:grpSpPr>
-            <a:xfrm>
-              <a:off x="14478000" y="8953500"/>
-              <a:ext cx="2743200" cy="1524000"/>
-              <a:chOff x="-152400" y="8953500"/>
-              <a:chExt cx="2743200" cy="1524000"/>
-            </a:xfrm>
-          </p:grpSpPr>
-          <p:pic>
-            <p:nvPicPr>
-              <p:cNvPr id="39" name="Graphic 38" descr="Wave with solid fill">
-                <a:extLst>
-                  <a:ext uri="{FF2B5EF4-FFF2-40B4-BE49-F238E27FC236}">
-                    <a16:creationId xmlns:a16="http://schemas.microsoft.com/office/drawing/2014/main" id="{EE3BF7C4-2414-4F80-451D-8E232CF00C47}"/>
-                  </a:ext>
-                </a:extLst>
-              </p:cNvPr>
-              <p:cNvPicPr>
-                <a:picLocks noChangeAspect="1"/>
-              </p:cNvPicPr>
-              <p:nvPr/>
-            </p:nvPicPr>
-            <p:blipFill>
-              <a:blip r:embed="rId7">
-                <a:extLst>
-                  <a:ext uri="{28A0092B-C50C-407E-A947-70E740481C1C}">
-                    <a14:useLocalDpi xmlns:a14="http://schemas.microsoft.com/office/drawing/2010/main" val="0"/>
-                  </a:ext>
-                  <a:ext uri="{96DAC541-7B7A-43D3-8B79-37D633B846F1}">
-                    <asvg:svgBlip xmlns:asvg="http://schemas.microsoft.com/office/drawing/2016/SVG/main" r:embed="rId8"/>
-                  </a:ext>
-                </a:extLst>
-              </a:blip>
-              <a:stretch>
-                <a:fillRect/>
-              </a:stretch>
-            </p:blipFill>
-            <p:spPr>
-              <a:xfrm>
-                <a:off x="-152400" y="8953500"/>
-                <a:ext cx="1524000" cy="1524000"/>
-              </a:xfrm>
-              <a:prstGeom prst="rect">
-                <a:avLst/>
-              </a:prstGeom>
-            </p:spPr>
-          </p:pic>
-          <p:pic>
-            <p:nvPicPr>
-              <p:cNvPr id="40" name="Graphic 39" descr="Wave with solid fill">
-                <a:extLst>
-                  <a:ext uri="{FF2B5EF4-FFF2-40B4-BE49-F238E27FC236}">
-                    <a16:creationId xmlns:a16="http://schemas.microsoft.com/office/drawing/2014/main" id="{A89715D3-7E75-15B4-7BCB-32C1579460EF}"/>
-                  </a:ext>
-                </a:extLst>
-              </p:cNvPr>
-              <p:cNvPicPr>
-                <a:picLocks noChangeAspect="1"/>
-              </p:cNvPicPr>
-              <p:nvPr/>
-            </p:nvPicPr>
-            <p:blipFill>
-              <a:blip r:embed="rId7">
-                <a:extLst>
-                  <a:ext uri="{28A0092B-C50C-407E-A947-70E740481C1C}">
-                    <a14:useLocalDpi xmlns:a14="http://schemas.microsoft.com/office/drawing/2010/main" val="0"/>
-                  </a:ext>
-                  <a:ext uri="{96DAC541-7B7A-43D3-8B79-37D633B846F1}">
-                    <asvg:svgBlip xmlns:asvg="http://schemas.microsoft.com/office/drawing/2016/SVG/main" r:embed="rId8"/>
-                  </a:ext>
-                </a:extLst>
-              </a:blip>
-              <a:stretch>
-                <a:fillRect/>
-              </a:stretch>
-            </p:blipFill>
-            <p:spPr>
-              <a:xfrm>
-                <a:off x="1066800" y="8953500"/>
-                <a:ext cx="1524000" cy="1524000"/>
-              </a:xfrm>
-              <a:prstGeom prst="rect">
-                <a:avLst/>
-              </a:prstGeom>
-            </p:spPr>
-          </p:pic>
-        </p:grpSp>
-      </p:grpSp>
-      <p:sp>
-        <p:nvSpPr>
-          <p:cNvPr id="4" name="Rounded Rectangle 3">
-            <a:extLst>
-              <a:ext uri="{FF2B5EF4-FFF2-40B4-BE49-F238E27FC236}">
-                <a16:creationId xmlns:a16="http://schemas.microsoft.com/office/drawing/2014/main" id="{3026C225-405F-D664-BB7A-0C4F75FDFD50}"/>
-              </a:ext>
-            </a:extLst>
-          </p:cNvPr>
-          <p:cNvSpPr/>
-          <p:nvPr/>
-        </p:nvSpPr>
-        <p:spPr>
-          <a:xfrm>
-            <a:off x="4234764" y="903355"/>
-            <a:ext cx="9328836" cy="1268345"/>
-          </a:xfrm>
-          <a:prstGeom prst="roundRect">
-            <a:avLst/>
-          </a:prstGeom>
-          <a:solidFill>
-            <a:srgbClr val="8EB4E3"/>
-          </a:solidFill>
-          <a:ln>
-            <a:noFill/>
-          </a:ln>
-        </p:spPr>
-        <p:style>
-          <a:lnRef idx="2">
-            <a:schemeClr val="accent1">
-              <a:shade val="50000"/>
-            </a:schemeClr>
-          </a:lnRef>
-          <a:fillRef idx="1">
-            <a:schemeClr val="accent1"/>
-          </a:fillRef>
-          <a:effectRef idx="0">
-            <a:schemeClr val="accent1"/>
-          </a:effectRef>
-          <a:fontRef idx="minor">
-            <a:schemeClr val="lt1"/>
-          </a:fontRef>
-        </p:style>
-        <p:txBody>
-          <a:bodyPr rtlCol="0" anchor="ctr"/>
-          <a:lstStyle/>
-          <a:p>
-            <a:pPr algn="ctr"/>
-            <a:endParaRPr lang="en-DK" dirty="0"/>
-          </a:p>
-        </p:txBody>
-      </p:sp>
-      <p:sp>
-        <p:nvSpPr>
-          <p:cNvPr id="5" name="TextBox 3">
-            <a:extLst>
-              <a:ext uri="{FF2B5EF4-FFF2-40B4-BE49-F238E27FC236}">
-                <a16:creationId xmlns:a16="http://schemas.microsoft.com/office/drawing/2014/main" id="{0B366F11-0209-B397-05AE-36EAF648492A}"/>
-              </a:ext>
-            </a:extLst>
-          </p:cNvPr>
-          <p:cNvSpPr txBox="1"/>
-          <p:nvPr/>
-        </p:nvSpPr>
-        <p:spPr>
-          <a:xfrm>
-            <a:off x="3850105" y="1104900"/>
-            <a:ext cx="10203131" cy="940322"/>
-          </a:xfrm>
-          <a:prstGeom prst="rect">
-            <a:avLst/>
-          </a:prstGeom>
-        </p:spPr>
-        <p:txBody>
-          <a:bodyPr wrap="square" lIns="0" tIns="0" rIns="0" bIns="0" rtlCol="0" anchor="t">
-            <a:spAutoFit/>
-          </a:bodyPr>
-          <a:lstStyle/>
-          <a:p>
-            <a:pPr algn="ctr">
-              <a:lnSpc>
-                <a:spcPts val="7807"/>
-              </a:lnSpc>
-              <a:spcBef>
-                <a:spcPct val="0"/>
-              </a:spcBef>
-            </a:pPr>
-            <a:r>
-              <a:rPr lang="en-US" sz="5400" b="1" dirty="0">
-                <a:solidFill>
-                  <a:schemeClr val="bg1"/>
-                </a:solidFill>
-                <a:latin typeface="Montserrat" pitchFamily="2" charset="77"/>
-              </a:rPr>
-              <a:t>GROUP DISCUSSION</a:t>
-            </a:r>
-          </a:p>
-        </p:txBody>
-      </p:sp>
-      <p:pic>
-        <p:nvPicPr>
-          <p:cNvPr id="3" name="Picture 2" descr="A blue and black logo&#10;&#10;Description automatically generated">
-            <a:extLst>
-              <a:ext uri="{FF2B5EF4-FFF2-40B4-BE49-F238E27FC236}">
                 <a16:creationId xmlns:a16="http://schemas.microsoft.com/office/drawing/2014/main" id="{45F1E998-919C-4CAE-A7D8-11F558AB2F83}"/>
               </a:ext>
             </a:extLst>
@@ -20787,7 +20837,7 @@
           <p:nvPr/>
         </p:nvPicPr>
         <p:blipFill>
-          <a:blip r:embed="rId9">
+          <a:blip r:embed="rId9" cstate="print">
             <a:extLst>
               <a:ext uri="{BEBA8EAE-BF5A-486C-A8C5-ECC9F3942E4B}">
                 <a14:imgProps xmlns:a14="http://schemas.microsoft.com/office/drawing/2010/main">
@@ -20932,7 +20982,7 @@
           <p:nvPr/>
         </p:nvPicPr>
         <p:blipFill>
-          <a:blip r:embed="rId3">
+          <a:blip r:embed="rId3" cstate="print">
             <a:extLst>
               <a:ext uri="{BEBA8EAE-BF5A-486C-A8C5-ECC9F3942E4B}">
                 <a14:imgProps xmlns:a14="http://schemas.microsoft.com/office/drawing/2010/main">
@@ -21142,7 +21192,7 @@
           <p:nvPr/>
         </p:nvPicPr>
         <p:blipFill>
-          <a:blip r:embed="rId4">
+          <a:blip r:embed="rId4" cstate="print">
             <a:extLst>
               <a:ext uri="{BEBA8EAE-BF5A-486C-A8C5-ECC9F3942E4B}">
                 <a14:imgProps xmlns:a14="http://schemas.microsoft.com/office/drawing/2010/main">
@@ -22480,7 +22530,7 @@
           </a:ln>
           <a:extLst>
             <a:ext uri="{C572A759-6A51-4108-AA02-DFA0A04FC94B}">
-              <ma14:wrappingTextBoxFlag xmlns:ma14="http://schemas.microsoft.com/office/mac/drawingml/2011/main" xmlns:a14="http://schemas.microsoft.com/office/drawing/2010/main" xmlns:m="http://schemas.openxmlformats.org/officeDocument/2006/math" xmlns="" val="1"/>
+              <ma14:wrappingTextBoxFlag xmlns="" xmlns:m="http://schemas.openxmlformats.org/officeDocument/2006/math" xmlns:a14="http://schemas.microsoft.com/office/drawing/2010/main" xmlns:ma14="http://schemas.microsoft.com/office/mac/drawingml/2011/main" val="1"/>
             </a:ext>
           </a:extLst>
         </p:spPr>
@@ -22535,7 +22585,7 @@
           </a:ln>
           <a:extLst>
             <a:ext uri="{C572A759-6A51-4108-AA02-DFA0A04FC94B}">
-              <ma14:wrappingTextBoxFlag xmlns:ma14="http://schemas.microsoft.com/office/mac/drawingml/2011/main" xmlns:a14="http://schemas.microsoft.com/office/drawing/2010/main" xmlns:m="http://schemas.openxmlformats.org/officeDocument/2006/math" xmlns="" val="1"/>
+              <ma14:wrappingTextBoxFlag xmlns="" xmlns:m="http://schemas.openxmlformats.org/officeDocument/2006/math" xmlns:a14="http://schemas.microsoft.com/office/drawing/2010/main" xmlns:ma14="http://schemas.microsoft.com/office/mac/drawingml/2011/main" val="1"/>
             </a:ext>
           </a:extLst>
         </p:spPr>
@@ -24302,7 +24352,7 @@
           </a:ln>
           <a:extLst>
             <a:ext uri="{C572A759-6A51-4108-AA02-DFA0A04FC94B}">
-              <ma14:wrappingTextBoxFlag xmlns:ma14="http://schemas.microsoft.com/office/mac/drawingml/2011/main" xmlns:a14="http://schemas.microsoft.com/office/drawing/2010/main" xmlns:m="http://schemas.openxmlformats.org/officeDocument/2006/math" xmlns="" val="1"/>
+              <ma14:wrappingTextBoxFlag xmlns="" xmlns:m="http://schemas.openxmlformats.org/officeDocument/2006/math" xmlns:a14="http://schemas.microsoft.com/office/drawing/2010/main" xmlns:ma14="http://schemas.microsoft.com/office/mac/drawingml/2011/main" val="1"/>
             </a:ext>
           </a:extLst>
         </p:spPr>
@@ -24347,7 +24397,7 @@
           <p:nvPr/>
         </p:nvPicPr>
         <p:blipFill>
-          <a:blip r:embed="rId7">
+          <a:blip r:embed="rId7" cstate="print">
             <a:extLst>
               <a:ext uri="{BEBA8EAE-BF5A-486C-A8C5-ECC9F3942E4B}">
                 <a14:imgProps xmlns:a14="http://schemas.microsoft.com/office/drawing/2010/main">
@@ -24869,7 +24919,7 @@
           <p:nvPr/>
         </p:nvPicPr>
         <p:blipFill>
-          <a:blip r:embed="rId5">
+          <a:blip r:embed="rId5" cstate="print">
             <a:extLst>
               <a:ext uri="{BEBA8EAE-BF5A-486C-A8C5-ECC9F3942E4B}">
                 <a14:imgProps xmlns:a14="http://schemas.microsoft.com/office/drawing/2010/main">
@@ -25354,7 +25404,7 @@
           <p:nvPr/>
         </p:nvPicPr>
         <p:blipFill>
-          <a:blip r:embed="rId5">
+          <a:blip r:embed="rId5" cstate="print">
             <a:extLst>
               <a:ext uri="{BEBA8EAE-BF5A-486C-A8C5-ECC9F3942E4B}">
                 <a14:imgProps xmlns:a14="http://schemas.microsoft.com/office/drawing/2010/main">
@@ -28827,7 +28877,7 @@
           <p:nvPr/>
         </p:nvPicPr>
         <p:blipFill>
-          <a:blip r:embed="rId4">
+          <a:blip r:embed="rId4" cstate="print">
             <a:extLst>
               <a:ext uri="{BEBA8EAE-BF5A-486C-A8C5-ECC9F3942E4B}">
                 <a14:imgProps xmlns:a14="http://schemas.microsoft.com/office/drawing/2010/main">
@@ -30284,7 +30334,7 @@
           <p:nvPr/>
         </p:nvPicPr>
         <p:blipFill>
-          <a:blip r:embed="rId9">
+          <a:blip r:embed="rId9" cstate="print">
             <a:extLst>
               <a:ext uri="{BEBA8EAE-BF5A-486C-A8C5-ECC9F3942E4B}">
                 <a14:imgProps xmlns:a14="http://schemas.microsoft.com/office/drawing/2010/main">
@@ -30772,7 +30822,7 @@
           <p:nvPr/>
         </p:nvPicPr>
         <p:blipFill>
-          <a:blip r:embed="rId5">
+          <a:blip r:embed="rId5" cstate="print">
             <a:extLst>
               <a:ext uri="{BEBA8EAE-BF5A-486C-A8C5-ECC9F3942E4B}">
                 <a14:imgProps xmlns:a14="http://schemas.microsoft.com/office/drawing/2010/main">
@@ -31833,7 +31883,7 @@
           <p:nvPr/>
         </p:nvPicPr>
         <p:blipFill>
-          <a:blip r:embed="rId10">
+          <a:blip r:embed="rId10" cstate="print">
             <a:extLst>
               <a:ext uri="{BEBA8EAE-BF5A-486C-A8C5-ECC9F3942E4B}">
                 <a14:imgProps xmlns:a14="http://schemas.microsoft.com/office/drawing/2010/main">
@@ -32199,7 +32249,7 @@
           <p:nvPr/>
         </p:nvPicPr>
         <p:blipFill>
-          <a:blip r:embed="rId4">
+          <a:blip r:embed="rId4" cstate="print">
             <a:extLst>
               <a:ext uri="{BEBA8EAE-BF5A-486C-A8C5-ECC9F3942E4B}">
                 <a14:imgProps xmlns:a14="http://schemas.microsoft.com/office/drawing/2010/main">
@@ -33983,26 +34033,6 @@
 </file>
 
 <file path=customXml/item1.xml><?xml version="1.0" encoding="utf-8"?>
-<?mso-contentType ?>
-<FormTemplates xmlns="http://schemas.microsoft.com/sharepoint/v3/contenttype/forms">
-  <Display>DocumentLibraryForm</Display>
-  <Edit>DocumentLibraryForm</Edit>
-  <New>DocumentLibraryForm</New>
-</FormTemplates>
-</file>
-
-<file path=customXml/item2.xml><?xml version="1.0" encoding="utf-8"?>
-<p:properties xmlns:p="http://schemas.microsoft.com/office/2006/metadata/properties" xmlns:xsi="http://www.w3.org/2001/XMLSchema-instance" xmlns:pc="http://schemas.microsoft.com/office/infopath/2007/PartnerControls">
-  <documentManagement>
-    <TaxCatchAll xmlns="c12dc4f0-a365-46b3-9e07-9aae8de5ba6f" xsi:nil="true"/>
-    <lcf76f155ced4ddcb4097134ff3c332f xmlns="b30be232-03ea-456c-8192-b7ea3ce3ddcd">
-      <Terms xmlns="http://schemas.microsoft.com/office/infopath/2007/PartnerControls"/>
-    </lcf76f155ced4ddcb4097134ff3c332f>
-  </documentManagement>
-</p:properties>
-</file>
-
-<file path=customXml/item3.xml><?xml version="1.0" encoding="utf-8"?>
 <ct:contentTypeSchema xmlns:ct="http://schemas.microsoft.com/office/2006/metadata/contentType" xmlns:ma="http://schemas.microsoft.com/office/2006/metadata/properties/metaAttributes" ct:_="" ma:_="" ma:contentTypeName="Document" ma:contentTypeID="0x010100338C0C0DDBC9B742BC44458BFD432381" ma:contentTypeVersion="16" ma:contentTypeDescription="Create a new document." ma:contentTypeScope="" ma:versionID="9e3a3b9664c02b87506af07230493c03">
   <xsd:schema xmlns:xsd="http://www.w3.org/2001/XMLSchema" xmlns:xs="http://www.w3.org/2001/XMLSchema" xmlns:p="http://schemas.microsoft.com/office/2006/metadata/properties" xmlns:ns2="b30be232-03ea-456c-8192-b7ea3ce3ddcd" xmlns:ns3="c12dc4f0-a365-46b3-9e07-9aae8de5ba6f" targetNamespace="http://schemas.microsoft.com/office/2006/metadata/properties" ma:root="true" ma:fieldsID="97668ca7a1f544c2cd9291a5bcfce177" ns2:_="" ns3:_="">
     <xsd:import namespace="b30be232-03ea-456c-8192-b7ea3ce3ddcd"/>
@@ -34245,10 +34275,41 @@
 </ct:contentTypeSchema>
 </file>
 
+<file path=customXml/item2.xml><?xml version="1.0" encoding="utf-8"?>
+<p:properties xmlns:p="http://schemas.microsoft.com/office/2006/metadata/properties" xmlns:xsi="http://www.w3.org/2001/XMLSchema-instance" xmlns:pc="http://schemas.microsoft.com/office/infopath/2007/PartnerControls">
+  <documentManagement>
+    <TaxCatchAll xmlns="c12dc4f0-a365-46b3-9e07-9aae8de5ba6f" xsi:nil="true"/>
+    <lcf76f155ced4ddcb4097134ff3c332f xmlns="b30be232-03ea-456c-8192-b7ea3ce3ddcd">
+      <Terms xmlns="http://schemas.microsoft.com/office/infopath/2007/PartnerControls"/>
+    </lcf76f155ced4ddcb4097134ff3c332f>
+  </documentManagement>
+</p:properties>
+</file>
+
+<file path=customXml/item3.xml><?xml version="1.0" encoding="utf-8"?>
+<?mso-contentType ?>
+<FormTemplates xmlns="http://schemas.microsoft.com/sharepoint/v3/contenttype/forms">
+  <Display>DocumentLibraryForm</Display>
+  <Edit>DocumentLibraryForm</Edit>
+  <New>DocumentLibraryForm</New>
+</FormTemplates>
+</file>
+
 <file path=customXml/itemProps1.xml><?xml version="1.0" encoding="utf-8"?>
-<ds:datastoreItem xmlns:ds="http://schemas.openxmlformats.org/officeDocument/2006/customXml" ds:itemID="{62192324-B2BD-44ED-9189-FD50B4E08E52}">
+<ds:datastoreItem xmlns:ds="http://schemas.openxmlformats.org/officeDocument/2006/customXml" ds:itemID="{B307509C-F6F5-45A5-8F96-BB1A9C2DDFA4}">
   <ds:schemaRefs>
-    <ds:schemaRef ds:uri="http://schemas.microsoft.com/sharepoint/v3/contenttype/forms"/>
+    <ds:schemaRef ds:uri="http://schemas.microsoft.com/office/2006/metadata/contentType"/>
+    <ds:schemaRef ds:uri="http://schemas.microsoft.com/office/2006/metadata/properties/metaAttributes"/>
+    <ds:schemaRef ds:uri="http://www.w3.org/2001/XMLSchema"/>
+    <ds:schemaRef ds:uri="http://schemas.microsoft.com/office/2006/metadata/properties"/>
+    <ds:schemaRef ds:uri="b30be232-03ea-456c-8192-b7ea3ce3ddcd"/>
+    <ds:schemaRef ds:uri="c12dc4f0-a365-46b3-9e07-9aae8de5ba6f"/>
+    <ds:schemaRef ds:uri="http://schemas.microsoft.com/office/2006/documentManagement/types"/>
+    <ds:schemaRef ds:uri="http://schemas.microsoft.com/office/infopath/2007/PartnerControls"/>
+    <ds:schemaRef ds:uri="http://schemas.openxmlformats.org/package/2006/metadata/core-properties"/>
+    <ds:schemaRef ds:uri="http://purl.org/dc/elements/1.1/"/>
+    <ds:schemaRef ds:uri="http://purl.org/dc/terms/"/>
+    <ds:schemaRef ds:uri="http://schemas.microsoft.com/internal/obd"/>
   </ds:schemaRefs>
 </ds:datastoreItem>
 </file>
@@ -34271,20 +34332,9 @@
 </file>
 
 <file path=customXml/itemProps3.xml><?xml version="1.0" encoding="utf-8"?>
-<ds:datastoreItem xmlns:ds="http://schemas.openxmlformats.org/officeDocument/2006/customXml" ds:itemID="{B307509C-F6F5-45A5-8F96-BB1A9C2DDFA4}">
+<ds:datastoreItem xmlns:ds="http://schemas.openxmlformats.org/officeDocument/2006/customXml" ds:itemID="{62192324-B2BD-44ED-9189-FD50B4E08E52}">
   <ds:schemaRefs>
-    <ds:schemaRef ds:uri="http://schemas.microsoft.com/office/2006/metadata/contentType"/>
-    <ds:schemaRef ds:uri="http://schemas.microsoft.com/office/2006/metadata/properties/metaAttributes"/>
-    <ds:schemaRef ds:uri="http://www.w3.org/2001/XMLSchema"/>
-    <ds:schemaRef ds:uri="http://schemas.microsoft.com/office/2006/metadata/properties"/>
-    <ds:schemaRef ds:uri="b30be232-03ea-456c-8192-b7ea3ce3ddcd"/>
-    <ds:schemaRef ds:uri="c12dc4f0-a365-46b3-9e07-9aae8de5ba6f"/>
-    <ds:schemaRef ds:uri="http://schemas.microsoft.com/office/2006/documentManagement/types"/>
-    <ds:schemaRef ds:uri="http://schemas.microsoft.com/office/infopath/2007/PartnerControls"/>
-    <ds:schemaRef ds:uri="http://schemas.openxmlformats.org/package/2006/metadata/core-properties"/>
-    <ds:schemaRef ds:uri="http://purl.org/dc/elements/1.1/"/>
-    <ds:schemaRef ds:uri="http://purl.org/dc/terms/"/>
-    <ds:schemaRef ds:uri="http://schemas.microsoft.com/internal/obd"/>
+    <ds:schemaRef ds:uri="http://schemas.microsoft.com/sharepoint/v3/contenttype/forms"/>
   </ds:schemaRefs>
 </ds:datastoreItem>
 </file>
